--- a/PRESENTATION/KissLaszlo_annualreport.pptx
+++ b/PRESENTATION/KissLaszlo_annualreport.pptx
@@ -13,6 +13,7 @@
     <p:sldId id="260" r:id="rId8"/>
     <p:sldId id="261" r:id="rId9"/>
     <p:sldId id="262" r:id="rId10"/>
+    <p:sldId id="263" r:id="rId11"/>
   </p:sldIdLst>
   <p:sldSz cx="12192000" cy="6858000"/>
   <p:notesSz cx="7772400" cy="10058400"/>
@@ -60,7 +61,7 @@
       </p:grpSpPr>
       <p:sp>
         <p:nvSpPr>
-          <p:cNvPr id="26" name="PlaceHolder 1"/>
+          <p:cNvPr id="23" name="PlaceHolder 1"/>
           <p:cNvSpPr>
             <a:spLocks noGrp="1"/>
           </p:cNvSpPr>
@@ -70,8 +71,8 @@
         </p:nvSpPr>
         <p:spPr>
           <a:xfrm>
-            <a:off x="838080" y="365040"/>
-            <a:ext cx="10515240" cy="1325160"/>
+            <a:off x="609480" y="273600"/>
+            <a:ext cx="10972440" cy="1144800"/>
           </a:xfrm>
           <a:prstGeom prst="rect">
             <a:avLst/>
@@ -80,23 +81,24 @@
         <p:txBody>
           <a:bodyPr lIns="0" rIns="0" tIns="0" bIns="0" anchor="ctr"/>
           <a:p>
-            <a:endParaRPr b="0" lang="hu-HU" sz="1800" spc="-1" strike="noStrike">
-              <a:solidFill>
-                <a:srgbClr val="000000"/>
-              </a:solidFill>
-              <a:uFill>
-                <a:solidFill>
-                  <a:srgbClr val="ffffff"/>
-                </a:solidFill>
-              </a:uFill>
-              <a:latin typeface="Calibri"/>
-            </a:endParaRPr>
-          </a:p>
-        </p:txBody>
-      </p:sp>
-      <p:sp>
-        <p:nvSpPr>
-          <p:cNvPr id="27" name="PlaceHolder 2"/>
+            <a:pPr algn="ctr"/>
+            <a:endParaRPr b="0" lang="en-US" sz="4400" spc="-1" strike="noStrike">
+              <a:solidFill>
+                <a:srgbClr val="000000"/>
+              </a:solidFill>
+              <a:uFill>
+                <a:solidFill>
+                  <a:srgbClr val="ffffff"/>
+                </a:solidFill>
+              </a:uFill>
+              <a:latin typeface="Arial"/>
+            </a:endParaRPr>
+          </a:p>
+        </p:txBody>
+      </p:sp>
+      <p:sp>
+        <p:nvSpPr>
+          <p:cNvPr id="24" name="PlaceHolder 2"/>
           <p:cNvSpPr>
             <a:spLocks noGrp="1"/>
           </p:cNvSpPr>
@@ -106,8 +108,8 @@
         </p:nvSpPr>
         <p:spPr>
           <a:xfrm>
-            <a:off x="838080" y="1825560"/>
-            <a:ext cx="10515240" cy="2075040"/>
+            <a:off x="609480" y="1604520"/>
+            <a:ext cx="10972440" cy="1896840"/>
           </a:xfrm>
           <a:prstGeom prst="rect">
             <a:avLst/>
@@ -116,23 +118,23 @@
         <p:txBody>
           <a:bodyPr lIns="0" rIns="0" tIns="0" bIns="0"/>
           <a:p>
-            <a:endParaRPr b="0" lang="hu-HU" sz="2800" spc="-1" strike="noStrike">
-              <a:solidFill>
-                <a:srgbClr val="000000"/>
-              </a:solidFill>
-              <a:uFill>
-                <a:solidFill>
-                  <a:srgbClr val="ffffff"/>
-                </a:solidFill>
-              </a:uFill>
-              <a:latin typeface="Calibri"/>
-            </a:endParaRPr>
-          </a:p>
-        </p:txBody>
-      </p:sp>
-      <p:sp>
-        <p:nvSpPr>
-          <p:cNvPr id="28" name="PlaceHolder 3"/>
+            <a:endParaRPr b="0" lang="en-US" sz="3200" spc="-1" strike="noStrike">
+              <a:solidFill>
+                <a:srgbClr val="000000"/>
+              </a:solidFill>
+              <a:uFill>
+                <a:solidFill>
+                  <a:srgbClr val="ffffff"/>
+                </a:solidFill>
+              </a:uFill>
+              <a:latin typeface="Arial"/>
+            </a:endParaRPr>
+          </a:p>
+        </p:txBody>
+      </p:sp>
+      <p:sp>
+        <p:nvSpPr>
+          <p:cNvPr id="25" name="PlaceHolder 3"/>
           <p:cNvSpPr>
             <a:spLocks noGrp="1"/>
           </p:cNvSpPr>
@@ -142,8 +144,8 @@
         </p:nvSpPr>
         <p:spPr>
           <a:xfrm>
-            <a:off x="838080" y="4098240"/>
-            <a:ext cx="10515240" cy="2075040"/>
+            <a:off x="609480" y="3682080"/>
+            <a:ext cx="10972440" cy="1896840"/>
           </a:xfrm>
           <a:prstGeom prst="rect">
             <a:avLst/>
@@ -152,16 +154,16 @@
         <p:txBody>
           <a:bodyPr lIns="0" rIns="0" tIns="0" bIns="0"/>
           <a:p>
-            <a:endParaRPr b="0" lang="hu-HU" sz="2800" spc="-1" strike="noStrike">
-              <a:solidFill>
-                <a:srgbClr val="000000"/>
-              </a:solidFill>
-              <a:uFill>
-                <a:solidFill>
-                  <a:srgbClr val="ffffff"/>
-                </a:solidFill>
-              </a:uFill>
-              <a:latin typeface="Calibri"/>
+            <a:endParaRPr b="0" lang="en-US" sz="3200" spc="-1" strike="noStrike">
+              <a:solidFill>
+                <a:srgbClr val="000000"/>
+              </a:solidFill>
+              <a:uFill>
+                <a:solidFill>
+                  <a:srgbClr val="ffffff"/>
+                </a:solidFill>
+              </a:uFill>
+              <a:latin typeface="Arial"/>
             </a:endParaRPr>
           </a:p>
         </p:txBody>
@@ -190,7 +192,7 @@
       </p:grpSpPr>
       <p:sp>
         <p:nvSpPr>
-          <p:cNvPr id="29" name="PlaceHolder 1"/>
+          <p:cNvPr id="26" name="PlaceHolder 1"/>
           <p:cNvSpPr>
             <a:spLocks noGrp="1"/>
           </p:cNvSpPr>
@@ -200,8 +202,8 @@
         </p:nvSpPr>
         <p:spPr>
           <a:xfrm>
-            <a:off x="838080" y="365040"/>
-            <a:ext cx="10515240" cy="1325160"/>
+            <a:off x="609480" y="273600"/>
+            <a:ext cx="10972440" cy="1144800"/>
           </a:xfrm>
           <a:prstGeom prst="rect">
             <a:avLst/>
@@ -210,23 +212,24 @@
         <p:txBody>
           <a:bodyPr lIns="0" rIns="0" tIns="0" bIns="0" anchor="ctr"/>
           <a:p>
-            <a:endParaRPr b="0" lang="hu-HU" sz="1800" spc="-1" strike="noStrike">
-              <a:solidFill>
-                <a:srgbClr val="000000"/>
-              </a:solidFill>
-              <a:uFill>
-                <a:solidFill>
-                  <a:srgbClr val="ffffff"/>
-                </a:solidFill>
-              </a:uFill>
-              <a:latin typeface="Calibri"/>
-            </a:endParaRPr>
-          </a:p>
-        </p:txBody>
-      </p:sp>
-      <p:sp>
-        <p:nvSpPr>
-          <p:cNvPr id="30" name="PlaceHolder 2"/>
+            <a:pPr algn="ctr"/>
+            <a:endParaRPr b="0" lang="en-US" sz="4400" spc="-1" strike="noStrike">
+              <a:solidFill>
+                <a:srgbClr val="000000"/>
+              </a:solidFill>
+              <a:uFill>
+                <a:solidFill>
+                  <a:srgbClr val="ffffff"/>
+                </a:solidFill>
+              </a:uFill>
+              <a:latin typeface="Arial"/>
+            </a:endParaRPr>
+          </a:p>
+        </p:txBody>
+      </p:sp>
+      <p:sp>
+        <p:nvSpPr>
+          <p:cNvPr id="27" name="PlaceHolder 2"/>
           <p:cNvSpPr>
             <a:spLocks noGrp="1"/>
           </p:cNvSpPr>
@@ -236,8 +239,8 @@
         </p:nvSpPr>
         <p:spPr>
           <a:xfrm>
-            <a:off x="838080" y="1825560"/>
-            <a:ext cx="5131080" cy="2075040"/>
+            <a:off x="609480" y="1604520"/>
+            <a:ext cx="5354280" cy="1896840"/>
           </a:xfrm>
           <a:prstGeom prst="rect">
             <a:avLst/>
@@ -246,23 +249,23 @@
         <p:txBody>
           <a:bodyPr lIns="0" rIns="0" tIns="0" bIns="0"/>
           <a:p>
-            <a:endParaRPr b="0" lang="hu-HU" sz="2800" spc="-1" strike="noStrike">
-              <a:solidFill>
-                <a:srgbClr val="000000"/>
-              </a:solidFill>
-              <a:uFill>
-                <a:solidFill>
-                  <a:srgbClr val="ffffff"/>
-                </a:solidFill>
-              </a:uFill>
-              <a:latin typeface="Calibri"/>
-            </a:endParaRPr>
-          </a:p>
-        </p:txBody>
-      </p:sp>
-      <p:sp>
-        <p:nvSpPr>
-          <p:cNvPr id="31" name="PlaceHolder 3"/>
+            <a:endParaRPr b="0" lang="en-US" sz="3200" spc="-1" strike="noStrike">
+              <a:solidFill>
+                <a:srgbClr val="000000"/>
+              </a:solidFill>
+              <a:uFill>
+                <a:solidFill>
+                  <a:srgbClr val="ffffff"/>
+                </a:solidFill>
+              </a:uFill>
+              <a:latin typeface="Arial"/>
+            </a:endParaRPr>
+          </a:p>
+        </p:txBody>
+      </p:sp>
+      <p:sp>
+        <p:nvSpPr>
+          <p:cNvPr id="28" name="PlaceHolder 3"/>
           <p:cNvSpPr>
             <a:spLocks noGrp="1"/>
           </p:cNvSpPr>
@@ -272,8 +275,8 @@
         </p:nvSpPr>
         <p:spPr>
           <a:xfrm>
-            <a:off x="6226200" y="1825560"/>
-            <a:ext cx="5131080" cy="2075040"/>
+            <a:off x="6231960" y="1604520"/>
+            <a:ext cx="5354280" cy="1896840"/>
           </a:xfrm>
           <a:prstGeom prst="rect">
             <a:avLst/>
@@ -282,23 +285,23 @@
         <p:txBody>
           <a:bodyPr lIns="0" rIns="0" tIns="0" bIns="0"/>
           <a:p>
-            <a:endParaRPr b="0" lang="hu-HU" sz="2800" spc="-1" strike="noStrike">
-              <a:solidFill>
-                <a:srgbClr val="000000"/>
-              </a:solidFill>
-              <a:uFill>
-                <a:solidFill>
-                  <a:srgbClr val="ffffff"/>
-                </a:solidFill>
-              </a:uFill>
-              <a:latin typeface="Calibri"/>
-            </a:endParaRPr>
-          </a:p>
-        </p:txBody>
-      </p:sp>
-      <p:sp>
-        <p:nvSpPr>
-          <p:cNvPr id="32" name="PlaceHolder 4"/>
+            <a:endParaRPr b="0" lang="en-US" sz="3200" spc="-1" strike="noStrike">
+              <a:solidFill>
+                <a:srgbClr val="000000"/>
+              </a:solidFill>
+              <a:uFill>
+                <a:solidFill>
+                  <a:srgbClr val="ffffff"/>
+                </a:solidFill>
+              </a:uFill>
+              <a:latin typeface="Arial"/>
+            </a:endParaRPr>
+          </a:p>
+        </p:txBody>
+      </p:sp>
+      <p:sp>
+        <p:nvSpPr>
+          <p:cNvPr id="29" name="PlaceHolder 4"/>
           <p:cNvSpPr>
             <a:spLocks noGrp="1"/>
           </p:cNvSpPr>
@@ -308,8 +311,8 @@
         </p:nvSpPr>
         <p:spPr>
           <a:xfrm>
-            <a:off x="6226200" y="4098240"/>
-            <a:ext cx="5131080" cy="2075040"/>
+            <a:off x="6231960" y="3682080"/>
+            <a:ext cx="5354280" cy="1896840"/>
           </a:xfrm>
           <a:prstGeom prst="rect">
             <a:avLst/>
@@ -318,23 +321,23 @@
         <p:txBody>
           <a:bodyPr lIns="0" rIns="0" tIns="0" bIns="0"/>
           <a:p>
-            <a:endParaRPr b="0" lang="hu-HU" sz="2800" spc="-1" strike="noStrike">
-              <a:solidFill>
-                <a:srgbClr val="000000"/>
-              </a:solidFill>
-              <a:uFill>
-                <a:solidFill>
-                  <a:srgbClr val="ffffff"/>
-                </a:solidFill>
-              </a:uFill>
-              <a:latin typeface="Calibri"/>
-            </a:endParaRPr>
-          </a:p>
-        </p:txBody>
-      </p:sp>
-      <p:sp>
-        <p:nvSpPr>
-          <p:cNvPr id="33" name="PlaceHolder 5"/>
+            <a:endParaRPr b="0" lang="en-US" sz="3200" spc="-1" strike="noStrike">
+              <a:solidFill>
+                <a:srgbClr val="000000"/>
+              </a:solidFill>
+              <a:uFill>
+                <a:solidFill>
+                  <a:srgbClr val="ffffff"/>
+                </a:solidFill>
+              </a:uFill>
+              <a:latin typeface="Arial"/>
+            </a:endParaRPr>
+          </a:p>
+        </p:txBody>
+      </p:sp>
+      <p:sp>
+        <p:nvSpPr>
+          <p:cNvPr id="30" name="PlaceHolder 5"/>
           <p:cNvSpPr>
             <a:spLocks noGrp="1"/>
           </p:cNvSpPr>
@@ -344,8 +347,8 @@
         </p:nvSpPr>
         <p:spPr>
           <a:xfrm>
-            <a:off x="838080" y="4098240"/>
-            <a:ext cx="5131080" cy="2075040"/>
+            <a:off x="609480" y="3682080"/>
+            <a:ext cx="5354280" cy="1896840"/>
           </a:xfrm>
           <a:prstGeom prst="rect">
             <a:avLst/>
@@ -354,16 +357,16 @@
         <p:txBody>
           <a:bodyPr lIns="0" rIns="0" tIns="0" bIns="0"/>
           <a:p>
-            <a:endParaRPr b="0" lang="hu-HU" sz="2800" spc="-1" strike="noStrike">
-              <a:solidFill>
-                <a:srgbClr val="000000"/>
-              </a:solidFill>
-              <a:uFill>
-                <a:solidFill>
-                  <a:srgbClr val="ffffff"/>
-                </a:solidFill>
-              </a:uFill>
-              <a:latin typeface="Calibri"/>
+            <a:endParaRPr b="0" lang="en-US" sz="3200" spc="-1" strike="noStrike">
+              <a:solidFill>
+                <a:srgbClr val="000000"/>
+              </a:solidFill>
+              <a:uFill>
+                <a:solidFill>
+                  <a:srgbClr val="ffffff"/>
+                </a:solidFill>
+              </a:uFill>
+              <a:latin typeface="Arial"/>
             </a:endParaRPr>
           </a:p>
         </p:txBody>
@@ -392,7 +395,7 @@
       </p:grpSpPr>
       <p:sp>
         <p:nvSpPr>
-          <p:cNvPr id="34" name="PlaceHolder 1"/>
+          <p:cNvPr id="31" name="PlaceHolder 1"/>
           <p:cNvSpPr>
             <a:spLocks noGrp="1"/>
           </p:cNvSpPr>
@@ -402,8 +405,8 @@
         </p:nvSpPr>
         <p:spPr>
           <a:xfrm>
-            <a:off x="838080" y="365040"/>
-            <a:ext cx="10515240" cy="1325160"/>
+            <a:off x="609480" y="273600"/>
+            <a:ext cx="10972440" cy="1144800"/>
           </a:xfrm>
           <a:prstGeom prst="rect">
             <a:avLst/>
@@ -412,23 +415,24 @@
         <p:txBody>
           <a:bodyPr lIns="0" rIns="0" tIns="0" bIns="0" anchor="ctr"/>
           <a:p>
-            <a:endParaRPr b="0" lang="hu-HU" sz="1800" spc="-1" strike="noStrike">
-              <a:solidFill>
-                <a:srgbClr val="000000"/>
-              </a:solidFill>
-              <a:uFill>
-                <a:solidFill>
-                  <a:srgbClr val="ffffff"/>
-                </a:solidFill>
-              </a:uFill>
-              <a:latin typeface="Calibri"/>
-            </a:endParaRPr>
-          </a:p>
-        </p:txBody>
-      </p:sp>
-      <p:sp>
-        <p:nvSpPr>
-          <p:cNvPr id="35" name="PlaceHolder 2"/>
+            <a:pPr algn="ctr"/>
+            <a:endParaRPr b="0" lang="en-US" sz="4400" spc="-1" strike="noStrike">
+              <a:solidFill>
+                <a:srgbClr val="000000"/>
+              </a:solidFill>
+              <a:uFill>
+                <a:solidFill>
+                  <a:srgbClr val="ffffff"/>
+                </a:solidFill>
+              </a:uFill>
+              <a:latin typeface="Arial"/>
+            </a:endParaRPr>
+          </a:p>
+        </p:txBody>
+      </p:sp>
+      <p:sp>
+        <p:nvSpPr>
+          <p:cNvPr id="32" name="PlaceHolder 2"/>
           <p:cNvSpPr>
             <a:spLocks noGrp="1"/>
           </p:cNvSpPr>
@@ -438,8 +442,8 @@
         </p:nvSpPr>
         <p:spPr>
           <a:xfrm>
-            <a:off x="838080" y="1825560"/>
-            <a:ext cx="10515240" cy="4350960"/>
+            <a:off x="609480" y="1604520"/>
+            <a:ext cx="10972440" cy="3977280"/>
           </a:xfrm>
           <a:prstGeom prst="rect">
             <a:avLst/>
@@ -448,23 +452,23 @@
         <p:txBody>
           <a:bodyPr lIns="0" rIns="0" tIns="0" bIns="0"/>
           <a:p>
-            <a:endParaRPr b="0" lang="hu-HU" sz="2800" spc="-1" strike="noStrike">
-              <a:solidFill>
-                <a:srgbClr val="000000"/>
-              </a:solidFill>
-              <a:uFill>
-                <a:solidFill>
-                  <a:srgbClr val="ffffff"/>
-                </a:solidFill>
-              </a:uFill>
-              <a:latin typeface="Calibri"/>
-            </a:endParaRPr>
-          </a:p>
-        </p:txBody>
-      </p:sp>
-      <p:sp>
-        <p:nvSpPr>
-          <p:cNvPr id="36" name="PlaceHolder 3"/>
+            <a:endParaRPr b="0" lang="en-US" sz="3200" spc="-1" strike="noStrike">
+              <a:solidFill>
+                <a:srgbClr val="000000"/>
+              </a:solidFill>
+              <a:uFill>
+                <a:solidFill>
+                  <a:srgbClr val="ffffff"/>
+                </a:solidFill>
+              </a:uFill>
+              <a:latin typeface="Arial"/>
+            </a:endParaRPr>
+          </a:p>
+        </p:txBody>
+      </p:sp>
+      <p:sp>
+        <p:nvSpPr>
+          <p:cNvPr id="33" name="PlaceHolder 3"/>
           <p:cNvSpPr>
             <a:spLocks noGrp="1"/>
           </p:cNvSpPr>
@@ -474,8 +478,8 @@
         </p:nvSpPr>
         <p:spPr>
           <a:xfrm>
-            <a:off x="838080" y="1825560"/>
-            <a:ext cx="10515240" cy="4350960"/>
+            <a:off x="609480" y="1604520"/>
+            <a:ext cx="10972440" cy="3977280"/>
           </a:xfrm>
           <a:prstGeom prst="rect">
             <a:avLst/>
@@ -484,23 +488,23 @@
         <p:txBody>
           <a:bodyPr lIns="0" rIns="0" tIns="0" bIns="0"/>
           <a:p>
-            <a:endParaRPr b="0" lang="hu-HU" sz="2800" spc="-1" strike="noStrike">
-              <a:solidFill>
-                <a:srgbClr val="000000"/>
-              </a:solidFill>
-              <a:uFill>
-                <a:solidFill>
-                  <a:srgbClr val="ffffff"/>
-                </a:solidFill>
-              </a:uFill>
-              <a:latin typeface="Calibri"/>
+            <a:endParaRPr b="0" lang="en-US" sz="3200" spc="-1" strike="noStrike">
+              <a:solidFill>
+                <a:srgbClr val="000000"/>
+              </a:solidFill>
+              <a:uFill>
+                <a:solidFill>
+                  <a:srgbClr val="ffffff"/>
+                </a:solidFill>
+              </a:uFill>
+              <a:latin typeface="Arial"/>
             </a:endParaRPr>
           </a:p>
         </p:txBody>
       </p:sp>
       <p:pic>
         <p:nvPicPr>
-          <p:cNvPr id="37" name="" descr=""/>
+          <p:cNvPr id="34" name="" descr=""/>
           <p:cNvPicPr/>
           <p:nvPr/>
         </p:nvPicPr>
@@ -510,8 +514,8 @@
         </p:blipFill>
         <p:spPr>
           <a:xfrm>
-            <a:off x="3368880" y="1825560"/>
-            <a:ext cx="5452920" cy="4350960"/>
+            <a:off x="3602880" y="1604520"/>
+            <a:ext cx="4984920" cy="3977280"/>
           </a:xfrm>
           <a:prstGeom prst="rect">
             <a:avLst/>
@@ -523,7 +527,7 @@
       </p:pic>
       <p:pic>
         <p:nvPicPr>
-          <p:cNvPr id="38" name="" descr=""/>
+          <p:cNvPr id="35" name="" descr=""/>
           <p:cNvPicPr/>
           <p:nvPr/>
         </p:nvPicPr>
@@ -533,8 +537,8 @@
         </p:blipFill>
         <p:spPr>
           <a:xfrm>
-            <a:off x="3368880" y="1825560"/>
-            <a:ext cx="5452920" cy="4350960"/>
+            <a:off x="3602880" y="1604520"/>
+            <a:ext cx="4984920" cy="3977280"/>
           </a:xfrm>
           <a:prstGeom prst="rect">
             <a:avLst/>
@@ -590,7 +594,7 @@
       </p:grpSpPr>
       <p:sp>
         <p:nvSpPr>
-          <p:cNvPr id="44" name="PlaceHolder 1"/>
+          <p:cNvPr id="38" name="PlaceHolder 1"/>
           <p:cNvSpPr>
             <a:spLocks noGrp="1"/>
           </p:cNvSpPr>
@@ -600,8 +604,8 @@
         </p:nvSpPr>
         <p:spPr>
           <a:xfrm>
-            <a:off x="838080" y="365040"/>
-            <a:ext cx="10515240" cy="1325160"/>
+            <a:off x="609480" y="273600"/>
+            <a:ext cx="10972440" cy="1144800"/>
           </a:xfrm>
           <a:prstGeom prst="rect">
             <a:avLst/>
@@ -610,23 +614,24 @@
         <p:txBody>
           <a:bodyPr lIns="0" rIns="0" tIns="0" bIns="0" anchor="ctr"/>
           <a:p>
-            <a:endParaRPr b="0" lang="hu-HU" sz="1800" spc="-1" strike="noStrike">
-              <a:solidFill>
-                <a:srgbClr val="000000"/>
-              </a:solidFill>
-              <a:uFill>
-                <a:solidFill>
-                  <a:srgbClr val="ffffff"/>
-                </a:solidFill>
-              </a:uFill>
-              <a:latin typeface="Calibri"/>
-            </a:endParaRPr>
-          </a:p>
-        </p:txBody>
-      </p:sp>
-      <p:sp>
-        <p:nvSpPr>
-          <p:cNvPr id="45" name="PlaceHolder 2"/>
+            <a:pPr algn="ctr"/>
+            <a:endParaRPr b="0" lang="en-US" sz="4400" spc="-1" strike="noStrike">
+              <a:solidFill>
+                <a:srgbClr val="000000"/>
+              </a:solidFill>
+              <a:uFill>
+                <a:solidFill>
+                  <a:srgbClr val="ffffff"/>
+                </a:solidFill>
+              </a:uFill>
+              <a:latin typeface="Arial"/>
+            </a:endParaRPr>
+          </a:p>
+        </p:txBody>
+      </p:sp>
+      <p:sp>
+        <p:nvSpPr>
+          <p:cNvPr id="39" name="PlaceHolder 2"/>
           <p:cNvSpPr>
             <a:spLocks noGrp="1"/>
           </p:cNvSpPr>
@@ -636,8 +641,8 @@
         </p:nvSpPr>
         <p:spPr>
           <a:xfrm>
-            <a:off x="838080" y="1825560"/>
-            <a:ext cx="10515240" cy="4350960"/>
+            <a:off x="609480" y="1604520"/>
+            <a:ext cx="10972440" cy="3977280"/>
           </a:xfrm>
           <a:prstGeom prst="rect">
             <a:avLst/>
@@ -685,7 +690,7 @@
       </p:grpSpPr>
       <p:sp>
         <p:nvSpPr>
-          <p:cNvPr id="46" name="PlaceHolder 1"/>
+          <p:cNvPr id="40" name="PlaceHolder 1"/>
           <p:cNvSpPr>
             <a:spLocks noGrp="1"/>
           </p:cNvSpPr>
@@ -695,8 +700,8 @@
         </p:nvSpPr>
         <p:spPr>
           <a:xfrm>
-            <a:off x="838080" y="365040"/>
-            <a:ext cx="10515240" cy="1325160"/>
+            <a:off x="609480" y="273600"/>
+            <a:ext cx="10972440" cy="1144800"/>
           </a:xfrm>
           <a:prstGeom prst="rect">
             <a:avLst/>
@@ -705,23 +710,24 @@
         <p:txBody>
           <a:bodyPr lIns="0" rIns="0" tIns="0" bIns="0" anchor="ctr"/>
           <a:p>
-            <a:endParaRPr b="0" lang="hu-HU" sz="1800" spc="-1" strike="noStrike">
-              <a:solidFill>
-                <a:srgbClr val="000000"/>
-              </a:solidFill>
-              <a:uFill>
-                <a:solidFill>
-                  <a:srgbClr val="ffffff"/>
-                </a:solidFill>
-              </a:uFill>
-              <a:latin typeface="Calibri"/>
-            </a:endParaRPr>
-          </a:p>
-        </p:txBody>
-      </p:sp>
-      <p:sp>
-        <p:nvSpPr>
-          <p:cNvPr id="47" name="PlaceHolder 2"/>
+            <a:pPr algn="ctr"/>
+            <a:endParaRPr b="0" lang="en-US" sz="4400" spc="-1" strike="noStrike">
+              <a:solidFill>
+                <a:srgbClr val="000000"/>
+              </a:solidFill>
+              <a:uFill>
+                <a:solidFill>
+                  <a:srgbClr val="ffffff"/>
+                </a:solidFill>
+              </a:uFill>
+              <a:latin typeface="Arial"/>
+            </a:endParaRPr>
+          </a:p>
+        </p:txBody>
+      </p:sp>
+      <p:sp>
+        <p:nvSpPr>
+          <p:cNvPr id="41" name="PlaceHolder 2"/>
           <p:cNvSpPr>
             <a:spLocks noGrp="1"/>
           </p:cNvSpPr>
@@ -731,8 +737,8 @@
         </p:nvSpPr>
         <p:spPr>
           <a:xfrm>
-            <a:off x="838080" y="1825560"/>
-            <a:ext cx="10515240" cy="4350960"/>
+            <a:off x="609480" y="1604520"/>
+            <a:ext cx="10972440" cy="3977280"/>
           </a:xfrm>
           <a:prstGeom prst="rect">
             <a:avLst/>
@@ -741,16 +747,16 @@
         <p:txBody>
           <a:bodyPr lIns="0" rIns="0" tIns="0" bIns="0"/>
           <a:p>
-            <a:endParaRPr b="0" lang="hu-HU" sz="2800" spc="-1" strike="noStrike">
-              <a:solidFill>
-                <a:srgbClr val="000000"/>
-              </a:solidFill>
-              <a:uFill>
-                <a:solidFill>
-                  <a:srgbClr val="ffffff"/>
-                </a:solidFill>
-              </a:uFill>
-              <a:latin typeface="Calibri"/>
+            <a:endParaRPr b="0" lang="en-US" sz="3200" spc="-1" strike="noStrike">
+              <a:solidFill>
+                <a:srgbClr val="000000"/>
+              </a:solidFill>
+              <a:uFill>
+                <a:solidFill>
+                  <a:srgbClr val="ffffff"/>
+                </a:solidFill>
+              </a:uFill>
+              <a:latin typeface="Arial"/>
             </a:endParaRPr>
           </a:p>
         </p:txBody>
@@ -779,7 +785,7 @@
       </p:grpSpPr>
       <p:sp>
         <p:nvSpPr>
-          <p:cNvPr id="48" name="PlaceHolder 1"/>
+          <p:cNvPr id="42" name="PlaceHolder 1"/>
           <p:cNvSpPr>
             <a:spLocks noGrp="1"/>
           </p:cNvSpPr>
@@ -789,8 +795,8 @@
         </p:nvSpPr>
         <p:spPr>
           <a:xfrm>
-            <a:off x="838080" y="365040"/>
-            <a:ext cx="10515240" cy="1325160"/>
+            <a:off x="609480" y="273600"/>
+            <a:ext cx="10972440" cy="1144800"/>
           </a:xfrm>
           <a:prstGeom prst="rect">
             <a:avLst/>
@@ -799,23 +805,24 @@
         <p:txBody>
           <a:bodyPr lIns="0" rIns="0" tIns="0" bIns="0" anchor="ctr"/>
           <a:p>
-            <a:endParaRPr b="0" lang="hu-HU" sz="1800" spc="-1" strike="noStrike">
-              <a:solidFill>
-                <a:srgbClr val="000000"/>
-              </a:solidFill>
-              <a:uFill>
-                <a:solidFill>
-                  <a:srgbClr val="ffffff"/>
-                </a:solidFill>
-              </a:uFill>
-              <a:latin typeface="Calibri"/>
-            </a:endParaRPr>
-          </a:p>
-        </p:txBody>
-      </p:sp>
-      <p:sp>
-        <p:nvSpPr>
-          <p:cNvPr id="49" name="PlaceHolder 2"/>
+            <a:pPr algn="ctr"/>
+            <a:endParaRPr b="0" lang="en-US" sz="4400" spc="-1" strike="noStrike">
+              <a:solidFill>
+                <a:srgbClr val="000000"/>
+              </a:solidFill>
+              <a:uFill>
+                <a:solidFill>
+                  <a:srgbClr val="ffffff"/>
+                </a:solidFill>
+              </a:uFill>
+              <a:latin typeface="Arial"/>
+            </a:endParaRPr>
+          </a:p>
+        </p:txBody>
+      </p:sp>
+      <p:sp>
+        <p:nvSpPr>
+          <p:cNvPr id="43" name="PlaceHolder 2"/>
           <p:cNvSpPr>
             <a:spLocks noGrp="1"/>
           </p:cNvSpPr>
@@ -825,8 +832,8 @@
         </p:nvSpPr>
         <p:spPr>
           <a:xfrm>
-            <a:off x="838080" y="1825560"/>
-            <a:ext cx="5131080" cy="4350960"/>
+            <a:off x="609480" y="1604520"/>
+            <a:ext cx="5354280" cy="3977280"/>
           </a:xfrm>
           <a:prstGeom prst="rect">
             <a:avLst/>
@@ -835,23 +842,23 @@
         <p:txBody>
           <a:bodyPr lIns="0" rIns="0" tIns="0" bIns="0"/>
           <a:p>
-            <a:endParaRPr b="0" lang="hu-HU" sz="2800" spc="-1" strike="noStrike">
-              <a:solidFill>
-                <a:srgbClr val="000000"/>
-              </a:solidFill>
-              <a:uFill>
-                <a:solidFill>
-                  <a:srgbClr val="ffffff"/>
-                </a:solidFill>
-              </a:uFill>
-              <a:latin typeface="Calibri"/>
-            </a:endParaRPr>
-          </a:p>
-        </p:txBody>
-      </p:sp>
-      <p:sp>
-        <p:nvSpPr>
-          <p:cNvPr id="50" name="PlaceHolder 3"/>
+            <a:endParaRPr b="0" lang="en-US" sz="3200" spc="-1" strike="noStrike">
+              <a:solidFill>
+                <a:srgbClr val="000000"/>
+              </a:solidFill>
+              <a:uFill>
+                <a:solidFill>
+                  <a:srgbClr val="ffffff"/>
+                </a:solidFill>
+              </a:uFill>
+              <a:latin typeface="Arial"/>
+            </a:endParaRPr>
+          </a:p>
+        </p:txBody>
+      </p:sp>
+      <p:sp>
+        <p:nvSpPr>
+          <p:cNvPr id="44" name="PlaceHolder 3"/>
           <p:cNvSpPr>
             <a:spLocks noGrp="1"/>
           </p:cNvSpPr>
@@ -861,8 +868,8 @@
         </p:nvSpPr>
         <p:spPr>
           <a:xfrm>
-            <a:off x="6226200" y="1825560"/>
-            <a:ext cx="5131080" cy="4350960"/>
+            <a:off x="6231960" y="1604520"/>
+            <a:ext cx="5354280" cy="3977280"/>
           </a:xfrm>
           <a:prstGeom prst="rect">
             <a:avLst/>
@@ -871,16 +878,16 @@
         <p:txBody>
           <a:bodyPr lIns="0" rIns="0" tIns="0" bIns="0"/>
           <a:p>
-            <a:endParaRPr b="0" lang="hu-HU" sz="2800" spc="-1" strike="noStrike">
-              <a:solidFill>
-                <a:srgbClr val="000000"/>
-              </a:solidFill>
-              <a:uFill>
-                <a:solidFill>
-                  <a:srgbClr val="ffffff"/>
-                </a:solidFill>
-              </a:uFill>
-              <a:latin typeface="Calibri"/>
+            <a:endParaRPr b="0" lang="en-US" sz="3200" spc="-1" strike="noStrike">
+              <a:solidFill>
+                <a:srgbClr val="000000"/>
+              </a:solidFill>
+              <a:uFill>
+                <a:solidFill>
+                  <a:srgbClr val="ffffff"/>
+                </a:solidFill>
+              </a:uFill>
+              <a:latin typeface="Arial"/>
             </a:endParaRPr>
           </a:p>
         </p:txBody>
@@ -909,7 +916,7 @@
       </p:grpSpPr>
       <p:sp>
         <p:nvSpPr>
-          <p:cNvPr id="51" name="PlaceHolder 1"/>
+          <p:cNvPr id="45" name="PlaceHolder 1"/>
           <p:cNvSpPr>
             <a:spLocks noGrp="1"/>
           </p:cNvSpPr>
@@ -919,8 +926,8 @@
         </p:nvSpPr>
         <p:spPr>
           <a:xfrm>
-            <a:off x="838080" y="365040"/>
-            <a:ext cx="10515240" cy="1325160"/>
+            <a:off x="609480" y="273600"/>
+            <a:ext cx="10972440" cy="1144800"/>
           </a:xfrm>
           <a:prstGeom prst="rect">
             <a:avLst/>
@@ -929,16 +936,17 @@
         <p:txBody>
           <a:bodyPr lIns="0" rIns="0" tIns="0" bIns="0" anchor="ctr"/>
           <a:p>
-            <a:endParaRPr b="0" lang="hu-HU" sz="1800" spc="-1" strike="noStrike">
-              <a:solidFill>
-                <a:srgbClr val="000000"/>
-              </a:solidFill>
-              <a:uFill>
-                <a:solidFill>
-                  <a:srgbClr val="ffffff"/>
-                </a:solidFill>
-              </a:uFill>
-              <a:latin typeface="Calibri"/>
+            <a:pPr algn="ctr"/>
+            <a:endParaRPr b="0" lang="en-US" sz="4400" spc="-1" strike="noStrike">
+              <a:solidFill>
+                <a:srgbClr val="000000"/>
+              </a:solidFill>
+              <a:uFill>
+                <a:solidFill>
+                  <a:srgbClr val="ffffff"/>
+                </a:solidFill>
+              </a:uFill>
+              <a:latin typeface="Arial"/>
             </a:endParaRPr>
           </a:p>
         </p:txBody>
@@ -967,7 +975,7 @@
       </p:grpSpPr>
       <p:sp>
         <p:nvSpPr>
-          <p:cNvPr id="52" name="PlaceHolder 1"/>
+          <p:cNvPr id="46" name="PlaceHolder 1"/>
           <p:cNvSpPr>
             <a:spLocks noGrp="1"/>
           </p:cNvSpPr>
@@ -977,8 +985,8 @@
         </p:nvSpPr>
         <p:spPr>
           <a:xfrm>
-            <a:off x="838080" y="365040"/>
-            <a:ext cx="10515240" cy="6144120"/>
+            <a:off x="609480" y="273600"/>
+            <a:ext cx="10972440" cy="5307840"/>
           </a:xfrm>
           <a:prstGeom prst="rect">
             <a:avLst/>
@@ -1026,7 +1034,7 @@
       </p:grpSpPr>
       <p:sp>
         <p:nvSpPr>
-          <p:cNvPr id="53" name="PlaceHolder 1"/>
+          <p:cNvPr id="47" name="PlaceHolder 1"/>
           <p:cNvSpPr>
             <a:spLocks noGrp="1"/>
           </p:cNvSpPr>
@@ -1036,8 +1044,8 @@
         </p:nvSpPr>
         <p:spPr>
           <a:xfrm>
-            <a:off x="838080" y="365040"/>
-            <a:ext cx="10515240" cy="1325160"/>
+            <a:off x="609480" y="273600"/>
+            <a:ext cx="10972440" cy="1144800"/>
           </a:xfrm>
           <a:prstGeom prst="rect">
             <a:avLst/>
@@ -1046,23 +1054,24 @@
         <p:txBody>
           <a:bodyPr lIns="0" rIns="0" tIns="0" bIns="0" anchor="ctr"/>
           <a:p>
-            <a:endParaRPr b="0" lang="hu-HU" sz="1800" spc="-1" strike="noStrike">
-              <a:solidFill>
-                <a:srgbClr val="000000"/>
-              </a:solidFill>
-              <a:uFill>
-                <a:solidFill>
-                  <a:srgbClr val="ffffff"/>
-                </a:solidFill>
-              </a:uFill>
-              <a:latin typeface="Calibri"/>
-            </a:endParaRPr>
-          </a:p>
-        </p:txBody>
-      </p:sp>
-      <p:sp>
-        <p:nvSpPr>
-          <p:cNvPr id="54" name="PlaceHolder 2"/>
+            <a:pPr algn="ctr"/>
+            <a:endParaRPr b="0" lang="en-US" sz="4400" spc="-1" strike="noStrike">
+              <a:solidFill>
+                <a:srgbClr val="000000"/>
+              </a:solidFill>
+              <a:uFill>
+                <a:solidFill>
+                  <a:srgbClr val="ffffff"/>
+                </a:solidFill>
+              </a:uFill>
+              <a:latin typeface="Arial"/>
+            </a:endParaRPr>
+          </a:p>
+        </p:txBody>
+      </p:sp>
+      <p:sp>
+        <p:nvSpPr>
+          <p:cNvPr id="48" name="PlaceHolder 2"/>
           <p:cNvSpPr>
             <a:spLocks noGrp="1"/>
           </p:cNvSpPr>
@@ -1072,8 +1081,8 @@
         </p:nvSpPr>
         <p:spPr>
           <a:xfrm>
-            <a:off x="838080" y="1825560"/>
-            <a:ext cx="5131080" cy="2075040"/>
+            <a:off x="609480" y="1604520"/>
+            <a:ext cx="5354280" cy="1896840"/>
           </a:xfrm>
           <a:prstGeom prst="rect">
             <a:avLst/>
@@ -1082,23 +1091,23 @@
         <p:txBody>
           <a:bodyPr lIns="0" rIns="0" tIns="0" bIns="0"/>
           <a:p>
-            <a:endParaRPr b="0" lang="hu-HU" sz="2800" spc="-1" strike="noStrike">
-              <a:solidFill>
-                <a:srgbClr val="000000"/>
-              </a:solidFill>
-              <a:uFill>
-                <a:solidFill>
-                  <a:srgbClr val="ffffff"/>
-                </a:solidFill>
-              </a:uFill>
-              <a:latin typeface="Calibri"/>
-            </a:endParaRPr>
-          </a:p>
-        </p:txBody>
-      </p:sp>
-      <p:sp>
-        <p:nvSpPr>
-          <p:cNvPr id="55" name="PlaceHolder 3"/>
+            <a:endParaRPr b="0" lang="en-US" sz="3200" spc="-1" strike="noStrike">
+              <a:solidFill>
+                <a:srgbClr val="000000"/>
+              </a:solidFill>
+              <a:uFill>
+                <a:solidFill>
+                  <a:srgbClr val="ffffff"/>
+                </a:solidFill>
+              </a:uFill>
+              <a:latin typeface="Arial"/>
+            </a:endParaRPr>
+          </a:p>
+        </p:txBody>
+      </p:sp>
+      <p:sp>
+        <p:nvSpPr>
+          <p:cNvPr id="49" name="PlaceHolder 3"/>
           <p:cNvSpPr>
             <a:spLocks noGrp="1"/>
           </p:cNvSpPr>
@@ -1108,8 +1117,8 @@
         </p:nvSpPr>
         <p:spPr>
           <a:xfrm>
-            <a:off x="838080" y="4098240"/>
-            <a:ext cx="5131080" cy="2075040"/>
+            <a:off x="609480" y="3682080"/>
+            <a:ext cx="5354280" cy="1896840"/>
           </a:xfrm>
           <a:prstGeom prst="rect">
             <a:avLst/>
@@ -1118,23 +1127,23 @@
         <p:txBody>
           <a:bodyPr lIns="0" rIns="0" tIns="0" bIns="0"/>
           <a:p>
-            <a:endParaRPr b="0" lang="hu-HU" sz="2800" spc="-1" strike="noStrike">
-              <a:solidFill>
-                <a:srgbClr val="000000"/>
-              </a:solidFill>
-              <a:uFill>
-                <a:solidFill>
-                  <a:srgbClr val="ffffff"/>
-                </a:solidFill>
-              </a:uFill>
-              <a:latin typeface="Calibri"/>
-            </a:endParaRPr>
-          </a:p>
-        </p:txBody>
-      </p:sp>
-      <p:sp>
-        <p:nvSpPr>
-          <p:cNvPr id="56" name="PlaceHolder 4"/>
+            <a:endParaRPr b="0" lang="en-US" sz="3200" spc="-1" strike="noStrike">
+              <a:solidFill>
+                <a:srgbClr val="000000"/>
+              </a:solidFill>
+              <a:uFill>
+                <a:solidFill>
+                  <a:srgbClr val="ffffff"/>
+                </a:solidFill>
+              </a:uFill>
+              <a:latin typeface="Arial"/>
+            </a:endParaRPr>
+          </a:p>
+        </p:txBody>
+      </p:sp>
+      <p:sp>
+        <p:nvSpPr>
+          <p:cNvPr id="50" name="PlaceHolder 4"/>
           <p:cNvSpPr>
             <a:spLocks noGrp="1"/>
           </p:cNvSpPr>
@@ -1144,8 +1153,8 @@
         </p:nvSpPr>
         <p:spPr>
           <a:xfrm>
-            <a:off x="6226200" y="1825560"/>
-            <a:ext cx="5131080" cy="4350960"/>
+            <a:off x="6231960" y="1604520"/>
+            <a:ext cx="5354280" cy="3977280"/>
           </a:xfrm>
           <a:prstGeom prst="rect">
             <a:avLst/>
@@ -1154,16 +1163,16 @@
         <p:txBody>
           <a:bodyPr lIns="0" rIns="0" tIns="0" bIns="0"/>
           <a:p>
-            <a:endParaRPr b="0" lang="hu-HU" sz="2800" spc="-1" strike="noStrike">
-              <a:solidFill>
-                <a:srgbClr val="000000"/>
-              </a:solidFill>
-              <a:uFill>
-                <a:solidFill>
-                  <a:srgbClr val="ffffff"/>
-                </a:solidFill>
-              </a:uFill>
-              <a:latin typeface="Calibri"/>
+            <a:endParaRPr b="0" lang="en-US" sz="3200" spc="-1" strike="noStrike">
+              <a:solidFill>
+                <a:srgbClr val="000000"/>
+              </a:solidFill>
+              <a:uFill>
+                <a:solidFill>
+                  <a:srgbClr val="ffffff"/>
+                </a:solidFill>
+              </a:uFill>
+              <a:latin typeface="Arial"/>
             </a:endParaRPr>
           </a:p>
         </p:txBody>
@@ -1192,7 +1201,7 @@
       </p:grpSpPr>
       <p:sp>
         <p:nvSpPr>
-          <p:cNvPr id="5" name="PlaceHolder 1"/>
+          <p:cNvPr id="2" name="PlaceHolder 1"/>
           <p:cNvSpPr>
             <a:spLocks noGrp="1"/>
           </p:cNvSpPr>
@@ -1202,8 +1211,8 @@
         </p:nvSpPr>
         <p:spPr>
           <a:xfrm>
-            <a:off x="838080" y="365040"/>
-            <a:ext cx="10515240" cy="1325160"/>
+            <a:off x="609480" y="273600"/>
+            <a:ext cx="10972440" cy="1144800"/>
           </a:xfrm>
           <a:prstGeom prst="rect">
             <a:avLst/>
@@ -1212,23 +1221,24 @@
         <p:txBody>
           <a:bodyPr lIns="0" rIns="0" tIns="0" bIns="0" anchor="ctr"/>
           <a:p>
-            <a:endParaRPr b="0" lang="hu-HU" sz="1800" spc="-1" strike="noStrike">
-              <a:solidFill>
-                <a:srgbClr val="000000"/>
-              </a:solidFill>
-              <a:uFill>
-                <a:solidFill>
-                  <a:srgbClr val="ffffff"/>
-                </a:solidFill>
-              </a:uFill>
-              <a:latin typeface="Calibri"/>
-            </a:endParaRPr>
-          </a:p>
-        </p:txBody>
-      </p:sp>
-      <p:sp>
-        <p:nvSpPr>
-          <p:cNvPr id="6" name="PlaceHolder 2"/>
+            <a:pPr algn="ctr"/>
+            <a:endParaRPr b="0" lang="en-US" sz="4400" spc="-1" strike="noStrike">
+              <a:solidFill>
+                <a:srgbClr val="000000"/>
+              </a:solidFill>
+              <a:uFill>
+                <a:solidFill>
+                  <a:srgbClr val="ffffff"/>
+                </a:solidFill>
+              </a:uFill>
+              <a:latin typeface="Arial"/>
+            </a:endParaRPr>
+          </a:p>
+        </p:txBody>
+      </p:sp>
+      <p:sp>
+        <p:nvSpPr>
+          <p:cNvPr id="3" name="PlaceHolder 2"/>
           <p:cNvSpPr>
             <a:spLocks noGrp="1"/>
           </p:cNvSpPr>
@@ -1238,8 +1248,8 @@
         </p:nvSpPr>
         <p:spPr>
           <a:xfrm>
-            <a:off x="838080" y="1825560"/>
-            <a:ext cx="10515240" cy="4350960"/>
+            <a:off x="609480" y="1604520"/>
+            <a:ext cx="10972440" cy="3977280"/>
           </a:xfrm>
           <a:prstGeom prst="rect">
             <a:avLst/>
@@ -1287,7 +1297,7 @@
       </p:grpSpPr>
       <p:sp>
         <p:nvSpPr>
-          <p:cNvPr id="57" name="PlaceHolder 1"/>
+          <p:cNvPr id="51" name="PlaceHolder 1"/>
           <p:cNvSpPr>
             <a:spLocks noGrp="1"/>
           </p:cNvSpPr>
@@ -1297,8 +1307,8 @@
         </p:nvSpPr>
         <p:spPr>
           <a:xfrm>
-            <a:off x="838080" y="365040"/>
-            <a:ext cx="10515240" cy="1325160"/>
+            <a:off x="609480" y="273600"/>
+            <a:ext cx="10972440" cy="1144800"/>
           </a:xfrm>
           <a:prstGeom prst="rect">
             <a:avLst/>
@@ -1307,23 +1317,24 @@
         <p:txBody>
           <a:bodyPr lIns="0" rIns="0" tIns="0" bIns="0" anchor="ctr"/>
           <a:p>
-            <a:endParaRPr b="0" lang="hu-HU" sz="1800" spc="-1" strike="noStrike">
-              <a:solidFill>
-                <a:srgbClr val="000000"/>
-              </a:solidFill>
-              <a:uFill>
-                <a:solidFill>
-                  <a:srgbClr val="ffffff"/>
-                </a:solidFill>
-              </a:uFill>
-              <a:latin typeface="Calibri"/>
-            </a:endParaRPr>
-          </a:p>
-        </p:txBody>
-      </p:sp>
-      <p:sp>
-        <p:nvSpPr>
-          <p:cNvPr id="58" name="PlaceHolder 2"/>
+            <a:pPr algn="ctr"/>
+            <a:endParaRPr b="0" lang="en-US" sz="4400" spc="-1" strike="noStrike">
+              <a:solidFill>
+                <a:srgbClr val="000000"/>
+              </a:solidFill>
+              <a:uFill>
+                <a:solidFill>
+                  <a:srgbClr val="ffffff"/>
+                </a:solidFill>
+              </a:uFill>
+              <a:latin typeface="Arial"/>
+            </a:endParaRPr>
+          </a:p>
+        </p:txBody>
+      </p:sp>
+      <p:sp>
+        <p:nvSpPr>
+          <p:cNvPr id="52" name="PlaceHolder 2"/>
           <p:cNvSpPr>
             <a:spLocks noGrp="1"/>
           </p:cNvSpPr>
@@ -1333,8 +1344,8 @@
         </p:nvSpPr>
         <p:spPr>
           <a:xfrm>
-            <a:off x="838080" y="1825560"/>
-            <a:ext cx="5131080" cy="4350960"/>
+            <a:off x="609480" y="1604520"/>
+            <a:ext cx="5354280" cy="3977280"/>
           </a:xfrm>
           <a:prstGeom prst="rect">
             <a:avLst/>
@@ -1343,23 +1354,23 @@
         <p:txBody>
           <a:bodyPr lIns="0" rIns="0" tIns="0" bIns="0"/>
           <a:p>
-            <a:endParaRPr b="0" lang="hu-HU" sz="2800" spc="-1" strike="noStrike">
-              <a:solidFill>
-                <a:srgbClr val="000000"/>
-              </a:solidFill>
-              <a:uFill>
-                <a:solidFill>
-                  <a:srgbClr val="ffffff"/>
-                </a:solidFill>
-              </a:uFill>
-              <a:latin typeface="Calibri"/>
-            </a:endParaRPr>
-          </a:p>
-        </p:txBody>
-      </p:sp>
-      <p:sp>
-        <p:nvSpPr>
-          <p:cNvPr id="59" name="PlaceHolder 3"/>
+            <a:endParaRPr b="0" lang="en-US" sz="3200" spc="-1" strike="noStrike">
+              <a:solidFill>
+                <a:srgbClr val="000000"/>
+              </a:solidFill>
+              <a:uFill>
+                <a:solidFill>
+                  <a:srgbClr val="ffffff"/>
+                </a:solidFill>
+              </a:uFill>
+              <a:latin typeface="Arial"/>
+            </a:endParaRPr>
+          </a:p>
+        </p:txBody>
+      </p:sp>
+      <p:sp>
+        <p:nvSpPr>
+          <p:cNvPr id="53" name="PlaceHolder 3"/>
           <p:cNvSpPr>
             <a:spLocks noGrp="1"/>
           </p:cNvSpPr>
@@ -1369,8 +1380,8 @@
         </p:nvSpPr>
         <p:spPr>
           <a:xfrm>
-            <a:off x="6226200" y="1825560"/>
-            <a:ext cx="5131080" cy="2075040"/>
+            <a:off x="6231960" y="1604520"/>
+            <a:ext cx="5354280" cy="1896840"/>
           </a:xfrm>
           <a:prstGeom prst="rect">
             <a:avLst/>
@@ -1379,23 +1390,23 @@
         <p:txBody>
           <a:bodyPr lIns="0" rIns="0" tIns="0" bIns="0"/>
           <a:p>
-            <a:endParaRPr b="0" lang="hu-HU" sz="2800" spc="-1" strike="noStrike">
-              <a:solidFill>
-                <a:srgbClr val="000000"/>
-              </a:solidFill>
-              <a:uFill>
-                <a:solidFill>
-                  <a:srgbClr val="ffffff"/>
-                </a:solidFill>
-              </a:uFill>
-              <a:latin typeface="Calibri"/>
-            </a:endParaRPr>
-          </a:p>
-        </p:txBody>
-      </p:sp>
-      <p:sp>
-        <p:nvSpPr>
-          <p:cNvPr id="60" name="PlaceHolder 4"/>
+            <a:endParaRPr b="0" lang="en-US" sz="3200" spc="-1" strike="noStrike">
+              <a:solidFill>
+                <a:srgbClr val="000000"/>
+              </a:solidFill>
+              <a:uFill>
+                <a:solidFill>
+                  <a:srgbClr val="ffffff"/>
+                </a:solidFill>
+              </a:uFill>
+              <a:latin typeface="Arial"/>
+            </a:endParaRPr>
+          </a:p>
+        </p:txBody>
+      </p:sp>
+      <p:sp>
+        <p:nvSpPr>
+          <p:cNvPr id="54" name="PlaceHolder 4"/>
           <p:cNvSpPr>
             <a:spLocks noGrp="1"/>
           </p:cNvSpPr>
@@ -1405,8 +1416,8 @@
         </p:nvSpPr>
         <p:spPr>
           <a:xfrm>
-            <a:off x="6226200" y="4098240"/>
-            <a:ext cx="5131080" cy="2075040"/>
+            <a:off x="6231960" y="3682080"/>
+            <a:ext cx="5354280" cy="1896840"/>
           </a:xfrm>
           <a:prstGeom prst="rect">
             <a:avLst/>
@@ -1415,16 +1426,16 @@
         <p:txBody>
           <a:bodyPr lIns="0" rIns="0" tIns="0" bIns="0"/>
           <a:p>
-            <a:endParaRPr b="0" lang="hu-HU" sz="2800" spc="-1" strike="noStrike">
-              <a:solidFill>
-                <a:srgbClr val="000000"/>
-              </a:solidFill>
-              <a:uFill>
-                <a:solidFill>
-                  <a:srgbClr val="ffffff"/>
-                </a:solidFill>
-              </a:uFill>
-              <a:latin typeface="Calibri"/>
+            <a:endParaRPr b="0" lang="en-US" sz="3200" spc="-1" strike="noStrike">
+              <a:solidFill>
+                <a:srgbClr val="000000"/>
+              </a:solidFill>
+              <a:uFill>
+                <a:solidFill>
+                  <a:srgbClr val="ffffff"/>
+                </a:solidFill>
+              </a:uFill>
+              <a:latin typeface="Arial"/>
             </a:endParaRPr>
           </a:p>
         </p:txBody>
@@ -1453,7 +1464,7 @@
       </p:grpSpPr>
       <p:sp>
         <p:nvSpPr>
-          <p:cNvPr id="61" name="PlaceHolder 1"/>
+          <p:cNvPr id="55" name="PlaceHolder 1"/>
           <p:cNvSpPr>
             <a:spLocks noGrp="1"/>
           </p:cNvSpPr>
@@ -1463,8 +1474,8 @@
         </p:nvSpPr>
         <p:spPr>
           <a:xfrm>
-            <a:off x="838080" y="365040"/>
-            <a:ext cx="10515240" cy="1325160"/>
+            <a:off x="609480" y="273600"/>
+            <a:ext cx="10972440" cy="1144800"/>
           </a:xfrm>
           <a:prstGeom prst="rect">
             <a:avLst/>
@@ -1473,23 +1484,24 @@
         <p:txBody>
           <a:bodyPr lIns="0" rIns="0" tIns="0" bIns="0" anchor="ctr"/>
           <a:p>
-            <a:endParaRPr b="0" lang="hu-HU" sz="1800" spc="-1" strike="noStrike">
-              <a:solidFill>
-                <a:srgbClr val="000000"/>
-              </a:solidFill>
-              <a:uFill>
-                <a:solidFill>
-                  <a:srgbClr val="ffffff"/>
-                </a:solidFill>
-              </a:uFill>
-              <a:latin typeface="Calibri"/>
-            </a:endParaRPr>
-          </a:p>
-        </p:txBody>
-      </p:sp>
-      <p:sp>
-        <p:nvSpPr>
-          <p:cNvPr id="62" name="PlaceHolder 2"/>
+            <a:pPr algn="ctr"/>
+            <a:endParaRPr b="0" lang="en-US" sz="4400" spc="-1" strike="noStrike">
+              <a:solidFill>
+                <a:srgbClr val="000000"/>
+              </a:solidFill>
+              <a:uFill>
+                <a:solidFill>
+                  <a:srgbClr val="ffffff"/>
+                </a:solidFill>
+              </a:uFill>
+              <a:latin typeface="Arial"/>
+            </a:endParaRPr>
+          </a:p>
+        </p:txBody>
+      </p:sp>
+      <p:sp>
+        <p:nvSpPr>
+          <p:cNvPr id="56" name="PlaceHolder 2"/>
           <p:cNvSpPr>
             <a:spLocks noGrp="1"/>
           </p:cNvSpPr>
@@ -1499,8 +1511,8 @@
         </p:nvSpPr>
         <p:spPr>
           <a:xfrm>
-            <a:off x="838080" y="1825560"/>
-            <a:ext cx="5131080" cy="2075040"/>
+            <a:off x="609480" y="1604520"/>
+            <a:ext cx="5354280" cy="1896840"/>
           </a:xfrm>
           <a:prstGeom prst="rect">
             <a:avLst/>
@@ -1509,23 +1521,23 @@
         <p:txBody>
           <a:bodyPr lIns="0" rIns="0" tIns="0" bIns="0"/>
           <a:p>
-            <a:endParaRPr b="0" lang="hu-HU" sz="2800" spc="-1" strike="noStrike">
-              <a:solidFill>
-                <a:srgbClr val="000000"/>
-              </a:solidFill>
-              <a:uFill>
-                <a:solidFill>
-                  <a:srgbClr val="ffffff"/>
-                </a:solidFill>
-              </a:uFill>
-              <a:latin typeface="Calibri"/>
-            </a:endParaRPr>
-          </a:p>
-        </p:txBody>
-      </p:sp>
-      <p:sp>
-        <p:nvSpPr>
-          <p:cNvPr id="63" name="PlaceHolder 3"/>
+            <a:endParaRPr b="0" lang="en-US" sz="3200" spc="-1" strike="noStrike">
+              <a:solidFill>
+                <a:srgbClr val="000000"/>
+              </a:solidFill>
+              <a:uFill>
+                <a:solidFill>
+                  <a:srgbClr val="ffffff"/>
+                </a:solidFill>
+              </a:uFill>
+              <a:latin typeface="Arial"/>
+            </a:endParaRPr>
+          </a:p>
+        </p:txBody>
+      </p:sp>
+      <p:sp>
+        <p:nvSpPr>
+          <p:cNvPr id="57" name="PlaceHolder 3"/>
           <p:cNvSpPr>
             <a:spLocks noGrp="1"/>
           </p:cNvSpPr>
@@ -1535,8 +1547,8 @@
         </p:nvSpPr>
         <p:spPr>
           <a:xfrm>
-            <a:off x="6226200" y="1825560"/>
-            <a:ext cx="5131080" cy="2075040"/>
+            <a:off x="6231960" y="1604520"/>
+            <a:ext cx="5354280" cy="1896840"/>
           </a:xfrm>
           <a:prstGeom prst="rect">
             <a:avLst/>
@@ -1545,23 +1557,23 @@
         <p:txBody>
           <a:bodyPr lIns="0" rIns="0" tIns="0" bIns="0"/>
           <a:p>
-            <a:endParaRPr b="0" lang="hu-HU" sz="2800" spc="-1" strike="noStrike">
-              <a:solidFill>
-                <a:srgbClr val="000000"/>
-              </a:solidFill>
-              <a:uFill>
-                <a:solidFill>
-                  <a:srgbClr val="ffffff"/>
-                </a:solidFill>
-              </a:uFill>
-              <a:latin typeface="Calibri"/>
-            </a:endParaRPr>
-          </a:p>
-        </p:txBody>
-      </p:sp>
-      <p:sp>
-        <p:nvSpPr>
-          <p:cNvPr id="64" name="PlaceHolder 4"/>
+            <a:endParaRPr b="0" lang="en-US" sz="3200" spc="-1" strike="noStrike">
+              <a:solidFill>
+                <a:srgbClr val="000000"/>
+              </a:solidFill>
+              <a:uFill>
+                <a:solidFill>
+                  <a:srgbClr val="ffffff"/>
+                </a:solidFill>
+              </a:uFill>
+              <a:latin typeface="Arial"/>
+            </a:endParaRPr>
+          </a:p>
+        </p:txBody>
+      </p:sp>
+      <p:sp>
+        <p:nvSpPr>
+          <p:cNvPr id="58" name="PlaceHolder 4"/>
           <p:cNvSpPr>
             <a:spLocks noGrp="1"/>
           </p:cNvSpPr>
@@ -1571,8 +1583,8 @@
         </p:nvSpPr>
         <p:spPr>
           <a:xfrm>
-            <a:off x="838080" y="4098240"/>
-            <a:ext cx="10515240" cy="2075040"/>
+            <a:off x="609480" y="3682080"/>
+            <a:ext cx="10972440" cy="1896840"/>
           </a:xfrm>
           <a:prstGeom prst="rect">
             <a:avLst/>
@@ -1581,16 +1593,16 @@
         <p:txBody>
           <a:bodyPr lIns="0" rIns="0" tIns="0" bIns="0"/>
           <a:p>
-            <a:endParaRPr b="0" lang="hu-HU" sz="2800" spc="-1" strike="noStrike">
-              <a:solidFill>
-                <a:srgbClr val="000000"/>
-              </a:solidFill>
-              <a:uFill>
-                <a:solidFill>
-                  <a:srgbClr val="ffffff"/>
-                </a:solidFill>
-              </a:uFill>
-              <a:latin typeface="Calibri"/>
+            <a:endParaRPr b="0" lang="en-US" sz="3200" spc="-1" strike="noStrike">
+              <a:solidFill>
+                <a:srgbClr val="000000"/>
+              </a:solidFill>
+              <a:uFill>
+                <a:solidFill>
+                  <a:srgbClr val="ffffff"/>
+                </a:solidFill>
+              </a:uFill>
+              <a:latin typeface="Arial"/>
             </a:endParaRPr>
           </a:p>
         </p:txBody>
@@ -1619,7 +1631,7 @@
       </p:grpSpPr>
       <p:sp>
         <p:nvSpPr>
-          <p:cNvPr id="65" name="PlaceHolder 1"/>
+          <p:cNvPr id="59" name="PlaceHolder 1"/>
           <p:cNvSpPr>
             <a:spLocks noGrp="1"/>
           </p:cNvSpPr>
@@ -1629,8 +1641,8 @@
         </p:nvSpPr>
         <p:spPr>
           <a:xfrm>
-            <a:off x="838080" y="365040"/>
-            <a:ext cx="10515240" cy="1325160"/>
+            <a:off x="609480" y="273600"/>
+            <a:ext cx="10972440" cy="1144800"/>
           </a:xfrm>
           <a:prstGeom prst="rect">
             <a:avLst/>
@@ -1639,23 +1651,24 @@
         <p:txBody>
           <a:bodyPr lIns="0" rIns="0" tIns="0" bIns="0" anchor="ctr"/>
           <a:p>
-            <a:endParaRPr b="0" lang="hu-HU" sz="1800" spc="-1" strike="noStrike">
-              <a:solidFill>
-                <a:srgbClr val="000000"/>
-              </a:solidFill>
-              <a:uFill>
-                <a:solidFill>
-                  <a:srgbClr val="ffffff"/>
-                </a:solidFill>
-              </a:uFill>
-              <a:latin typeface="Calibri"/>
-            </a:endParaRPr>
-          </a:p>
-        </p:txBody>
-      </p:sp>
-      <p:sp>
-        <p:nvSpPr>
-          <p:cNvPr id="66" name="PlaceHolder 2"/>
+            <a:pPr algn="ctr"/>
+            <a:endParaRPr b="0" lang="en-US" sz="4400" spc="-1" strike="noStrike">
+              <a:solidFill>
+                <a:srgbClr val="000000"/>
+              </a:solidFill>
+              <a:uFill>
+                <a:solidFill>
+                  <a:srgbClr val="ffffff"/>
+                </a:solidFill>
+              </a:uFill>
+              <a:latin typeface="Arial"/>
+            </a:endParaRPr>
+          </a:p>
+        </p:txBody>
+      </p:sp>
+      <p:sp>
+        <p:nvSpPr>
+          <p:cNvPr id="60" name="PlaceHolder 2"/>
           <p:cNvSpPr>
             <a:spLocks noGrp="1"/>
           </p:cNvSpPr>
@@ -1665,8 +1678,8 @@
         </p:nvSpPr>
         <p:spPr>
           <a:xfrm>
-            <a:off x="838080" y="1825560"/>
-            <a:ext cx="10515240" cy="2075040"/>
+            <a:off x="609480" y="1604520"/>
+            <a:ext cx="10972440" cy="1896840"/>
           </a:xfrm>
           <a:prstGeom prst="rect">
             <a:avLst/>
@@ -1675,23 +1688,23 @@
         <p:txBody>
           <a:bodyPr lIns="0" rIns="0" tIns="0" bIns="0"/>
           <a:p>
-            <a:endParaRPr b="0" lang="hu-HU" sz="2800" spc="-1" strike="noStrike">
-              <a:solidFill>
-                <a:srgbClr val="000000"/>
-              </a:solidFill>
-              <a:uFill>
-                <a:solidFill>
-                  <a:srgbClr val="ffffff"/>
-                </a:solidFill>
-              </a:uFill>
-              <a:latin typeface="Calibri"/>
-            </a:endParaRPr>
-          </a:p>
-        </p:txBody>
-      </p:sp>
-      <p:sp>
-        <p:nvSpPr>
-          <p:cNvPr id="67" name="PlaceHolder 3"/>
+            <a:endParaRPr b="0" lang="en-US" sz="3200" spc="-1" strike="noStrike">
+              <a:solidFill>
+                <a:srgbClr val="000000"/>
+              </a:solidFill>
+              <a:uFill>
+                <a:solidFill>
+                  <a:srgbClr val="ffffff"/>
+                </a:solidFill>
+              </a:uFill>
+              <a:latin typeface="Arial"/>
+            </a:endParaRPr>
+          </a:p>
+        </p:txBody>
+      </p:sp>
+      <p:sp>
+        <p:nvSpPr>
+          <p:cNvPr id="61" name="PlaceHolder 3"/>
           <p:cNvSpPr>
             <a:spLocks noGrp="1"/>
           </p:cNvSpPr>
@@ -1701,8 +1714,8 @@
         </p:nvSpPr>
         <p:spPr>
           <a:xfrm>
-            <a:off x="838080" y="4098240"/>
-            <a:ext cx="10515240" cy="2075040"/>
+            <a:off x="609480" y="3682080"/>
+            <a:ext cx="10972440" cy="1896840"/>
           </a:xfrm>
           <a:prstGeom prst="rect">
             <a:avLst/>
@@ -1711,16 +1724,16 @@
         <p:txBody>
           <a:bodyPr lIns="0" rIns="0" tIns="0" bIns="0"/>
           <a:p>
-            <a:endParaRPr b="0" lang="hu-HU" sz="2800" spc="-1" strike="noStrike">
-              <a:solidFill>
-                <a:srgbClr val="000000"/>
-              </a:solidFill>
-              <a:uFill>
-                <a:solidFill>
-                  <a:srgbClr val="ffffff"/>
-                </a:solidFill>
-              </a:uFill>
-              <a:latin typeface="Calibri"/>
+            <a:endParaRPr b="0" lang="en-US" sz="3200" spc="-1" strike="noStrike">
+              <a:solidFill>
+                <a:srgbClr val="000000"/>
+              </a:solidFill>
+              <a:uFill>
+                <a:solidFill>
+                  <a:srgbClr val="ffffff"/>
+                </a:solidFill>
+              </a:uFill>
+              <a:latin typeface="Arial"/>
             </a:endParaRPr>
           </a:p>
         </p:txBody>
@@ -1749,7 +1762,7 @@
       </p:grpSpPr>
       <p:sp>
         <p:nvSpPr>
-          <p:cNvPr id="68" name="PlaceHolder 1"/>
+          <p:cNvPr id="62" name="PlaceHolder 1"/>
           <p:cNvSpPr>
             <a:spLocks noGrp="1"/>
           </p:cNvSpPr>
@@ -1759,8 +1772,8 @@
         </p:nvSpPr>
         <p:spPr>
           <a:xfrm>
-            <a:off x="838080" y="365040"/>
-            <a:ext cx="10515240" cy="1325160"/>
+            <a:off x="609480" y="273600"/>
+            <a:ext cx="10972440" cy="1144800"/>
           </a:xfrm>
           <a:prstGeom prst="rect">
             <a:avLst/>
@@ -1769,23 +1782,24 @@
         <p:txBody>
           <a:bodyPr lIns="0" rIns="0" tIns="0" bIns="0" anchor="ctr"/>
           <a:p>
-            <a:endParaRPr b="0" lang="hu-HU" sz="1800" spc="-1" strike="noStrike">
-              <a:solidFill>
-                <a:srgbClr val="000000"/>
-              </a:solidFill>
-              <a:uFill>
-                <a:solidFill>
-                  <a:srgbClr val="ffffff"/>
-                </a:solidFill>
-              </a:uFill>
-              <a:latin typeface="Calibri"/>
-            </a:endParaRPr>
-          </a:p>
-        </p:txBody>
-      </p:sp>
-      <p:sp>
-        <p:nvSpPr>
-          <p:cNvPr id="69" name="PlaceHolder 2"/>
+            <a:pPr algn="ctr"/>
+            <a:endParaRPr b="0" lang="en-US" sz="4400" spc="-1" strike="noStrike">
+              <a:solidFill>
+                <a:srgbClr val="000000"/>
+              </a:solidFill>
+              <a:uFill>
+                <a:solidFill>
+                  <a:srgbClr val="ffffff"/>
+                </a:solidFill>
+              </a:uFill>
+              <a:latin typeface="Arial"/>
+            </a:endParaRPr>
+          </a:p>
+        </p:txBody>
+      </p:sp>
+      <p:sp>
+        <p:nvSpPr>
+          <p:cNvPr id="63" name="PlaceHolder 2"/>
           <p:cNvSpPr>
             <a:spLocks noGrp="1"/>
           </p:cNvSpPr>
@@ -1795,8 +1809,8 @@
         </p:nvSpPr>
         <p:spPr>
           <a:xfrm>
-            <a:off x="838080" y="1825560"/>
-            <a:ext cx="5131080" cy="2075040"/>
+            <a:off x="609480" y="1604520"/>
+            <a:ext cx="5354280" cy="1896840"/>
           </a:xfrm>
           <a:prstGeom prst="rect">
             <a:avLst/>
@@ -1805,23 +1819,23 @@
         <p:txBody>
           <a:bodyPr lIns="0" rIns="0" tIns="0" bIns="0"/>
           <a:p>
-            <a:endParaRPr b="0" lang="hu-HU" sz="2800" spc="-1" strike="noStrike">
-              <a:solidFill>
-                <a:srgbClr val="000000"/>
-              </a:solidFill>
-              <a:uFill>
-                <a:solidFill>
-                  <a:srgbClr val="ffffff"/>
-                </a:solidFill>
-              </a:uFill>
-              <a:latin typeface="Calibri"/>
-            </a:endParaRPr>
-          </a:p>
-        </p:txBody>
-      </p:sp>
-      <p:sp>
-        <p:nvSpPr>
-          <p:cNvPr id="70" name="PlaceHolder 3"/>
+            <a:endParaRPr b="0" lang="en-US" sz="3200" spc="-1" strike="noStrike">
+              <a:solidFill>
+                <a:srgbClr val="000000"/>
+              </a:solidFill>
+              <a:uFill>
+                <a:solidFill>
+                  <a:srgbClr val="ffffff"/>
+                </a:solidFill>
+              </a:uFill>
+              <a:latin typeface="Arial"/>
+            </a:endParaRPr>
+          </a:p>
+        </p:txBody>
+      </p:sp>
+      <p:sp>
+        <p:nvSpPr>
+          <p:cNvPr id="64" name="PlaceHolder 3"/>
           <p:cNvSpPr>
             <a:spLocks noGrp="1"/>
           </p:cNvSpPr>
@@ -1831,8 +1845,8 @@
         </p:nvSpPr>
         <p:spPr>
           <a:xfrm>
-            <a:off x="6226200" y="1825560"/>
-            <a:ext cx="5131080" cy="2075040"/>
+            <a:off x="6231960" y="1604520"/>
+            <a:ext cx="5354280" cy="1896840"/>
           </a:xfrm>
           <a:prstGeom prst="rect">
             <a:avLst/>
@@ -1841,23 +1855,23 @@
         <p:txBody>
           <a:bodyPr lIns="0" rIns="0" tIns="0" bIns="0"/>
           <a:p>
-            <a:endParaRPr b="0" lang="hu-HU" sz="2800" spc="-1" strike="noStrike">
-              <a:solidFill>
-                <a:srgbClr val="000000"/>
-              </a:solidFill>
-              <a:uFill>
-                <a:solidFill>
-                  <a:srgbClr val="ffffff"/>
-                </a:solidFill>
-              </a:uFill>
-              <a:latin typeface="Calibri"/>
-            </a:endParaRPr>
-          </a:p>
-        </p:txBody>
-      </p:sp>
-      <p:sp>
-        <p:nvSpPr>
-          <p:cNvPr id="71" name="PlaceHolder 4"/>
+            <a:endParaRPr b="0" lang="en-US" sz="3200" spc="-1" strike="noStrike">
+              <a:solidFill>
+                <a:srgbClr val="000000"/>
+              </a:solidFill>
+              <a:uFill>
+                <a:solidFill>
+                  <a:srgbClr val="ffffff"/>
+                </a:solidFill>
+              </a:uFill>
+              <a:latin typeface="Arial"/>
+            </a:endParaRPr>
+          </a:p>
+        </p:txBody>
+      </p:sp>
+      <p:sp>
+        <p:nvSpPr>
+          <p:cNvPr id="65" name="PlaceHolder 4"/>
           <p:cNvSpPr>
             <a:spLocks noGrp="1"/>
           </p:cNvSpPr>
@@ -1867,8 +1881,8 @@
         </p:nvSpPr>
         <p:spPr>
           <a:xfrm>
-            <a:off x="6226200" y="4098240"/>
-            <a:ext cx="5131080" cy="2075040"/>
+            <a:off x="6231960" y="3682080"/>
+            <a:ext cx="5354280" cy="1896840"/>
           </a:xfrm>
           <a:prstGeom prst="rect">
             <a:avLst/>
@@ -1877,23 +1891,23 @@
         <p:txBody>
           <a:bodyPr lIns="0" rIns="0" tIns="0" bIns="0"/>
           <a:p>
-            <a:endParaRPr b="0" lang="hu-HU" sz="2800" spc="-1" strike="noStrike">
-              <a:solidFill>
-                <a:srgbClr val="000000"/>
-              </a:solidFill>
-              <a:uFill>
-                <a:solidFill>
-                  <a:srgbClr val="ffffff"/>
-                </a:solidFill>
-              </a:uFill>
-              <a:latin typeface="Calibri"/>
-            </a:endParaRPr>
-          </a:p>
-        </p:txBody>
-      </p:sp>
-      <p:sp>
-        <p:nvSpPr>
-          <p:cNvPr id="72" name="PlaceHolder 5"/>
+            <a:endParaRPr b="0" lang="en-US" sz="3200" spc="-1" strike="noStrike">
+              <a:solidFill>
+                <a:srgbClr val="000000"/>
+              </a:solidFill>
+              <a:uFill>
+                <a:solidFill>
+                  <a:srgbClr val="ffffff"/>
+                </a:solidFill>
+              </a:uFill>
+              <a:latin typeface="Arial"/>
+            </a:endParaRPr>
+          </a:p>
+        </p:txBody>
+      </p:sp>
+      <p:sp>
+        <p:nvSpPr>
+          <p:cNvPr id="66" name="PlaceHolder 5"/>
           <p:cNvSpPr>
             <a:spLocks noGrp="1"/>
           </p:cNvSpPr>
@@ -1903,8 +1917,8 @@
         </p:nvSpPr>
         <p:spPr>
           <a:xfrm>
-            <a:off x="838080" y="4098240"/>
-            <a:ext cx="5131080" cy="2075040"/>
+            <a:off x="609480" y="3682080"/>
+            <a:ext cx="5354280" cy="1896840"/>
           </a:xfrm>
           <a:prstGeom prst="rect">
             <a:avLst/>
@@ -1913,16 +1927,16 @@
         <p:txBody>
           <a:bodyPr lIns="0" rIns="0" tIns="0" bIns="0"/>
           <a:p>
-            <a:endParaRPr b="0" lang="hu-HU" sz="2800" spc="-1" strike="noStrike">
-              <a:solidFill>
-                <a:srgbClr val="000000"/>
-              </a:solidFill>
-              <a:uFill>
-                <a:solidFill>
-                  <a:srgbClr val="ffffff"/>
-                </a:solidFill>
-              </a:uFill>
-              <a:latin typeface="Calibri"/>
+            <a:endParaRPr b="0" lang="en-US" sz="3200" spc="-1" strike="noStrike">
+              <a:solidFill>
+                <a:srgbClr val="000000"/>
+              </a:solidFill>
+              <a:uFill>
+                <a:solidFill>
+                  <a:srgbClr val="ffffff"/>
+                </a:solidFill>
+              </a:uFill>
+              <a:latin typeface="Arial"/>
             </a:endParaRPr>
           </a:p>
         </p:txBody>
@@ -1951,7 +1965,7 @@
       </p:grpSpPr>
       <p:sp>
         <p:nvSpPr>
-          <p:cNvPr id="73" name="PlaceHolder 1"/>
+          <p:cNvPr id="67" name="PlaceHolder 1"/>
           <p:cNvSpPr>
             <a:spLocks noGrp="1"/>
           </p:cNvSpPr>
@@ -1961,8 +1975,8 @@
         </p:nvSpPr>
         <p:spPr>
           <a:xfrm>
-            <a:off x="838080" y="365040"/>
-            <a:ext cx="10515240" cy="1325160"/>
+            <a:off x="609480" y="273600"/>
+            <a:ext cx="10972440" cy="1144800"/>
           </a:xfrm>
           <a:prstGeom prst="rect">
             <a:avLst/>
@@ -1971,23 +1985,24 @@
         <p:txBody>
           <a:bodyPr lIns="0" rIns="0" tIns="0" bIns="0" anchor="ctr"/>
           <a:p>
-            <a:endParaRPr b="0" lang="hu-HU" sz="1800" spc="-1" strike="noStrike">
-              <a:solidFill>
-                <a:srgbClr val="000000"/>
-              </a:solidFill>
-              <a:uFill>
-                <a:solidFill>
-                  <a:srgbClr val="ffffff"/>
-                </a:solidFill>
-              </a:uFill>
-              <a:latin typeface="Calibri"/>
-            </a:endParaRPr>
-          </a:p>
-        </p:txBody>
-      </p:sp>
-      <p:sp>
-        <p:nvSpPr>
-          <p:cNvPr id="74" name="PlaceHolder 2"/>
+            <a:pPr algn="ctr"/>
+            <a:endParaRPr b="0" lang="en-US" sz="4400" spc="-1" strike="noStrike">
+              <a:solidFill>
+                <a:srgbClr val="000000"/>
+              </a:solidFill>
+              <a:uFill>
+                <a:solidFill>
+                  <a:srgbClr val="ffffff"/>
+                </a:solidFill>
+              </a:uFill>
+              <a:latin typeface="Arial"/>
+            </a:endParaRPr>
+          </a:p>
+        </p:txBody>
+      </p:sp>
+      <p:sp>
+        <p:nvSpPr>
+          <p:cNvPr id="68" name="PlaceHolder 2"/>
           <p:cNvSpPr>
             <a:spLocks noGrp="1"/>
           </p:cNvSpPr>
@@ -1997,8 +2012,8 @@
         </p:nvSpPr>
         <p:spPr>
           <a:xfrm>
-            <a:off x="838080" y="1825560"/>
-            <a:ext cx="10515240" cy="4350960"/>
+            <a:off x="609480" y="1604520"/>
+            <a:ext cx="10972440" cy="3977280"/>
           </a:xfrm>
           <a:prstGeom prst="rect">
             <a:avLst/>
@@ -2007,23 +2022,23 @@
         <p:txBody>
           <a:bodyPr lIns="0" rIns="0" tIns="0" bIns="0"/>
           <a:p>
-            <a:endParaRPr b="0" lang="hu-HU" sz="2800" spc="-1" strike="noStrike">
-              <a:solidFill>
-                <a:srgbClr val="000000"/>
-              </a:solidFill>
-              <a:uFill>
-                <a:solidFill>
-                  <a:srgbClr val="ffffff"/>
-                </a:solidFill>
-              </a:uFill>
-              <a:latin typeface="Calibri"/>
-            </a:endParaRPr>
-          </a:p>
-        </p:txBody>
-      </p:sp>
-      <p:sp>
-        <p:nvSpPr>
-          <p:cNvPr id="75" name="PlaceHolder 3"/>
+            <a:endParaRPr b="0" lang="en-US" sz="3200" spc="-1" strike="noStrike">
+              <a:solidFill>
+                <a:srgbClr val="000000"/>
+              </a:solidFill>
+              <a:uFill>
+                <a:solidFill>
+                  <a:srgbClr val="ffffff"/>
+                </a:solidFill>
+              </a:uFill>
+              <a:latin typeface="Arial"/>
+            </a:endParaRPr>
+          </a:p>
+        </p:txBody>
+      </p:sp>
+      <p:sp>
+        <p:nvSpPr>
+          <p:cNvPr id="69" name="PlaceHolder 3"/>
           <p:cNvSpPr>
             <a:spLocks noGrp="1"/>
           </p:cNvSpPr>
@@ -2033,8 +2048,8 @@
         </p:nvSpPr>
         <p:spPr>
           <a:xfrm>
-            <a:off x="838080" y="1825560"/>
-            <a:ext cx="10515240" cy="4350960"/>
+            <a:off x="609480" y="1604520"/>
+            <a:ext cx="10972440" cy="3977280"/>
           </a:xfrm>
           <a:prstGeom prst="rect">
             <a:avLst/>
@@ -2043,23 +2058,23 @@
         <p:txBody>
           <a:bodyPr lIns="0" rIns="0" tIns="0" bIns="0"/>
           <a:p>
-            <a:endParaRPr b="0" lang="hu-HU" sz="2800" spc="-1" strike="noStrike">
-              <a:solidFill>
-                <a:srgbClr val="000000"/>
-              </a:solidFill>
-              <a:uFill>
-                <a:solidFill>
-                  <a:srgbClr val="ffffff"/>
-                </a:solidFill>
-              </a:uFill>
-              <a:latin typeface="Calibri"/>
+            <a:endParaRPr b="0" lang="en-US" sz="3200" spc="-1" strike="noStrike">
+              <a:solidFill>
+                <a:srgbClr val="000000"/>
+              </a:solidFill>
+              <a:uFill>
+                <a:solidFill>
+                  <a:srgbClr val="ffffff"/>
+                </a:solidFill>
+              </a:uFill>
+              <a:latin typeface="Arial"/>
             </a:endParaRPr>
           </a:p>
         </p:txBody>
       </p:sp>
       <p:pic>
         <p:nvPicPr>
-          <p:cNvPr id="76" name="" descr=""/>
+          <p:cNvPr id="70" name="" descr=""/>
           <p:cNvPicPr/>
           <p:nvPr/>
         </p:nvPicPr>
@@ -2069,8 +2084,8 @@
         </p:blipFill>
         <p:spPr>
           <a:xfrm>
-            <a:off x="3368880" y="1825560"/>
-            <a:ext cx="5452920" cy="4350960"/>
+            <a:off x="3602880" y="1604520"/>
+            <a:ext cx="4984920" cy="3977280"/>
           </a:xfrm>
           <a:prstGeom prst="rect">
             <a:avLst/>
@@ -2082,7 +2097,7 @@
       </p:pic>
       <p:pic>
         <p:nvPicPr>
-          <p:cNvPr id="77" name="" descr=""/>
+          <p:cNvPr id="71" name="" descr=""/>
           <p:cNvPicPr/>
           <p:nvPr/>
         </p:nvPicPr>
@@ -2092,8 +2107,8 @@
         </p:blipFill>
         <p:spPr>
           <a:xfrm>
-            <a:off x="3368880" y="1825560"/>
-            <a:ext cx="5452920" cy="4350960"/>
+            <a:off x="3602880" y="1604520"/>
+            <a:ext cx="4984920" cy="3977280"/>
           </a:xfrm>
           <a:prstGeom prst="rect">
             <a:avLst/>
@@ -2127,7 +2142,7 @@
       </p:grpSpPr>
       <p:sp>
         <p:nvSpPr>
-          <p:cNvPr id="7" name="PlaceHolder 1"/>
+          <p:cNvPr id="4" name="PlaceHolder 1"/>
           <p:cNvSpPr>
             <a:spLocks noGrp="1"/>
           </p:cNvSpPr>
@@ -2137,8 +2152,8 @@
         </p:nvSpPr>
         <p:spPr>
           <a:xfrm>
-            <a:off x="838080" y="365040"/>
-            <a:ext cx="10515240" cy="1325160"/>
+            <a:off x="609480" y="273600"/>
+            <a:ext cx="10972440" cy="1144800"/>
           </a:xfrm>
           <a:prstGeom prst="rect">
             <a:avLst/>
@@ -2147,23 +2162,24 @@
         <p:txBody>
           <a:bodyPr lIns="0" rIns="0" tIns="0" bIns="0" anchor="ctr"/>
           <a:p>
-            <a:endParaRPr b="0" lang="hu-HU" sz="1800" spc="-1" strike="noStrike">
-              <a:solidFill>
-                <a:srgbClr val="000000"/>
-              </a:solidFill>
-              <a:uFill>
-                <a:solidFill>
-                  <a:srgbClr val="ffffff"/>
-                </a:solidFill>
-              </a:uFill>
-              <a:latin typeface="Calibri"/>
-            </a:endParaRPr>
-          </a:p>
-        </p:txBody>
-      </p:sp>
-      <p:sp>
-        <p:nvSpPr>
-          <p:cNvPr id="8" name="PlaceHolder 2"/>
+            <a:pPr algn="ctr"/>
+            <a:endParaRPr b="0" lang="en-US" sz="4400" spc="-1" strike="noStrike">
+              <a:solidFill>
+                <a:srgbClr val="000000"/>
+              </a:solidFill>
+              <a:uFill>
+                <a:solidFill>
+                  <a:srgbClr val="ffffff"/>
+                </a:solidFill>
+              </a:uFill>
+              <a:latin typeface="Arial"/>
+            </a:endParaRPr>
+          </a:p>
+        </p:txBody>
+      </p:sp>
+      <p:sp>
+        <p:nvSpPr>
+          <p:cNvPr id="5" name="PlaceHolder 2"/>
           <p:cNvSpPr>
             <a:spLocks noGrp="1"/>
           </p:cNvSpPr>
@@ -2173,8 +2189,8 @@
         </p:nvSpPr>
         <p:spPr>
           <a:xfrm>
-            <a:off x="838080" y="1825560"/>
-            <a:ext cx="10515240" cy="4350960"/>
+            <a:off x="609480" y="1604520"/>
+            <a:ext cx="10972440" cy="3977280"/>
           </a:xfrm>
           <a:prstGeom prst="rect">
             <a:avLst/>
@@ -2183,16 +2199,16 @@
         <p:txBody>
           <a:bodyPr lIns="0" rIns="0" tIns="0" bIns="0"/>
           <a:p>
-            <a:endParaRPr b="0" lang="hu-HU" sz="2800" spc="-1" strike="noStrike">
-              <a:solidFill>
-                <a:srgbClr val="000000"/>
-              </a:solidFill>
-              <a:uFill>
-                <a:solidFill>
-                  <a:srgbClr val="ffffff"/>
-                </a:solidFill>
-              </a:uFill>
-              <a:latin typeface="Calibri"/>
+            <a:endParaRPr b="0" lang="en-US" sz="3200" spc="-1" strike="noStrike">
+              <a:solidFill>
+                <a:srgbClr val="000000"/>
+              </a:solidFill>
+              <a:uFill>
+                <a:solidFill>
+                  <a:srgbClr val="ffffff"/>
+                </a:solidFill>
+              </a:uFill>
+              <a:latin typeface="Arial"/>
             </a:endParaRPr>
           </a:p>
         </p:txBody>
@@ -2221,7 +2237,7 @@
       </p:grpSpPr>
       <p:sp>
         <p:nvSpPr>
-          <p:cNvPr id="9" name="PlaceHolder 1"/>
+          <p:cNvPr id="6" name="PlaceHolder 1"/>
           <p:cNvSpPr>
             <a:spLocks noGrp="1"/>
           </p:cNvSpPr>
@@ -2231,8 +2247,8 @@
         </p:nvSpPr>
         <p:spPr>
           <a:xfrm>
-            <a:off x="838080" y="365040"/>
-            <a:ext cx="10515240" cy="1325160"/>
+            <a:off x="609480" y="273600"/>
+            <a:ext cx="10972440" cy="1144800"/>
           </a:xfrm>
           <a:prstGeom prst="rect">
             <a:avLst/>
@@ -2241,23 +2257,24 @@
         <p:txBody>
           <a:bodyPr lIns="0" rIns="0" tIns="0" bIns="0" anchor="ctr"/>
           <a:p>
-            <a:endParaRPr b="0" lang="hu-HU" sz="1800" spc="-1" strike="noStrike">
-              <a:solidFill>
-                <a:srgbClr val="000000"/>
-              </a:solidFill>
-              <a:uFill>
-                <a:solidFill>
-                  <a:srgbClr val="ffffff"/>
-                </a:solidFill>
-              </a:uFill>
-              <a:latin typeface="Calibri"/>
-            </a:endParaRPr>
-          </a:p>
-        </p:txBody>
-      </p:sp>
-      <p:sp>
-        <p:nvSpPr>
-          <p:cNvPr id="10" name="PlaceHolder 2"/>
+            <a:pPr algn="ctr"/>
+            <a:endParaRPr b="0" lang="en-US" sz="4400" spc="-1" strike="noStrike">
+              <a:solidFill>
+                <a:srgbClr val="000000"/>
+              </a:solidFill>
+              <a:uFill>
+                <a:solidFill>
+                  <a:srgbClr val="ffffff"/>
+                </a:solidFill>
+              </a:uFill>
+              <a:latin typeface="Arial"/>
+            </a:endParaRPr>
+          </a:p>
+        </p:txBody>
+      </p:sp>
+      <p:sp>
+        <p:nvSpPr>
+          <p:cNvPr id="7" name="PlaceHolder 2"/>
           <p:cNvSpPr>
             <a:spLocks noGrp="1"/>
           </p:cNvSpPr>
@@ -2267,8 +2284,8 @@
         </p:nvSpPr>
         <p:spPr>
           <a:xfrm>
-            <a:off x="838080" y="1825560"/>
-            <a:ext cx="5131080" cy="4350960"/>
+            <a:off x="609480" y="1604520"/>
+            <a:ext cx="5354280" cy="3977280"/>
           </a:xfrm>
           <a:prstGeom prst="rect">
             <a:avLst/>
@@ -2277,23 +2294,23 @@
         <p:txBody>
           <a:bodyPr lIns="0" rIns="0" tIns="0" bIns="0"/>
           <a:p>
-            <a:endParaRPr b="0" lang="hu-HU" sz="2800" spc="-1" strike="noStrike">
-              <a:solidFill>
-                <a:srgbClr val="000000"/>
-              </a:solidFill>
-              <a:uFill>
-                <a:solidFill>
-                  <a:srgbClr val="ffffff"/>
-                </a:solidFill>
-              </a:uFill>
-              <a:latin typeface="Calibri"/>
-            </a:endParaRPr>
-          </a:p>
-        </p:txBody>
-      </p:sp>
-      <p:sp>
-        <p:nvSpPr>
-          <p:cNvPr id="11" name="PlaceHolder 3"/>
+            <a:endParaRPr b="0" lang="en-US" sz="3200" spc="-1" strike="noStrike">
+              <a:solidFill>
+                <a:srgbClr val="000000"/>
+              </a:solidFill>
+              <a:uFill>
+                <a:solidFill>
+                  <a:srgbClr val="ffffff"/>
+                </a:solidFill>
+              </a:uFill>
+              <a:latin typeface="Arial"/>
+            </a:endParaRPr>
+          </a:p>
+        </p:txBody>
+      </p:sp>
+      <p:sp>
+        <p:nvSpPr>
+          <p:cNvPr id="8" name="PlaceHolder 3"/>
           <p:cNvSpPr>
             <a:spLocks noGrp="1"/>
           </p:cNvSpPr>
@@ -2303,8 +2320,8 @@
         </p:nvSpPr>
         <p:spPr>
           <a:xfrm>
-            <a:off x="6226200" y="1825560"/>
-            <a:ext cx="5131080" cy="4350960"/>
+            <a:off x="6231960" y="1604520"/>
+            <a:ext cx="5354280" cy="3977280"/>
           </a:xfrm>
           <a:prstGeom prst="rect">
             <a:avLst/>
@@ -2313,16 +2330,16 @@
         <p:txBody>
           <a:bodyPr lIns="0" rIns="0" tIns="0" bIns="0"/>
           <a:p>
-            <a:endParaRPr b="0" lang="hu-HU" sz="2800" spc="-1" strike="noStrike">
-              <a:solidFill>
-                <a:srgbClr val="000000"/>
-              </a:solidFill>
-              <a:uFill>
-                <a:solidFill>
-                  <a:srgbClr val="ffffff"/>
-                </a:solidFill>
-              </a:uFill>
-              <a:latin typeface="Calibri"/>
+            <a:endParaRPr b="0" lang="en-US" sz="3200" spc="-1" strike="noStrike">
+              <a:solidFill>
+                <a:srgbClr val="000000"/>
+              </a:solidFill>
+              <a:uFill>
+                <a:solidFill>
+                  <a:srgbClr val="ffffff"/>
+                </a:solidFill>
+              </a:uFill>
+              <a:latin typeface="Arial"/>
             </a:endParaRPr>
           </a:p>
         </p:txBody>
@@ -2351,7 +2368,7 @@
       </p:grpSpPr>
       <p:sp>
         <p:nvSpPr>
-          <p:cNvPr id="12" name="PlaceHolder 1"/>
+          <p:cNvPr id="9" name="PlaceHolder 1"/>
           <p:cNvSpPr>
             <a:spLocks noGrp="1"/>
           </p:cNvSpPr>
@@ -2361,8 +2378,8 @@
         </p:nvSpPr>
         <p:spPr>
           <a:xfrm>
-            <a:off x="838080" y="365040"/>
-            <a:ext cx="10515240" cy="1325160"/>
+            <a:off x="609480" y="273600"/>
+            <a:ext cx="10972440" cy="1144800"/>
           </a:xfrm>
           <a:prstGeom prst="rect">
             <a:avLst/>
@@ -2371,16 +2388,17 @@
         <p:txBody>
           <a:bodyPr lIns="0" rIns="0" tIns="0" bIns="0" anchor="ctr"/>
           <a:p>
-            <a:endParaRPr b="0" lang="hu-HU" sz="1800" spc="-1" strike="noStrike">
-              <a:solidFill>
-                <a:srgbClr val="000000"/>
-              </a:solidFill>
-              <a:uFill>
-                <a:solidFill>
-                  <a:srgbClr val="ffffff"/>
-                </a:solidFill>
-              </a:uFill>
-              <a:latin typeface="Calibri"/>
+            <a:pPr algn="ctr"/>
+            <a:endParaRPr b="0" lang="en-US" sz="4400" spc="-1" strike="noStrike">
+              <a:solidFill>
+                <a:srgbClr val="000000"/>
+              </a:solidFill>
+              <a:uFill>
+                <a:solidFill>
+                  <a:srgbClr val="ffffff"/>
+                </a:solidFill>
+              </a:uFill>
+              <a:latin typeface="Arial"/>
             </a:endParaRPr>
           </a:p>
         </p:txBody>
@@ -2409,7 +2427,7 @@
       </p:grpSpPr>
       <p:sp>
         <p:nvSpPr>
-          <p:cNvPr id="13" name="PlaceHolder 1"/>
+          <p:cNvPr id="10" name="PlaceHolder 1"/>
           <p:cNvSpPr>
             <a:spLocks noGrp="1"/>
           </p:cNvSpPr>
@@ -2419,8 +2437,8 @@
         </p:nvSpPr>
         <p:spPr>
           <a:xfrm>
-            <a:off x="838080" y="365040"/>
-            <a:ext cx="10515240" cy="6144120"/>
+            <a:off x="609480" y="273600"/>
+            <a:ext cx="10972440" cy="5307840"/>
           </a:xfrm>
           <a:prstGeom prst="rect">
             <a:avLst/>
@@ -2468,7 +2486,7 @@
       </p:grpSpPr>
       <p:sp>
         <p:nvSpPr>
-          <p:cNvPr id="14" name="PlaceHolder 1"/>
+          <p:cNvPr id="11" name="PlaceHolder 1"/>
           <p:cNvSpPr>
             <a:spLocks noGrp="1"/>
           </p:cNvSpPr>
@@ -2478,8 +2496,8 @@
         </p:nvSpPr>
         <p:spPr>
           <a:xfrm>
-            <a:off x="838080" y="365040"/>
-            <a:ext cx="10515240" cy="1325160"/>
+            <a:off x="609480" y="273600"/>
+            <a:ext cx="10972440" cy="1144800"/>
           </a:xfrm>
           <a:prstGeom prst="rect">
             <a:avLst/>
@@ -2488,23 +2506,24 @@
         <p:txBody>
           <a:bodyPr lIns="0" rIns="0" tIns="0" bIns="0" anchor="ctr"/>
           <a:p>
-            <a:endParaRPr b="0" lang="hu-HU" sz="1800" spc="-1" strike="noStrike">
-              <a:solidFill>
-                <a:srgbClr val="000000"/>
-              </a:solidFill>
-              <a:uFill>
-                <a:solidFill>
-                  <a:srgbClr val="ffffff"/>
-                </a:solidFill>
-              </a:uFill>
-              <a:latin typeface="Calibri"/>
-            </a:endParaRPr>
-          </a:p>
-        </p:txBody>
-      </p:sp>
-      <p:sp>
-        <p:nvSpPr>
-          <p:cNvPr id="15" name="PlaceHolder 2"/>
+            <a:pPr algn="ctr"/>
+            <a:endParaRPr b="0" lang="en-US" sz="4400" spc="-1" strike="noStrike">
+              <a:solidFill>
+                <a:srgbClr val="000000"/>
+              </a:solidFill>
+              <a:uFill>
+                <a:solidFill>
+                  <a:srgbClr val="ffffff"/>
+                </a:solidFill>
+              </a:uFill>
+              <a:latin typeface="Arial"/>
+            </a:endParaRPr>
+          </a:p>
+        </p:txBody>
+      </p:sp>
+      <p:sp>
+        <p:nvSpPr>
+          <p:cNvPr id="12" name="PlaceHolder 2"/>
           <p:cNvSpPr>
             <a:spLocks noGrp="1"/>
           </p:cNvSpPr>
@@ -2514,8 +2533,8 @@
         </p:nvSpPr>
         <p:spPr>
           <a:xfrm>
-            <a:off x="838080" y="1825560"/>
-            <a:ext cx="5131080" cy="2075040"/>
+            <a:off x="609480" y="1604520"/>
+            <a:ext cx="5354280" cy="1896840"/>
           </a:xfrm>
           <a:prstGeom prst="rect">
             <a:avLst/>
@@ -2524,23 +2543,23 @@
         <p:txBody>
           <a:bodyPr lIns="0" rIns="0" tIns="0" bIns="0"/>
           <a:p>
-            <a:endParaRPr b="0" lang="hu-HU" sz="2800" spc="-1" strike="noStrike">
-              <a:solidFill>
-                <a:srgbClr val="000000"/>
-              </a:solidFill>
-              <a:uFill>
-                <a:solidFill>
-                  <a:srgbClr val="ffffff"/>
-                </a:solidFill>
-              </a:uFill>
-              <a:latin typeface="Calibri"/>
-            </a:endParaRPr>
-          </a:p>
-        </p:txBody>
-      </p:sp>
-      <p:sp>
-        <p:nvSpPr>
-          <p:cNvPr id="16" name="PlaceHolder 3"/>
+            <a:endParaRPr b="0" lang="en-US" sz="3200" spc="-1" strike="noStrike">
+              <a:solidFill>
+                <a:srgbClr val="000000"/>
+              </a:solidFill>
+              <a:uFill>
+                <a:solidFill>
+                  <a:srgbClr val="ffffff"/>
+                </a:solidFill>
+              </a:uFill>
+              <a:latin typeface="Arial"/>
+            </a:endParaRPr>
+          </a:p>
+        </p:txBody>
+      </p:sp>
+      <p:sp>
+        <p:nvSpPr>
+          <p:cNvPr id="13" name="PlaceHolder 3"/>
           <p:cNvSpPr>
             <a:spLocks noGrp="1"/>
           </p:cNvSpPr>
@@ -2550,8 +2569,8 @@
         </p:nvSpPr>
         <p:spPr>
           <a:xfrm>
-            <a:off x="838080" y="4098240"/>
-            <a:ext cx="5131080" cy="2075040"/>
+            <a:off x="609480" y="3682080"/>
+            <a:ext cx="5354280" cy="1896840"/>
           </a:xfrm>
           <a:prstGeom prst="rect">
             <a:avLst/>
@@ -2560,23 +2579,23 @@
         <p:txBody>
           <a:bodyPr lIns="0" rIns="0" tIns="0" bIns="0"/>
           <a:p>
-            <a:endParaRPr b="0" lang="hu-HU" sz="2800" spc="-1" strike="noStrike">
-              <a:solidFill>
-                <a:srgbClr val="000000"/>
-              </a:solidFill>
-              <a:uFill>
-                <a:solidFill>
-                  <a:srgbClr val="ffffff"/>
-                </a:solidFill>
-              </a:uFill>
-              <a:latin typeface="Calibri"/>
-            </a:endParaRPr>
-          </a:p>
-        </p:txBody>
-      </p:sp>
-      <p:sp>
-        <p:nvSpPr>
-          <p:cNvPr id="17" name="PlaceHolder 4"/>
+            <a:endParaRPr b="0" lang="en-US" sz="3200" spc="-1" strike="noStrike">
+              <a:solidFill>
+                <a:srgbClr val="000000"/>
+              </a:solidFill>
+              <a:uFill>
+                <a:solidFill>
+                  <a:srgbClr val="ffffff"/>
+                </a:solidFill>
+              </a:uFill>
+              <a:latin typeface="Arial"/>
+            </a:endParaRPr>
+          </a:p>
+        </p:txBody>
+      </p:sp>
+      <p:sp>
+        <p:nvSpPr>
+          <p:cNvPr id="14" name="PlaceHolder 4"/>
           <p:cNvSpPr>
             <a:spLocks noGrp="1"/>
           </p:cNvSpPr>
@@ -2586,8 +2605,8 @@
         </p:nvSpPr>
         <p:spPr>
           <a:xfrm>
-            <a:off x="6226200" y="1825560"/>
-            <a:ext cx="5131080" cy="4350960"/>
+            <a:off x="6231960" y="1604520"/>
+            <a:ext cx="5354280" cy="3977280"/>
           </a:xfrm>
           <a:prstGeom prst="rect">
             <a:avLst/>
@@ -2596,16 +2615,16 @@
         <p:txBody>
           <a:bodyPr lIns="0" rIns="0" tIns="0" bIns="0"/>
           <a:p>
-            <a:endParaRPr b="0" lang="hu-HU" sz="2800" spc="-1" strike="noStrike">
-              <a:solidFill>
-                <a:srgbClr val="000000"/>
-              </a:solidFill>
-              <a:uFill>
-                <a:solidFill>
-                  <a:srgbClr val="ffffff"/>
-                </a:solidFill>
-              </a:uFill>
-              <a:latin typeface="Calibri"/>
+            <a:endParaRPr b="0" lang="en-US" sz="3200" spc="-1" strike="noStrike">
+              <a:solidFill>
+                <a:srgbClr val="000000"/>
+              </a:solidFill>
+              <a:uFill>
+                <a:solidFill>
+                  <a:srgbClr val="ffffff"/>
+                </a:solidFill>
+              </a:uFill>
+              <a:latin typeface="Arial"/>
             </a:endParaRPr>
           </a:p>
         </p:txBody>
@@ -2634,7 +2653,7 @@
       </p:grpSpPr>
       <p:sp>
         <p:nvSpPr>
-          <p:cNvPr id="18" name="PlaceHolder 1"/>
+          <p:cNvPr id="15" name="PlaceHolder 1"/>
           <p:cNvSpPr>
             <a:spLocks noGrp="1"/>
           </p:cNvSpPr>
@@ -2644,8 +2663,8 @@
         </p:nvSpPr>
         <p:spPr>
           <a:xfrm>
-            <a:off x="838080" y="365040"/>
-            <a:ext cx="10515240" cy="1325160"/>
+            <a:off x="609480" y="273600"/>
+            <a:ext cx="10972440" cy="1144800"/>
           </a:xfrm>
           <a:prstGeom prst="rect">
             <a:avLst/>
@@ -2654,23 +2673,24 @@
         <p:txBody>
           <a:bodyPr lIns="0" rIns="0" tIns="0" bIns="0" anchor="ctr"/>
           <a:p>
-            <a:endParaRPr b="0" lang="hu-HU" sz="1800" spc="-1" strike="noStrike">
-              <a:solidFill>
-                <a:srgbClr val="000000"/>
-              </a:solidFill>
-              <a:uFill>
-                <a:solidFill>
-                  <a:srgbClr val="ffffff"/>
-                </a:solidFill>
-              </a:uFill>
-              <a:latin typeface="Calibri"/>
-            </a:endParaRPr>
-          </a:p>
-        </p:txBody>
-      </p:sp>
-      <p:sp>
-        <p:nvSpPr>
-          <p:cNvPr id="19" name="PlaceHolder 2"/>
+            <a:pPr algn="ctr"/>
+            <a:endParaRPr b="0" lang="en-US" sz="4400" spc="-1" strike="noStrike">
+              <a:solidFill>
+                <a:srgbClr val="000000"/>
+              </a:solidFill>
+              <a:uFill>
+                <a:solidFill>
+                  <a:srgbClr val="ffffff"/>
+                </a:solidFill>
+              </a:uFill>
+              <a:latin typeface="Arial"/>
+            </a:endParaRPr>
+          </a:p>
+        </p:txBody>
+      </p:sp>
+      <p:sp>
+        <p:nvSpPr>
+          <p:cNvPr id="16" name="PlaceHolder 2"/>
           <p:cNvSpPr>
             <a:spLocks noGrp="1"/>
           </p:cNvSpPr>
@@ -2680,8 +2700,8 @@
         </p:nvSpPr>
         <p:spPr>
           <a:xfrm>
-            <a:off x="838080" y="1825560"/>
-            <a:ext cx="5131080" cy="4350960"/>
+            <a:off x="609480" y="1604520"/>
+            <a:ext cx="5354280" cy="3977280"/>
           </a:xfrm>
           <a:prstGeom prst="rect">
             <a:avLst/>
@@ -2690,23 +2710,23 @@
         <p:txBody>
           <a:bodyPr lIns="0" rIns="0" tIns="0" bIns="0"/>
           <a:p>
-            <a:endParaRPr b="0" lang="hu-HU" sz="2800" spc="-1" strike="noStrike">
-              <a:solidFill>
-                <a:srgbClr val="000000"/>
-              </a:solidFill>
-              <a:uFill>
-                <a:solidFill>
-                  <a:srgbClr val="ffffff"/>
-                </a:solidFill>
-              </a:uFill>
-              <a:latin typeface="Calibri"/>
-            </a:endParaRPr>
-          </a:p>
-        </p:txBody>
-      </p:sp>
-      <p:sp>
-        <p:nvSpPr>
-          <p:cNvPr id="20" name="PlaceHolder 3"/>
+            <a:endParaRPr b="0" lang="en-US" sz="3200" spc="-1" strike="noStrike">
+              <a:solidFill>
+                <a:srgbClr val="000000"/>
+              </a:solidFill>
+              <a:uFill>
+                <a:solidFill>
+                  <a:srgbClr val="ffffff"/>
+                </a:solidFill>
+              </a:uFill>
+              <a:latin typeface="Arial"/>
+            </a:endParaRPr>
+          </a:p>
+        </p:txBody>
+      </p:sp>
+      <p:sp>
+        <p:nvSpPr>
+          <p:cNvPr id="17" name="PlaceHolder 3"/>
           <p:cNvSpPr>
             <a:spLocks noGrp="1"/>
           </p:cNvSpPr>
@@ -2716,8 +2736,8 @@
         </p:nvSpPr>
         <p:spPr>
           <a:xfrm>
-            <a:off x="6226200" y="1825560"/>
-            <a:ext cx="5131080" cy="2075040"/>
+            <a:off x="6231960" y="1604520"/>
+            <a:ext cx="5354280" cy="1896840"/>
           </a:xfrm>
           <a:prstGeom prst="rect">
             <a:avLst/>
@@ -2726,23 +2746,23 @@
         <p:txBody>
           <a:bodyPr lIns="0" rIns="0" tIns="0" bIns="0"/>
           <a:p>
-            <a:endParaRPr b="0" lang="hu-HU" sz="2800" spc="-1" strike="noStrike">
-              <a:solidFill>
-                <a:srgbClr val="000000"/>
-              </a:solidFill>
-              <a:uFill>
-                <a:solidFill>
-                  <a:srgbClr val="ffffff"/>
-                </a:solidFill>
-              </a:uFill>
-              <a:latin typeface="Calibri"/>
-            </a:endParaRPr>
-          </a:p>
-        </p:txBody>
-      </p:sp>
-      <p:sp>
-        <p:nvSpPr>
-          <p:cNvPr id="21" name="PlaceHolder 4"/>
+            <a:endParaRPr b="0" lang="en-US" sz="3200" spc="-1" strike="noStrike">
+              <a:solidFill>
+                <a:srgbClr val="000000"/>
+              </a:solidFill>
+              <a:uFill>
+                <a:solidFill>
+                  <a:srgbClr val="ffffff"/>
+                </a:solidFill>
+              </a:uFill>
+              <a:latin typeface="Arial"/>
+            </a:endParaRPr>
+          </a:p>
+        </p:txBody>
+      </p:sp>
+      <p:sp>
+        <p:nvSpPr>
+          <p:cNvPr id="18" name="PlaceHolder 4"/>
           <p:cNvSpPr>
             <a:spLocks noGrp="1"/>
           </p:cNvSpPr>
@@ -2752,8 +2772,8 @@
         </p:nvSpPr>
         <p:spPr>
           <a:xfrm>
-            <a:off x="6226200" y="4098240"/>
-            <a:ext cx="5131080" cy="2075040"/>
+            <a:off x="6231960" y="3682080"/>
+            <a:ext cx="5354280" cy="1896840"/>
           </a:xfrm>
           <a:prstGeom prst="rect">
             <a:avLst/>
@@ -2762,16 +2782,16 @@
         <p:txBody>
           <a:bodyPr lIns="0" rIns="0" tIns="0" bIns="0"/>
           <a:p>
-            <a:endParaRPr b="0" lang="hu-HU" sz="2800" spc="-1" strike="noStrike">
-              <a:solidFill>
-                <a:srgbClr val="000000"/>
-              </a:solidFill>
-              <a:uFill>
-                <a:solidFill>
-                  <a:srgbClr val="ffffff"/>
-                </a:solidFill>
-              </a:uFill>
-              <a:latin typeface="Calibri"/>
+            <a:endParaRPr b="0" lang="en-US" sz="3200" spc="-1" strike="noStrike">
+              <a:solidFill>
+                <a:srgbClr val="000000"/>
+              </a:solidFill>
+              <a:uFill>
+                <a:solidFill>
+                  <a:srgbClr val="ffffff"/>
+                </a:solidFill>
+              </a:uFill>
+              <a:latin typeface="Arial"/>
             </a:endParaRPr>
           </a:p>
         </p:txBody>
@@ -2800,7 +2820,7 @@
       </p:grpSpPr>
       <p:sp>
         <p:nvSpPr>
-          <p:cNvPr id="22" name="PlaceHolder 1"/>
+          <p:cNvPr id="19" name="PlaceHolder 1"/>
           <p:cNvSpPr>
             <a:spLocks noGrp="1"/>
           </p:cNvSpPr>
@@ -2810,8 +2830,8 @@
         </p:nvSpPr>
         <p:spPr>
           <a:xfrm>
-            <a:off x="838080" y="365040"/>
-            <a:ext cx="10515240" cy="1325160"/>
+            <a:off x="609480" y="273600"/>
+            <a:ext cx="10972440" cy="1144800"/>
           </a:xfrm>
           <a:prstGeom prst="rect">
             <a:avLst/>
@@ -2820,23 +2840,24 @@
         <p:txBody>
           <a:bodyPr lIns="0" rIns="0" tIns="0" bIns="0" anchor="ctr"/>
           <a:p>
-            <a:endParaRPr b="0" lang="hu-HU" sz="1800" spc="-1" strike="noStrike">
-              <a:solidFill>
-                <a:srgbClr val="000000"/>
-              </a:solidFill>
-              <a:uFill>
-                <a:solidFill>
-                  <a:srgbClr val="ffffff"/>
-                </a:solidFill>
-              </a:uFill>
-              <a:latin typeface="Calibri"/>
-            </a:endParaRPr>
-          </a:p>
-        </p:txBody>
-      </p:sp>
-      <p:sp>
-        <p:nvSpPr>
-          <p:cNvPr id="23" name="PlaceHolder 2"/>
+            <a:pPr algn="ctr"/>
+            <a:endParaRPr b="0" lang="en-US" sz="4400" spc="-1" strike="noStrike">
+              <a:solidFill>
+                <a:srgbClr val="000000"/>
+              </a:solidFill>
+              <a:uFill>
+                <a:solidFill>
+                  <a:srgbClr val="ffffff"/>
+                </a:solidFill>
+              </a:uFill>
+              <a:latin typeface="Arial"/>
+            </a:endParaRPr>
+          </a:p>
+        </p:txBody>
+      </p:sp>
+      <p:sp>
+        <p:nvSpPr>
+          <p:cNvPr id="20" name="PlaceHolder 2"/>
           <p:cNvSpPr>
             <a:spLocks noGrp="1"/>
           </p:cNvSpPr>
@@ -2846,8 +2867,8 @@
         </p:nvSpPr>
         <p:spPr>
           <a:xfrm>
-            <a:off x="838080" y="1825560"/>
-            <a:ext cx="5131080" cy="2075040"/>
+            <a:off x="609480" y="1604520"/>
+            <a:ext cx="5354280" cy="1896840"/>
           </a:xfrm>
           <a:prstGeom prst="rect">
             <a:avLst/>
@@ -2856,23 +2877,23 @@
         <p:txBody>
           <a:bodyPr lIns="0" rIns="0" tIns="0" bIns="0"/>
           <a:p>
-            <a:endParaRPr b="0" lang="hu-HU" sz="2800" spc="-1" strike="noStrike">
-              <a:solidFill>
-                <a:srgbClr val="000000"/>
-              </a:solidFill>
-              <a:uFill>
-                <a:solidFill>
-                  <a:srgbClr val="ffffff"/>
-                </a:solidFill>
-              </a:uFill>
-              <a:latin typeface="Calibri"/>
-            </a:endParaRPr>
-          </a:p>
-        </p:txBody>
-      </p:sp>
-      <p:sp>
-        <p:nvSpPr>
-          <p:cNvPr id="24" name="PlaceHolder 3"/>
+            <a:endParaRPr b="0" lang="en-US" sz="3200" spc="-1" strike="noStrike">
+              <a:solidFill>
+                <a:srgbClr val="000000"/>
+              </a:solidFill>
+              <a:uFill>
+                <a:solidFill>
+                  <a:srgbClr val="ffffff"/>
+                </a:solidFill>
+              </a:uFill>
+              <a:latin typeface="Arial"/>
+            </a:endParaRPr>
+          </a:p>
+        </p:txBody>
+      </p:sp>
+      <p:sp>
+        <p:nvSpPr>
+          <p:cNvPr id="21" name="PlaceHolder 3"/>
           <p:cNvSpPr>
             <a:spLocks noGrp="1"/>
           </p:cNvSpPr>
@@ -2882,8 +2903,8 @@
         </p:nvSpPr>
         <p:spPr>
           <a:xfrm>
-            <a:off x="6226200" y="1825560"/>
-            <a:ext cx="5131080" cy="2075040"/>
+            <a:off x="6231960" y="1604520"/>
+            <a:ext cx="5354280" cy="1896840"/>
           </a:xfrm>
           <a:prstGeom prst="rect">
             <a:avLst/>
@@ -2892,23 +2913,23 @@
         <p:txBody>
           <a:bodyPr lIns="0" rIns="0" tIns="0" bIns="0"/>
           <a:p>
-            <a:endParaRPr b="0" lang="hu-HU" sz="2800" spc="-1" strike="noStrike">
-              <a:solidFill>
-                <a:srgbClr val="000000"/>
-              </a:solidFill>
-              <a:uFill>
-                <a:solidFill>
-                  <a:srgbClr val="ffffff"/>
-                </a:solidFill>
-              </a:uFill>
-              <a:latin typeface="Calibri"/>
-            </a:endParaRPr>
-          </a:p>
-        </p:txBody>
-      </p:sp>
-      <p:sp>
-        <p:nvSpPr>
-          <p:cNvPr id="25" name="PlaceHolder 4"/>
+            <a:endParaRPr b="0" lang="en-US" sz="3200" spc="-1" strike="noStrike">
+              <a:solidFill>
+                <a:srgbClr val="000000"/>
+              </a:solidFill>
+              <a:uFill>
+                <a:solidFill>
+                  <a:srgbClr val="ffffff"/>
+                </a:solidFill>
+              </a:uFill>
+              <a:latin typeface="Arial"/>
+            </a:endParaRPr>
+          </a:p>
+        </p:txBody>
+      </p:sp>
+      <p:sp>
+        <p:nvSpPr>
+          <p:cNvPr id="22" name="PlaceHolder 4"/>
           <p:cNvSpPr>
             <a:spLocks noGrp="1"/>
           </p:cNvSpPr>
@@ -2918,8 +2939,8 @@
         </p:nvSpPr>
         <p:spPr>
           <a:xfrm>
-            <a:off x="838080" y="4098240"/>
-            <a:ext cx="10515240" cy="2075040"/>
+            <a:off x="609480" y="3682080"/>
+            <a:ext cx="10972440" cy="1896840"/>
           </a:xfrm>
           <a:prstGeom prst="rect">
             <a:avLst/>
@@ -2928,16 +2949,16 @@
         <p:txBody>
           <a:bodyPr lIns="0" rIns="0" tIns="0" bIns="0"/>
           <a:p>
-            <a:endParaRPr b="0" lang="hu-HU" sz="2800" spc="-1" strike="noStrike">
-              <a:solidFill>
-                <a:srgbClr val="000000"/>
-              </a:solidFill>
-              <a:uFill>
-                <a:solidFill>
-                  <a:srgbClr val="ffffff"/>
-                </a:solidFill>
-              </a:uFill>
-              <a:latin typeface="Calibri"/>
+            <a:endParaRPr b="0" lang="en-US" sz="3200" spc="-1" strike="noStrike">
+              <a:solidFill>
+                <a:srgbClr val="000000"/>
+              </a:solidFill>
+              <a:uFill>
+                <a:solidFill>
+                  <a:srgbClr val="ffffff"/>
+                </a:solidFill>
+              </a:uFill>
+              <a:latin typeface="Arial"/>
             </a:endParaRPr>
           </a:p>
         </p:txBody>
@@ -2983,45 +3004,27 @@
         </p:nvSpPr>
         <p:spPr>
           <a:xfrm>
-            <a:off x="1523880" y="1122480"/>
-            <a:ext cx="9143640" cy="2387160"/>
-          </a:xfrm>
-          <a:prstGeom prst="rect">
-            <a:avLst/>
-          </a:prstGeom>
-        </p:spPr>
-        <p:txBody>
-          <a:bodyPr anchor="b"/>
-          <a:p>
-            <a:pPr algn="ctr">
-              <a:lnSpc>
-                <a:spcPct val="100000"/>
-              </a:lnSpc>
-            </a:pPr>
-            <a:r>
-              <a:rPr b="0" lang="hu-HU" sz="6000" spc="-1" strike="noStrike">
-                <a:solidFill>
-                  <a:srgbClr val="000000"/>
-                </a:solidFill>
-                <a:uFill>
-                  <a:solidFill>
-                    <a:srgbClr val="ffffff"/>
-                  </a:solidFill>
-                </a:uFill>
-                <a:latin typeface="Calibri Light"/>
-              </a:rPr>
-              <a:t>Mintacím szerkesztése</a:t>
-            </a:r>
-            <a:endParaRPr b="0" lang="hu-HU" sz="1800" spc="-1" strike="noStrike">
-              <a:solidFill>
-                <a:srgbClr val="000000"/>
-              </a:solidFill>
-              <a:uFill>
-                <a:solidFill>
-                  <a:srgbClr val="ffffff"/>
-                </a:solidFill>
-              </a:uFill>
-              <a:latin typeface="Calibri"/>
+            <a:off x="838080" y="365040"/>
+            <a:ext cx="10514880" cy="1324800"/>
+          </a:xfrm>
+          <a:prstGeom prst="rect">
+            <a:avLst/>
+          </a:prstGeom>
+        </p:spPr>
+        <p:txBody>
+          <a:bodyPr lIns="0" rIns="0" tIns="0" bIns="0" anchor="ctr"/>
+          <a:p>
+            <a:pPr algn="ctr"/>
+            <a:endParaRPr b="0" lang="en-US" sz="4400" spc="-1" strike="noStrike">
+              <a:solidFill>
+                <a:srgbClr val="000000"/>
+              </a:solidFill>
+              <a:uFill>
+                <a:solidFill>
+                  <a:srgbClr val="ffffff"/>
+                </a:solidFill>
+              </a:uFill>
+              <a:latin typeface="Arial"/>
             </a:endParaRPr>
           </a:p>
         </p:txBody>
@@ -3029,152 +3032,6 @@
       <p:sp>
         <p:nvSpPr>
           <p:cNvPr id="1" name="PlaceHolder 2"/>
-          <p:cNvSpPr>
-            <a:spLocks noGrp="1"/>
-          </p:cNvSpPr>
-          <p:nvPr>
-            <p:ph type="dt"/>
-          </p:nvPr>
-        </p:nvSpPr>
-        <p:spPr>
-          <a:xfrm>
-            <a:off x="838080" y="6356520"/>
-            <a:ext cx="2742840" cy="364680"/>
-          </a:xfrm>
-          <a:prstGeom prst="rect">
-            <a:avLst/>
-          </a:prstGeom>
-        </p:spPr>
-        <p:txBody>
-          <a:bodyPr anchor="ctr"/>
-          <a:p>
-            <a:pPr>
-              <a:lnSpc>
-                <a:spcPct val="100000"/>
-              </a:lnSpc>
-            </a:pPr>
-            <a:r>
-              <a:rPr b="0" lang="en-US" sz="1200" spc="-1" strike="noStrike">
-                <a:solidFill>
-                  <a:srgbClr val="8b8b8b"/>
-                </a:solidFill>
-                <a:uFill>
-                  <a:solidFill>
-                    <a:srgbClr val="ffffff"/>
-                  </a:solidFill>
-                </a:uFill>
-                <a:latin typeface="Calibri"/>
-              </a:rPr>
-              <a:t>5/31/18</a:t>
-            </a:r>
-            <a:endParaRPr b="0" lang="en-US" sz="1200" spc="-1" strike="noStrike">
-              <a:solidFill>
-                <a:srgbClr val="000000"/>
-              </a:solidFill>
-              <a:uFill>
-                <a:solidFill>
-                  <a:srgbClr val="ffffff"/>
-                </a:solidFill>
-              </a:uFill>
-              <a:latin typeface="Times New Roman"/>
-            </a:endParaRPr>
-          </a:p>
-        </p:txBody>
-      </p:sp>
-      <p:sp>
-        <p:nvSpPr>
-          <p:cNvPr id="2" name="PlaceHolder 3"/>
-          <p:cNvSpPr>
-            <a:spLocks noGrp="1"/>
-          </p:cNvSpPr>
-          <p:nvPr>
-            <p:ph type="ftr"/>
-          </p:nvPr>
-        </p:nvSpPr>
-        <p:spPr>
-          <a:xfrm>
-            <a:off x="4038480" y="6356520"/>
-            <a:ext cx="4114440" cy="364680"/>
-          </a:xfrm>
-          <a:prstGeom prst="rect">
-            <a:avLst/>
-          </a:prstGeom>
-        </p:spPr>
-        <p:txBody>
-          <a:bodyPr anchor="ctr"/>
-          <a:p>
-            <a:endParaRPr b="0" lang="en-US" sz="2400" spc="-1" strike="noStrike">
-              <a:solidFill>
-                <a:srgbClr val="000000"/>
-              </a:solidFill>
-              <a:uFill>
-                <a:solidFill>
-                  <a:srgbClr val="ffffff"/>
-                </a:solidFill>
-              </a:uFill>
-              <a:latin typeface="Times New Roman"/>
-            </a:endParaRPr>
-          </a:p>
-        </p:txBody>
-      </p:sp>
-      <p:sp>
-        <p:nvSpPr>
-          <p:cNvPr id="3" name="PlaceHolder 4"/>
-          <p:cNvSpPr>
-            <a:spLocks noGrp="1"/>
-          </p:cNvSpPr>
-          <p:nvPr>
-            <p:ph type="sldNum"/>
-          </p:nvPr>
-        </p:nvSpPr>
-        <p:spPr>
-          <a:xfrm>
-            <a:off x="8610480" y="6356520"/>
-            <a:ext cx="2742840" cy="364680"/>
-          </a:xfrm>
-          <a:prstGeom prst="rect">
-            <a:avLst/>
-          </a:prstGeom>
-        </p:spPr>
-        <p:txBody>
-          <a:bodyPr anchor="ctr"/>
-          <a:p>
-            <a:pPr algn="r">
-              <a:lnSpc>
-                <a:spcPct val="100000"/>
-              </a:lnSpc>
-            </a:pPr>
-            <a:fld id="{62E54831-AFBD-454E-8695-3EF7CDFF2D42}" type="slidenum">
-              <a:rPr b="0" lang="en-US" sz="1200" spc="-1" strike="noStrike">
-                <a:solidFill>
-                  <a:srgbClr val="8b8b8b"/>
-                </a:solidFill>
-                <a:uFill>
-                  <a:solidFill>
-                    <a:srgbClr val="ffffff"/>
-                  </a:solidFill>
-                </a:uFill>
-                <a:latin typeface="Calibri"/>
-              </a:rPr>
-              <a:t>&lt;number&gt;</a:t>
-            </a:fld>
-            <a:endParaRPr b="0" lang="en-US" sz="1200" spc="-1" strike="noStrike">
-              <a:solidFill>
-                <a:srgbClr val="000000"/>
-              </a:solidFill>
-              <a:uFill>
-                <a:solidFill>
-                  <a:srgbClr val="ffffff"/>
-                </a:solidFill>
-              </a:uFill>
-              <a:latin typeface="Times New Roman"/>
-            </a:endParaRPr>
-          </a:p>
-        </p:txBody>
-      </p:sp>
-      <p:sp>
-        <p:nvSpPr>
-          <p:cNvPr id="4" name="PlaceHolder 5"/>
           <p:cNvSpPr>
             <a:spLocks noGrp="1"/>
           </p:cNvSpPr>
@@ -3203,7 +3060,7 @@
               <a:buChar char=""/>
             </a:pPr>
             <a:r>
-              <a:rPr b="0" lang="hu-HU" sz="2800" spc="-1" strike="noStrike">
+              <a:rPr b="0" lang="en-US" sz="3200" spc="-1" strike="noStrike">
                 <a:solidFill>
                   <a:srgbClr val="000000"/>
                 </a:solidFill>
@@ -3212,20 +3069,20 @@
                     <a:srgbClr val="ffffff"/>
                   </a:solidFill>
                 </a:uFill>
-                <a:latin typeface="Calibri"/>
+                <a:latin typeface="Arial"/>
               </a:rPr>
               <a:t>Click to edit the outline text format</a:t>
             </a:r>
-            <a:endParaRPr b="0" lang="hu-HU" sz="2800" spc="-1" strike="noStrike">
-              <a:solidFill>
-                <a:srgbClr val="000000"/>
-              </a:solidFill>
-              <a:uFill>
-                <a:solidFill>
-                  <a:srgbClr val="ffffff"/>
-                </a:solidFill>
-              </a:uFill>
-              <a:latin typeface="Calibri"/>
+            <a:endParaRPr b="0" lang="en-US" sz="3200" spc="-1" strike="noStrike">
+              <a:solidFill>
+                <a:srgbClr val="000000"/>
+              </a:solidFill>
+              <a:uFill>
+                <a:solidFill>
+                  <a:srgbClr val="ffffff"/>
+                </a:solidFill>
+              </a:uFill>
+              <a:latin typeface="Arial"/>
             </a:endParaRPr>
           </a:p>
           <a:p>
@@ -3238,7 +3095,7 @@
               <a:buChar char=""/>
             </a:pPr>
             <a:r>
-              <a:rPr b="0" lang="hu-HU" sz="2000" spc="-1" strike="noStrike">
+              <a:rPr b="0" lang="en-US" sz="2800" spc="-1" strike="noStrike">
                 <a:solidFill>
                   <a:srgbClr val="000000"/>
                 </a:solidFill>
@@ -3247,20 +3104,20 @@
                     <a:srgbClr val="ffffff"/>
                   </a:solidFill>
                 </a:uFill>
-                <a:latin typeface="Calibri"/>
+                <a:latin typeface="Arial"/>
               </a:rPr>
               <a:t>Second Outline Level</a:t>
             </a:r>
-            <a:endParaRPr b="0" lang="hu-HU" sz="2000" spc="-1" strike="noStrike">
-              <a:solidFill>
-                <a:srgbClr val="000000"/>
-              </a:solidFill>
-              <a:uFill>
-                <a:solidFill>
-                  <a:srgbClr val="ffffff"/>
-                </a:solidFill>
-              </a:uFill>
-              <a:latin typeface="Calibri"/>
+            <a:endParaRPr b="0" lang="en-US" sz="2800" spc="-1" strike="noStrike">
+              <a:solidFill>
+                <a:srgbClr val="000000"/>
+              </a:solidFill>
+              <a:uFill>
+                <a:solidFill>
+                  <a:srgbClr val="ffffff"/>
+                </a:solidFill>
+              </a:uFill>
+              <a:latin typeface="Arial"/>
             </a:endParaRPr>
           </a:p>
           <a:p>
@@ -3273,7 +3130,7 @@
               <a:buChar char=""/>
             </a:pPr>
             <a:r>
-              <a:rPr b="0" lang="hu-HU" sz="1800" spc="-1" strike="noStrike">
+              <a:rPr b="0" lang="en-US" sz="2400" spc="-1" strike="noStrike">
                 <a:solidFill>
                   <a:srgbClr val="000000"/>
                 </a:solidFill>
@@ -3282,20 +3139,20 @@
                     <a:srgbClr val="ffffff"/>
                   </a:solidFill>
                 </a:uFill>
-                <a:latin typeface="Calibri"/>
+                <a:latin typeface="Arial"/>
               </a:rPr>
               <a:t>Third Outline Level</a:t>
             </a:r>
-            <a:endParaRPr b="0" lang="hu-HU" sz="1800" spc="-1" strike="noStrike">
-              <a:solidFill>
-                <a:srgbClr val="000000"/>
-              </a:solidFill>
-              <a:uFill>
-                <a:solidFill>
-                  <a:srgbClr val="ffffff"/>
-                </a:solidFill>
-              </a:uFill>
-              <a:latin typeface="Calibri"/>
+            <a:endParaRPr b="0" lang="en-US" sz="2400" spc="-1" strike="noStrike">
+              <a:solidFill>
+                <a:srgbClr val="000000"/>
+              </a:solidFill>
+              <a:uFill>
+                <a:solidFill>
+                  <a:srgbClr val="ffffff"/>
+                </a:solidFill>
+              </a:uFill>
+              <a:latin typeface="Arial"/>
             </a:endParaRPr>
           </a:p>
           <a:p>
@@ -3308,7 +3165,7 @@
               <a:buChar char=""/>
             </a:pPr>
             <a:r>
-              <a:rPr b="0" lang="hu-HU" sz="1800" spc="-1" strike="noStrike">
+              <a:rPr b="0" lang="en-US" sz="2000" spc="-1" strike="noStrike">
                 <a:solidFill>
                   <a:srgbClr val="000000"/>
                 </a:solidFill>
@@ -3317,20 +3174,20 @@
                     <a:srgbClr val="ffffff"/>
                   </a:solidFill>
                 </a:uFill>
-                <a:latin typeface="Calibri"/>
+                <a:latin typeface="Arial"/>
               </a:rPr>
               <a:t>Fourth Outline Level</a:t>
             </a:r>
-            <a:endParaRPr b="0" lang="hu-HU" sz="1800" spc="-1" strike="noStrike">
-              <a:solidFill>
-                <a:srgbClr val="000000"/>
-              </a:solidFill>
-              <a:uFill>
-                <a:solidFill>
-                  <a:srgbClr val="ffffff"/>
-                </a:solidFill>
-              </a:uFill>
-              <a:latin typeface="Calibri"/>
+            <a:endParaRPr b="0" lang="en-US" sz="2000" spc="-1" strike="noStrike">
+              <a:solidFill>
+                <a:srgbClr val="000000"/>
+              </a:solidFill>
+              <a:uFill>
+                <a:solidFill>
+                  <a:srgbClr val="ffffff"/>
+                </a:solidFill>
+              </a:uFill>
+              <a:latin typeface="Arial"/>
             </a:endParaRPr>
           </a:p>
           <a:p>
@@ -3343,7 +3200,7 @@
               <a:buChar char=""/>
             </a:pPr>
             <a:r>
-              <a:rPr b="0" lang="hu-HU" sz="2000" spc="-1" strike="noStrike">
+              <a:rPr b="0" lang="en-US" sz="2000" spc="-1" strike="noStrike">
                 <a:solidFill>
                   <a:srgbClr val="000000"/>
                 </a:solidFill>
@@ -3352,20 +3209,20 @@
                     <a:srgbClr val="ffffff"/>
                   </a:solidFill>
                 </a:uFill>
-                <a:latin typeface="Calibri"/>
+                <a:latin typeface="Arial"/>
               </a:rPr>
               <a:t>Fifth Outline Level</a:t>
             </a:r>
-            <a:endParaRPr b="0" lang="hu-HU" sz="2000" spc="-1" strike="noStrike">
-              <a:solidFill>
-                <a:srgbClr val="000000"/>
-              </a:solidFill>
-              <a:uFill>
-                <a:solidFill>
-                  <a:srgbClr val="ffffff"/>
-                </a:solidFill>
-              </a:uFill>
-              <a:latin typeface="Calibri"/>
+            <a:endParaRPr b="0" lang="en-US" sz="2000" spc="-1" strike="noStrike">
+              <a:solidFill>
+                <a:srgbClr val="000000"/>
+              </a:solidFill>
+              <a:uFill>
+                <a:solidFill>
+                  <a:srgbClr val="ffffff"/>
+                </a:solidFill>
+              </a:uFill>
+              <a:latin typeface="Arial"/>
             </a:endParaRPr>
           </a:p>
           <a:p>
@@ -3378,7 +3235,7 @@
               <a:buChar char=""/>
             </a:pPr>
             <a:r>
-              <a:rPr b="0" lang="hu-HU" sz="2000" spc="-1" strike="noStrike">
+              <a:rPr b="0" lang="en-US" sz="2000" spc="-1" strike="noStrike">
                 <a:solidFill>
                   <a:srgbClr val="000000"/>
                 </a:solidFill>
@@ -3387,20 +3244,20 @@
                     <a:srgbClr val="ffffff"/>
                   </a:solidFill>
                 </a:uFill>
-                <a:latin typeface="Calibri"/>
+                <a:latin typeface="Arial"/>
               </a:rPr>
               <a:t>Sixth Outline Level</a:t>
             </a:r>
-            <a:endParaRPr b="0" lang="hu-HU" sz="2000" spc="-1" strike="noStrike">
-              <a:solidFill>
-                <a:srgbClr val="000000"/>
-              </a:solidFill>
-              <a:uFill>
-                <a:solidFill>
-                  <a:srgbClr val="ffffff"/>
-                </a:solidFill>
-              </a:uFill>
-              <a:latin typeface="Calibri"/>
+            <a:endParaRPr b="0" lang="en-US" sz="2000" spc="-1" strike="noStrike">
+              <a:solidFill>
+                <a:srgbClr val="000000"/>
+              </a:solidFill>
+              <a:uFill>
+                <a:solidFill>
+                  <a:srgbClr val="ffffff"/>
+                </a:solidFill>
+              </a:uFill>
+              <a:latin typeface="Arial"/>
             </a:endParaRPr>
           </a:p>
           <a:p>
@@ -3413,7 +3270,7 @@
               <a:buChar char=""/>
             </a:pPr>
             <a:r>
-              <a:rPr b="0" lang="hu-HU" sz="2000" spc="-1" strike="noStrike">
+              <a:rPr b="0" lang="en-US" sz="2000" spc="-1" strike="noStrike">
                 <a:solidFill>
                   <a:srgbClr val="000000"/>
                 </a:solidFill>
@@ -3422,20 +3279,20 @@
                     <a:srgbClr val="ffffff"/>
                   </a:solidFill>
                 </a:uFill>
-                <a:latin typeface="Calibri"/>
+                <a:latin typeface="Arial"/>
               </a:rPr>
               <a:t>Seventh Outline Level</a:t>
             </a:r>
-            <a:endParaRPr b="0" lang="hu-HU" sz="2000" spc="-1" strike="noStrike">
-              <a:solidFill>
-                <a:srgbClr val="000000"/>
-              </a:solidFill>
-              <a:uFill>
-                <a:solidFill>
-                  <a:srgbClr val="ffffff"/>
-                </a:solidFill>
-              </a:uFill>
-              <a:latin typeface="Calibri"/>
+            <a:endParaRPr b="0" lang="en-US" sz="2000" spc="-1" strike="noStrike">
+              <a:solidFill>
+                <a:srgbClr val="000000"/>
+              </a:solidFill>
+              <a:uFill>
+                <a:solidFill>
+                  <a:srgbClr val="ffffff"/>
+                </a:solidFill>
+              </a:uFill>
+              <a:latin typeface="Arial"/>
             </a:endParaRPr>
           </a:p>
         </p:txBody>
@@ -3486,7 +3343,7 @@
       </p:grpSpPr>
       <p:sp>
         <p:nvSpPr>
-          <p:cNvPr id="39" name="PlaceHolder 1"/>
+          <p:cNvPr id="36" name="PlaceHolder 1"/>
           <p:cNvSpPr>
             <a:spLocks noGrp="1"/>
           </p:cNvSpPr>
@@ -3496,23 +3353,19 @@
         </p:nvSpPr>
         <p:spPr>
           <a:xfrm>
-            <a:off x="838080" y="365040"/>
-            <a:ext cx="10515240" cy="1325160"/>
-          </a:xfrm>
-          <a:prstGeom prst="rect">
-            <a:avLst/>
-          </a:prstGeom>
-        </p:spPr>
-        <p:txBody>
-          <a:bodyPr anchor="ctr"/>
-          <a:p>
-            <a:pPr>
-              <a:lnSpc>
-                <a:spcPct val="90000"/>
-              </a:lnSpc>
-            </a:pPr>
+            <a:off x="609480" y="273600"/>
+            <a:ext cx="10972440" cy="1144800"/>
+          </a:xfrm>
+          <a:prstGeom prst="rect">
+            <a:avLst/>
+          </a:prstGeom>
+        </p:spPr>
+        <p:txBody>
+          <a:bodyPr lIns="0" rIns="0" tIns="0" bIns="0" anchor="ctr"/>
+          <a:p>
+            <a:pPr algn="ctr"/>
             <a:r>
-              <a:rPr b="0" lang="hu-HU" sz="4400" spc="-1" strike="noStrike">
+              <a:rPr b="0" lang="en-US" sz="4400" spc="-1" strike="noStrike">
                 <a:solidFill>
                   <a:srgbClr val="000000"/>
                 </a:solidFill>
@@ -3521,27 +3374,27 @@
                     <a:srgbClr val="ffffff"/>
                   </a:solidFill>
                 </a:uFill>
-                <a:latin typeface="Calibri Light"/>
+                <a:latin typeface="Arial"/>
               </a:rPr>
-              <a:t>Mintacím szerkesztése</a:t>
+              <a:t>Click to edit the title text format</a:t>
             </a:r>
-            <a:endParaRPr b="0" lang="hu-HU" sz="1800" spc="-1" strike="noStrike">
-              <a:solidFill>
-                <a:srgbClr val="000000"/>
-              </a:solidFill>
-              <a:uFill>
-                <a:solidFill>
-                  <a:srgbClr val="ffffff"/>
-                </a:solidFill>
-              </a:uFill>
-              <a:latin typeface="Calibri"/>
-            </a:endParaRPr>
-          </a:p>
-        </p:txBody>
-      </p:sp>
-      <p:sp>
-        <p:nvSpPr>
-          <p:cNvPr id="40" name="PlaceHolder 2"/>
+            <a:endParaRPr b="0" lang="en-US" sz="4400" spc="-1" strike="noStrike">
+              <a:solidFill>
+                <a:srgbClr val="000000"/>
+              </a:solidFill>
+              <a:uFill>
+                <a:solidFill>
+                  <a:srgbClr val="ffffff"/>
+                </a:solidFill>
+              </a:uFill>
+              <a:latin typeface="Arial"/>
+            </a:endParaRPr>
+          </a:p>
+        </p:txBody>
+      </p:sp>
+      <p:sp>
+        <p:nvSpPr>
+          <p:cNvPr id="37" name="PlaceHolder 2"/>
           <p:cNvSpPr>
             <a:spLocks noGrp="1"/>
           </p:cNvSpPr>
@@ -3551,15 +3404,15 @@
         </p:nvSpPr>
         <p:spPr>
           <a:xfrm>
-            <a:off x="838080" y="1825560"/>
-            <a:ext cx="10515240" cy="4350960"/>
-          </a:xfrm>
-          <a:prstGeom prst="rect">
-            <a:avLst/>
-          </a:prstGeom>
-        </p:spPr>
-        <p:txBody>
-          <a:bodyPr/>
+            <a:off x="609480" y="1604520"/>
+            <a:ext cx="10972440" cy="3977280"/>
+          </a:xfrm>
+          <a:prstGeom prst="rect">
+            <a:avLst/>
+          </a:prstGeom>
+        </p:spPr>
+        <p:txBody>
+          <a:bodyPr lIns="0" rIns="0" tIns="0" bIns="0"/>
           <a:p>
             <a:pPr marL="432000" indent="-324000">
               <a:buClr>
@@ -3570,7 +3423,7 @@
               <a:buChar char=""/>
             </a:pPr>
             <a:r>
-              <a:rPr b="0" lang="hu-HU" sz="2800" spc="-1" strike="noStrike">
+              <a:rPr b="0" lang="en-US" sz="3200" spc="-1" strike="noStrike">
                 <a:solidFill>
                   <a:srgbClr val="000000"/>
                 </a:solidFill>
@@ -3579,20 +3432,20 @@
                     <a:srgbClr val="ffffff"/>
                   </a:solidFill>
                 </a:uFill>
-                <a:latin typeface="Calibri"/>
+                <a:latin typeface="Arial"/>
               </a:rPr>
               <a:t>Click to edit the outline text format</a:t>
             </a:r>
-            <a:endParaRPr b="0" lang="hu-HU" sz="2800" spc="-1" strike="noStrike">
-              <a:solidFill>
-                <a:srgbClr val="000000"/>
-              </a:solidFill>
-              <a:uFill>
-                <a:solidFill>
-                  <a:srgbClr val="ffffff"/>
-                </a:solidFill>
-              </a:uFill>
-              <a:latin typeface="Calibri"/>
+            <a:endParaRPr b="0" lang="en-US" sz="3200" spc="-1" strike="noStrike">
+              <a:solidFill>
+                <a:srgbClr val="000000"/>
+              </a:solidFill>
+              <a:uFill>
+                <a:solidFill>
+                  <a:srgbClr val="ffffff"/>
+                </a:solidFill>
+              </a:uFill>
+              <a:latin typeface="Arial"/>
             </a:endParaRPr>
           </a:p>
           <a:p>
@@ -3605,7 +3458,7 @@
               <a:buChar char=""/>
             </a:pPr>
             <a:r>
-              <a:rPr b="0" lang="hu-HU" sz="2800" spc="-1" strike="noStrike">
+              <a:rPr b="0" lang="en-US" sz="2800" spc="-1" strike="noStrike">
                 <a:solidFill>
                   <a:srgbClr val="000000"/>
                 </a:solidFill>
@@ -3614,20 +3467,20 @@
                     <a:srgbClr val="ffffff"/>
                   </a:solidFill>
                 </a:uFill>
-                <a:latin typeface="Calibri"/>
+                <a:latin typeface="Arial"/>
               </a:rPr>
               <a:t>Second Outline Level</a:t>
             </a:r>
-            <a:endParaRPr b="0" lang="hu-HU" sz="2000" spc="-1" strike="noStrike">
-              <a:solidFill>
-                <a:srgbClr val="000000"/>
-              </a:solidFill>
-              <a:uFill>
-                <a:solidFill>
-                  <a:srgbClr val="ffffff"/>
-                </a:solidFill>
-              </a:uFill>
-              <a:latin typeface="Calibri"/>
+            <a:endParaRPr b="0" lang="en-US" sz="2800" spc="-1" strike="noStrike">
+              <a:solidFill>
+                <a:srgbClr val="000000"/>
+              </a:solidFill>
+              <a:uFill>
+                <a:solidFill>
+                  <a:srgbClr val="ffffff"/>
+                </a:solidFill>
+              </a:uFill>
+              <a:latin typeface="Arial"/>
             </a:endParaRPr>
           </a:p>
           <a:p>
@@ -3640,7 +3493,7 @@
               <a:buChar char=""/>
             </a:pPr>
             <a:r>
-              <a:rPr b="0" lang="hu-HU" sz="2800" spc="-1" strike="noStrike">
+              <a:rPr b="0" lang="en-US" sz="2400" spc="-1" strike="noStrike">
                 <a:solidFill>
                   <a:srgbClr val="000000"/>
                 </a:solidFill>
@@ -3649,20 +3502,20 @@
                     <a:srgbClr val="ffffff"/>
                   </a:solidFill>
                 </a:uFill>
-                <a:latin typeface="Calibri"/>
+                <a:latin typeface="Arial"/>
               </a:rPr>
               <a:t>Third Outline Level</a:t>
             </a:r>
-            <a:endParaRPr b="0" lang="hu-HU" sz="1800" spc="-1" strike="noStrike">
-              <a:solidFill>
-                <a:srgbClr val="000000"/>
-              </a:solidFill>
-              <a:uFill>
-                <a:solidFill>
-                  <a:srgbClr val="ffffff"/>
-                </a:solidFill>
-              </a:uFill>
-              <a:latin typeface="Calibri"/>
+            <a:endParaRPr b="0" lang="en-US" sz="2400" spc="-1" strike="noStrike">
+              <a:solidFill>
+                <a:srgbClr val="000000"/>
+              </a:solidFill>
+              <a:uFill>
+                <a:solidFill>
+                  <a:srgbClr val="ffffff"/>
+                </a:solidFill>
+              </a:uFill>
+              <a:latin typeface="Arial"/>
             </a:endParaRPr>
           </a:p>
           <a:p>
@@ -3675,7 +3528,7 @@
               <a:buChar char=""/>
             </a:pPr>
             <a:r>
-              <a:rPr b="0" lang="hu-HU" sz="2800" spc="-1" strike="noStrike">
+              <a:rPr b="0" lang="en-US" sz="2000" spc="-1" strike="noStrike">
                 <a:solidFill>
                   <a:srgbClr val="000000"/>
                 </a:solidFill>
@@ -3684,20 +3537,20 @@
                     <a:srgbClr val="ffffff"/>
                   </a:solidFill>
                 </a:uFill>
-                <a:latin typeface="Calibri"/>
+                <a:latin typeface="Arial"/>
               </a:rPr>
               <a:t>Fourth Outline Level</a:t>
             </a:r>
-            <a:endParaRPr b="0" lang="hu-HU" sz="1800" spc="-1" strike="noStrike">
-              <a:solidFill>
-                <a:srgbClr val="000000"/>
-              </a:solidFill>
-              <a:uFill>
-                <a:solidFill>
-                  <a:srgbClr val="ffffff"/>
-                </a:solidFill>
-              </a:uFill>
-              <a:latin typeface="Calibri"/>
+            <a:endParaRPr b="0" lang="en-US" sz="2000" spc="-1" strike="noStrike">
+              <a:solidFill>
+                <a:srgbClr val="000000"/>
+              </a:solidFill>
+              <a:uFill>
+                <a:solidFill>
+                  <a:srgbClr val="ffffff"/>
+                </a:solidFill>
+              </a:uFill>
+              <a:latin typeface="Arial"/>
             </a:endParaRPr>
           </a:p>
           <a:p>
@@ -3710,7 +3563,7 @@
               <a:buChar char=""/>
             </a:pPr>
             <a:r>
-              <a:rPr b="0" lang="hu-HU" sz="2800" spc="-1" strike="noStrike">
+              <a:rPr b="0" lang="en-US" sz="2000" spc="-1" strike="noStrike">
                 <a:solidFill>
                   <a:srgbClr val="000000"/>
                 </a:solidFill>
@@ -3719,20 +3572,20 @@
                     <a:srgbClr val="ffffff"/>
                   </a:solidFill>
                 </a:uFill>
-                <a:latin typeface="Calibri"/>
+                <a:latin typeface="Arial"/>
               </a:rPr>
               <a:t>Fifth Outline Level</a:t>
             </a:r>
-            <a:endParaRPr b="0" lang="hu-HU" sz="2000" spc="-1" strike="noStrike">
-              <a:solidFill>
-                <a:srgbClr val="000000"/>
-              </a:solidFill>
-              <a:uFill>
-                <a:solidFill>
-                  <a:srgbClr val="ffffff"/>
-                </a:solidFill>
-              </a:uFill>
-              <a:latin typeface="Calibri"/>
+            <a:endParaRPr b="0" lang="en-US" sz="2000" spc="-1" strike="noStrike">
+              <a:solidFill>
+                <a:srgbClr val="000000"/>
+              </a:solidFill>
+              <a:uFill>
+                <a:solidFill>
+                  <a:srgbClr val="ffffff"/>
+                </a:solidFill>
+              </a:uFill>
+              <a:latin typeface="Arial"/>
             </a:endParaRPr>
           </a:p>
           <a:p>
@@ -3745,7 +3598,7 @@
               <a:buChar char=""/>
             </a:pPr>
             <a:r>
-              <a:rPr b="0" lang="hu-HU" sz="2800" spc="-1" strike="noStrike">
+              <a:rPr b="0" lang="en-US" sz="2000" spc="-1" strike="noStrike">
                 <a:solidFill>
                   <a:srgbClr val="000000"/>
                 </a:solidFill>
@@ -3754,20 +3607,20 @@
                     <a:srgbClr val="ffffff"/>
                   </a:solidFill>
                 </a:uFill>
-                <a:latin typeface="Calibri"/>
+                <a:latin typeface="Arial"/>
               </a:rPr>
               <a:t>Sixth Outline Level</a:t>
             </a:r>
-            <a:endParaRPr b="0" lang="hu-HU" sz="2000" spc="-1" strike="noStrike">
-              <a:solidFill>
-                <a:srgbClr val="000000"/>
-              </a:solidFill>
-              <a:uFill>
-                <a:solidFill>
-                  <a:srgbClr val="ffffff"/>
-                </a:solidFill>
-              </a:uFill>
-              <a:latin typeface="Calibri"/>
+            <a:endParaRPr b="0" lang="en-US" sz="2000" spc="-1" strike="noStrike">
+              <a:solidFill>
+                <a:srgbClr val="000000"/>
+              </a:solidFill>
+              <a:uFill>
+                <a:solidFill>
+                  <a:srgbClr val="ffffff"/>
+                </a:solidFill>
+              </a:uFill>
+              <a:latin typeface="Arial"/>
             </a:endParaRPr>
           </a:p>
           <a:p>
@@ -3780,7 +3633,7 @@
               <a:buChar char=""/>
             </a:pPr>
             <a:r>
-              <a:rPr b="0" lang="hu-HU" sz="2800" spc="-1" strike="noStrike">
+              <a:rPr b="0" lang="en-US" sz="2000" spc="-1" strike="noStrike">
                 <a:solidFill>
                   <a:srgbClr val="000000"/>
                 </a:solidFill>
@@ -3789,312 +3642,20 @@
                     <a:srgbClr val="ffffff"/>
                   </a:solidFill>
                 </a:uFill>
-                <a:latin typeface="Calibri"/>
+                <a:latin typeface="Arial"/>
               </a:rPr>
-              <a:t>Seventh Outline LevelMintaszöveg szerkesztése</a:t>
+              <a:t>Seventh Outline Level</a:t>
             </a:r>
-            <a:endParaRPr b="0" lang="hu-HU" sz="2000" spc="-1" strike="noStrike">
-              <a:solidFill>
-                <a:srgbClr val="000000"/>
-              </a:solidFill>
-              <a:uFill>
-                <a:solidFill>
-                  <a:srgbClr val="ffffff"/>
-                </a:solidFill>
-              </a:uFill>
-              <a:latin typeface="Calibri"/>
-            </a:endParaRPr>
-          </a:p>
-          <a:p>
-            <a:pPr lvl="7" marL="3456000" indent="-216000">
-              <a:buClr>
-                <a:srgbClr val="000000"/>
-              </a:buClr>
-              <a:buSzPct val="45000"/>
-              <a:buFont typeface="Wingdings" charset="2"/>
-              <a:buChar char=""/>
-            </a:pPr>
-            <a:r>
-              <a:rPr b="0" lang="hu-HU" sz="2400" spc="-1" strike="noStrike">
-                <a:solidFill>
-                  <a:srgbClr val="000000"/>
-                </a:solidFill>
-                <a:uFill>
-                  <a:solidFill>
-                    <a:srgbClr val="ffffff"/>
-                  </a:solidFill>
-                </a:uFill>
-                <a:latin typeface="Calibri"/>
-              </a:rPr>
-              <a:t>Második szint</a:t>
-            </a:r>
-            <a:endParaRPr b="0" lang="hu-HU" sz="2000" spc="-1" strike="noStrike">
-              <a:solidFill>
-                <a:srgbClr val="000000"/>
-              </a:solidFill>
-              <a:uFill>
-                <a:solidFill>
-                  <a:srgbClr val="ffffff"/>
-                </a:solidFill>
-              </a:uFill>
-              <a:latin typeface="Calibri"/>
-            </a:endParaRPr>
-          </a:p>
-          <a:p>
-            <a:pPr lvl="8" marL="3888000" indent="-216000">
-              <a:buClr>
-                <a:srgbClr val="000000"/>
-              </a:buClr>
-              <a:buSzPct val="45000"/>
-              <a:buFont typeface="Wingdings" charset="2"/>
-              <a:buChar char=""/>
-            </a:pPr>
-            <a:r>
-              <a:rPr b="0" lang="hu-HU" sz="2000" spc="-1" strike="noStrike">
-                <a:solidFill>
-                  <a:srgbClr val="000000"/>
-                </a:solidFill>
-                <a:uFill>
-                  <a:solidFill>
-                    <a:srgbClr val="ffffff"/>
-                  </a:solidFill>
-                </a:uFill>
-                <a:latin typeface="Calibri"/>
-              </a:rPr>
-              <a:t>Harmadik szint</a:t>
-            </a:r>
-            <a:endParaRPr b="0" lang="hu-HU" sz="2000" spc="-1" strike="noStrike">
-              <a:solidFill>
-                <a:srgbClr val="000000"/>
-              </a:solidFill>
-              <a:uFill>
-                <a:solidFill>
-                  <a:srgbClr val="ffffff"/>
-                </a:solidFill>
-              </a:uFill>
-              <a:latin typeface="Calibri"/>
-            </a:endParaRPr>
-          </a:p>
-          <a:p>
-            <a:pPr lvl="9" marL="4320000" indent="-216000">
-              <a:lnSpc>
-                <a:spcPct val="100000"/>
-              </a:lnSpc>
-              <a:buClr>
-                <a:srgbClr val="000000"/>
-              </a:buClr>
-              <a:buSzPct val="45000"/>
-              <a:buFont typeface="Wingdings" charset="2"/>
-              <a:buChar char=""/>
-            </a:pPr>
-            <a:r>
-              <a:rPr b="0" lang="hu-HU" sz="1800" spc="-1" strike="noStrike">
-                <a:solidFill>
-                  <a:srgbClr val="000000"/>
-                </a:solidFill>
-                <a:uFill>
-                  <a:solidFill>
-                    <a:srgbClr val="ffffff"/>
-                  </a:solidFill>
-                </a:uFill>
-                <a:latin typeface="Calibri"/>
-              </a:rPr>
-              <a:t>Negyedik szint</a:t>
-            </a:r>
-            <a:endParaRPr b="0" lang="hu-HU" sz="1800" spc="-1" strike="noStrike">
-              <a:solidFill>
-                <a:srgbClr val="000000"/>
-              </a:solidFill>
-              <a:uFill>
-                <a:solidFill>
-                  <a:srgbClr val="ffffff"/>
-                </a:solidFill>
-              </a:uFill>
-              <a:latin typeface="Calibri"/>
-            </a:endParaRPr>
-          </a:p>
-          <a:p>
-            <a:pPr lvl="9" marL="4320000" indent="-216000">
-              <a:lnSpc>
-                <a:spcPct val="100000"/>
-              </a:lnSpc>
-              <a:buClr>
-                <a:srgbClr val="000000"/>
-              </a:buClr>
-              <a:buSzPct val="45000"/>
-              <a:buFont typeface="Wingdings" charset="2"/>
-              <a:buChar char=""/>
-            </a:pPr>
-            <a:r>
-              <a:rPr b="0" lang="hu-HU" sz="1800" spc="-1" strike="noStrike">
-                <a:solidFill>
-                  <a:srgbClr val="000000"/>
-                </a:solidFill>
-                <a:uFill>
-                  <a:solidFill>
-                    <a:srgbClr val="ffffff"/>
-                  </a:solidFill>
-                </a:uFill>
-                <a:latin typeface="Calibri"/>
-              </a:rPr>
-              <a:t>Ötödik szint</a:t>
-            </a:r>
-            <a:endParaRPr b="0" lang="hu-HU" sz="2000" spc="-1" strike="noStrike">
-              <a:solidFill>
-                <a:srgbClr val="000000"/>
-              </a:solidFill>
-              <a:uFill>
-                <a:solidFill>
-                  <a:srgbClr val="ffffff"/>
-                </a:solidFill>
-              </a:uFill>
-              <a:latin typeface="Calibri"/>
-            </a:endParaRPr>
-          </a:p>
-        </p:txBody>
-      </p:sp>
-      <p:sp>
-        <p:nvSpPr>
-          <p:cNvPr id="41" name="PlaceHolder 3"/>
-          <p:cNvSpPr>
-            <a:spLocks noGrp="1"/>
-          </p:cNvSpPr>
-          <p:nvPr>
-            <p:ph type="dt"/>
-          </p:nvPr>
-        </p:nvSpPr>
-        <p:spPr>
-          <a:xfrm>
-            <a:off x="838080" y="6356520"/>
-            <a:ext cx="2742840" cy="364680"/>
-          </a:xfrm>
-          <a:prstGeom prst="rect">
-            <a:avLst/>
-          </a:prstGeom>
-        </p:spPr>
-        <p:txBody>
-          <a:bodyPr anchor="ctr"/>
-          <a:p>
-            <a:pPr>
-              <a:lnSpc>
-                <a:spcPct val="100000"/>
-              </a:lnSpc>
-            </a:pPr>
-            <a:r>
-              <a:rPr b="0" lang="en-US" sz="1200" spc="-1" strike="noStrike">
-                <a:solidFill>
-                  <a:srgbClr val="8b8b8b"/>
-                </a:solidFill>
-                <a:uFill>
-                  <a:solidFill>
-                    <a:srgbClr val="ffffff"/>
-                  </a:solidFill>
-                </a:uFill>
-                <a:latin typeface="Calibri"/>
-              </a:rPr>
-              <a:t>5/31/18</a:t>
-            </a:r>
-            <a:endParaRPr b="0" lang="en-US" sz="1200" spc="-1" strike="noStrike">
-              <a:solidFill>
-                <a:srgbClr val="000000"/>
-              </a:solidFill>
-              <a:uFill>
-                <a:solidFill>
-                  <a:srgbClr val="ffffff"/>
-                </a:solidFill>
-              </a:uFill>
-              <a:latin typeface="Times New Roman"/>
-            </a:endParaRPr>
-          </a:p>
-        </p:txBody>
-      </p:sp>
-      <p:sp>
-        <p:nvSpPr>
-          <p:cNvPr id="42" name="PlaceHolder 4"/>
-          <p:cNvSpPr>
-            <a:spLocks noGrp="1"/>
-          </p:cNvSpPr>
-          <p:nvPr>
-            <p:ph type="ftr"/>
-          </p:nvPr>
-        </p:nvSpPr>
-        <p:spPr>
-          <a:xfrm>
-            <a:off x="4038480" y="6356520"/>
-            <a:ext cx="4114440" cy="364680"/>
-          </a:xfrm>
-          <a:prstGeom prst="rect">
-            <a:avLst/>
-          </a:prstGeom>
-        </p:spPr>
-        <p:txBody>
-          <a:bodyPr anchor="ctr"/>
-          <a:p>
-            <a:endParaRPr b="0" lang="en-US" sz="2400" spc="-1" strike="noStrike">
-              <a:solidFill>
-                <a:srgbClr val="000000"/>
-              </a:solidFill>
-              <a:uFill>
-                <a:solidFill>
-                  <a:srgbClr val="ffffff"/>
-                </a:solidFill>
-              </a:uFill>
-              <a:latin typeface="Times New Roman"/>
-            </a:endParaRPr>
-          </a:p>
-        </p:txBody>
-      </p:sp>
-      <p:sp>
-        <p:nvSpPr>
-          <p:cNvPr id="43" name="PlaceHolder 5"/>
-          <p:cNvSpPr>
-            <a:spLocks noGrp="1"/>
-          </p:cNvSpPr>
-          <p:nvPr>
-            <p:ph type="sldNum"/>
-          </p:nvPr>
-        </p:nvSpPr>
-        <p:spPr>
-          <a:xfrm>
-            <a:off x="8610480" y="6356520"/>
-            <a:ext cx="2742840" cy="364680"/>
-          </a:xfrm>
-          <a:prstGeom prst="rect">
-            <a:avLst/>
-          </a:prstGeom>
-        </p:spPr>
-        <p:txBody>
-          <a:bodyPr anchor="ctr"/>
-          <a:p>
-            <a:pPr algn="r">
-              <a:lnSpc>
-                <a:spcPct val="100000"/>
-              </a:lnSpc>
-            </a:pPr>
-            <a:fld id="{B16B9628-21B9-4E71-BBF1-0DD6E6A75B2B}" type="slidenum">
-              <a:rPr b="0" lang="en-US" sz="1200" spc="-1" strike="noStrike">
-                <a:solidFill>
-                  <a:srgbClr val="8b8b8b"/>
-                </a:solidFill>
-                <a:uFill>
-                  <a:solidFill>
-                    <a:srgbClr val="ffffff"/>
-                  </a:solidFill>
-                </a:uFill>
-                <a:latin typeface="Calibri"/>
-              </a:rPr>
-              <a:t>1</a:t>
-            </a:fld>
-            <a:endParaRPr b="0" lang="en-US" sz="1200" spc="-1" strike="noStrike">
-              <a:solidFill>
-                <a:srgbClr val="000000"/>
-              </a:solidFill>
-              <a:uFill>
-                <a:solidFill>
-                  <a:srgbClr val="ffffff"/>
-                </a:solidFill>
-              </a:uFill>
-              <a:latin typeface="Times New Roman"/>
+            <a:endParaRPr b="0" lang="en-US" sz="2000" spc="-1" strike="noStrike">
+              <a:solidFill>
+                <a:srgbClr val="000000"/>
+              </a:solidFill>
+              <a:uFill>
+                <a:solidFill>
+                  <a:srgbClr val="ffffff"/>
+                </a:solidFill>
+              </a:uFill>
+              <a:latin typeface="Arial"/>
             </a:endParaRPr>
           </a:p>
         </p:txBody>
@@ -4148,14 +3709,14 @@
       </p:grpSpPr>
       <p:sp>
         <p:nvSpPr>
-          <p:cNvPr id="78" name="TextShape 1"/>
-          <p:cNvSpPr txBox="1"/>
+          <p:cNvPr id="72" name="CustomShape 1"/>
+          <p:cNvSpPr/>
           <p:nvPr/>
         </p:nvSpPr>
         <p:spPr>
           <a:xfrm>
             <a:off x="362880" y="527400"/>
-            <a:ext cx="5689080" cy="1199520"/>
+            <a:ext cx="5688720" cy="1199160"/>
           </a:xfrm>
           <a:prstGeom prst="rect">
             <a:avLst/>
@@ -4165,8 +3726,14 @@
             <a:noFill/>
           </a:ln>
         </p:spPr>
-        <p:txBody>
-          <a:bodyPr anchor="b"/>
+        <p:style>
+          <a:lnRef idx="0"/>
+          <a:fillRef idx="0"/>
+          <a:effectRef idx="0"/>
+          <a:fontRef idx="minor"/>
+        </p:style>
+        <p:txBody>
+          <a:bodyPr lIns="90000" rIns="90000" tIns="45000" bIns="45000" anchor="b"/>
           <a:p>
             <a:pPr>
               <a:lnSpc>
@@ -4174,7 +3741,7 @@
               </a:lnSpc>
             </a:pPr>
             <a:r>
-              <a:rPr b="0" lang="hu-HU" sz="4400" spc="-1" strike="noStrike">
+              <a:rPr b="0" lang="en-US" sz="3200" spc="-1" strike="noStrike">
                 <a:solidFill>
                   <a:srgbClr val="ffffff"/>
                 </a:solidFill>
@@ -4188,30 +3755,30 @@
               </a:rPr>
               <a:t>Developing data mining models with application to large datasets</a:t>
             </a:r>
-            <a:endParaRPr b="0" lang="hu-HU" sz="1800" spc="-1" strike="noStrike">
-              <a:solidFill>
-                <a:srgbClr val="000000"/>
-              </a:solidFill>
-              <a:uFill>
-                <a:solidFill>
-                  <a:srgbClr val="ffffff"/>
-                </a:solidFill>
-              </a:uFill>
-              <a:latin typeface="Calibri"/>
-            </a:endParaRPr>
-          </a:p>
-        </p:txBody>
-      </p:sp>
-      <p:sp>
-        <p:nvSpPr>
-          <p:cNvPr id="79" name="TextShape 2"/>
-          <p:cNvSpPr txBox="1"/>
+            <a:endParaRPr b="0" lang="en-US" sz="1800" spc="-1" strike="noStrike">
+              <a:solidFill>
+                <a:srgbClr val="000000"/>
+              </a:solidFill>
+              <a:uFill>
+                <a:solidFill>
+                  <a:srgbClr val="ffffff"/>
+                </a:solidFill>
+              </a:uFill>
+              <a:latin typeface="Arial"/>
+            </a:endParaRPr>
+          </a:p>
+        </p:txBody>
+      </p:sp>
+      <p:sp>
+        <p:nvSpPr>
+          <p:cNvPr id="73" name="CustomShape 2"/>
+          <p:cNvSpPr/>
           <p:nvPr/>
         </p:nvSpPr>
         <p:spPr>
           <a:xfrm>
             <a:off x="406440" y="1683720"/>
-            <a:ext cx="3744360" cy="650160"/>
+            <a:ext cx="3744000" cy="649800"/>
           </a:xfrm>
           <a:prstGeom prst="rect">
             <a:avLst/>
@@ -4221,8 +3788,14 @@
             <a:noFill/>
           </a:ln>
         </p:spPr>
-        <p:txBody>
-          <a:bodyPr/>
+        <p:style>
+          <a:lnRef idx="0"/>
+          <a:fillRef idx="0"/>
+          <a:effectRef idx="0"/>
+          <a:fontRef idx="minor"/>
+        </p:style>
+        <p:txBody>
+          <a:bodyPr lIns="90000" rIns="90000" tIns="45000" bIns="45000"/>
           <a:p>
             <a:pPr>
               <a:lnSpc>
@@ -4243,30 +3816,30 @@
               </a:rPr>
               <a:t>László Kiss</a:t>
             </a:r>
-            <a:endParaRPr b="0" lang="en-US" sz="3200" spc="-1" strike="noStrike">
-              <a:solidFill>
-                <a:srgbClr val="000000"/>
-              </a:solidFill>
-              <a:uFill>
-                <a:solidFill>
-                  <a:srgbClr val="ffffff"/>
-                </a:solidFill>
-              </a:uFill>
-              <a:latin typeface="Arial"/>
-            </a:endParaRPr>
-          </a:p>
-        </p:txBody>
-      </p:sp>
-      <p:sp>
-        <p:nvSpPr>
-          <p:cNvPr id="80" name="CustomShape 3"/>
+            <a:endParaRPr b="0" lang="en-US" sz="1800" spc="-1" strike="noStrike">
+              <a:solidFill>
+                <a:srgbClr val="000000"/>
+              </a:solidFill>
+              <a:uFill>
+                <a:solidFill>
+                  <a:srgbClr val="ffffff"/>
+                </a:solidFill>
+              </a:uFill>
+              <a:latin typeface="Arial"/>
+            </a:endParaRPr>
+          </a:p>
+        </p:txBody>
+      </p:sp>
+      <p:sp>
+        <p:nvSpPr>
+          <p:cNvPr id="74" name="CustomShape 3"/>
           <p:cNvSpPr/>
           <p:nvPr/>
         </p:nvSpPr>
         <p:spPr>
           <a:xfrm>
             <a:off x="3403080" y="3587760"/>
-            <a:ext cx="3544200" cy="1074600"/>
+            <a:ext cx="3543840" cy="1074240"/>
           </a:xfrm>
           <a:prstGeom prst="rect">
             <a:avLst/>
@@ -4283,7 +3856,7 @@
           <a:fontRef idx="minor"/>
         </p:style>
         <p:txBody>
-          <a:bodyPr/>
+          <a:bodyPr lIns="90000" rIns="90000" tIns="45000" bIns="45000"/>
           <a:p>
             <a:pPr algn="r">
               <a:lnSpc>
@@ -4301,6 +3874,7 @@
                   </a:solidFill>
                 </a:uFill>
                 <a:latin typeface="Calibri"/>
+                <a:ea typeface="DejaVu Sans"/>
               </a:rPr>
               <a:t>Terminal report presentation 2018.06.18</a:t>
             </a:r>
@@ -4356,14 +3930,14 @@
       </p:sp>
       <p:sp>
         <p:nvSpPr>
-          <p:cNvPr id="81" name="CustomShape 4"/>
+          <p:cNvPr id="75" name="CustomShape 4"/>
           <p:cNvSpPr/>
           <p:nvPr/>
         </p:nvSpPr>
         <p:spPr>
           <a:xfrm>
             <a:off x="0" y="4195080"/>
-            <a:ext cx="6947280" cy="2662560"/>
+            <a:ext cx="6946920" cy="2662200"/>
           </a:xfrm>
           <a:prstGeom prst="rect">
             <a:avLst/>
@@ -4392,7 +3966,7 @@
       </p:sp>
       <p:pic>
         <p:nvPicPr>
-          <p:cNvPr id="82" name="Kép 8" descr=""/>
+          <p:cNvPr id="76" name="Kép 8" descr=""/>
           <p:cNvPicPr/>
           <p:nvPr/>
         </p:nvPicPr>
@@ -4403,7 +3977,7 @@
         <p:spPr>
           <a:xfrm>
             <a:off x="5075280" y="5042520"/>
-            <a:ext cx="1716120" cy="1778760"/>
+            <a:ext cx="1715760" cy="1778400"/>
           </a:xfrm>
           <a:prstGeom prst="rect">
             <a:avLst/>
@@ -4415,7 +3989,7 @@
       </p:pic>
       <p:pic>
         <p:nvPicPr>
-          <p:cNvPr id="83" name="Kép 10" descr=""/>
+          <p:cNvPr id="77" name="Kép 10" descr=""/>
           <p:cNvPicPr/>
           <p:nvPr/>
         </p:nvPicPr>
@@ -4426,7 +4000,7 @@
         <p:spPr>
           <a:xfrm>
             <a:off x="84600" y="5204520"/>
-            <a:ext cx="4005000" cy="1319760"/>
+            <a:ext cx="4004640" cy="1319400"/>
           </a:xfrm>
           <a:prstGeom prst="rect">
             <a:avLst/>
@@ -4497,14 +4071,14 @@
       </p:grpSpPr>
       <p:sp>
         <p:nvSpPr>
-          <p:cNvPr id="84" name="TextShape 1"/>
-          <p:cNvSpPr txBox="1"/>
+          <p:cNvPr id="78" name="CustomShape 1"/>
+          <p:cNvSpPr/>
           <p:nvPr/>
         </p:nvSpPr>
         <p:spPr>
           <a:xfrm>
             <a:off x="838080" y="365040"/>
-            <a:ext cx="10515240" cy="1325160"/>
+            <a:ext cx="10514880" cy="1324800"/>
           </a:xfrm>
           <a:prstGeom prst="rect">
             <a:avLst/>
@@ -4514,33 +4088,23 @@
             <a:noFill/>
           </a:ln>
         </p:spPr>
-        <p:txBody>
-          <a:bodyPr anchor="ctr"/>
-          <a:p>
-            <a:endParaRPr b="0" lang="hu-HU" sz="1800" spc="-1" strike="noStrike">
-              <a:solidFill>
-                <a:srgbClr val="000000"/>
-              </a:solidFill>
-              <a:uFill>
-                <a:solidFill>
-                  <a:srgbClr val="ffffff"/>
-                </a:solidFill>
-              </a:uFill>
-              <a:latin typeface="Calibri"/>
-            </a:endParaRPr>
-          </a:p>
-        </p:txBody>
-      </p:sp>
-      <p:sp>
-        <p:nvSpPr>
-          <p:cNvPr id="85" name="TextShape 2"/>
-          <p:cNvSpPr txBox="1"/>
+        <p:style>
+          <a:lnRef idx="0"/>
+          <a:fillRef idx="0"/>
+          <a:effectRef idx="0"/>
+          <a:fontRef idx="minor"/>
+        </p:style>
+      </p:sp>
+      <p:sp>
+        <p:nvSpPr>
+          <p:cNvPr id="79" name="CustomShape 2"/>
+          <p:cNvSpPr/>
           <p:nvPr/>
         </p:nvSpPr>
         <p:spPr>
           <a:xfrm>
             <a:off x="838080" y="1825560"/>
-            <a:ext cx="10515240" cy="3704040"/>
+            <a:ext cx="10514880" cy="3703680"/>
           </a:xfrm>
           <a:prstGeom prst="rect">
             <a:avLst/>
@@ -4550,10 +4114,19 @@
             <a:noFill/>
           </a:ln>
         </p:spPr>
-        <p:txBody>
-          <a:bodyPr/>
-          <a:p>
-            <a:pPr marL="432000" indent="-324000">
+        <p:style>
+          <a:lnRef idx="0"/>
+          <a:fillRef idx="0"/>
+          <a:effectRef idx="0"/>
+          <a:fontRef idx="minor"/>
+        </p:style>
+        <p:txBody>
+          <a:bodyPr lIns="90000" rIns="90000" tIns="45000" bIns="45000"/>
+          <a:p>
+            <a:pPr marL="432000" indent="-323640">
+              <a:lnSpc>
+                <a:spcPct val="100000"/>
+              </a:lnSpc>
               <a:buClr>
                 <a:srgbClr val="000000"/>
               </a:buClr>
@@ -4562,42 +4135,7 @@
               <a:buChar char=""/>
             </a:pPr>
             <a:r>
-              <a:rPr b="0" lang="hu-HU" sz="2800" spc="-1" strike="noStrike">
-                <a:solidFill>
-                  <a:srgbClr val="000000"/>
-                </a:solidFill>
-                <a:uFill>
-                  <a:solidFill>
-                    <a:srgbClr val="ffffff"/>
-                  </a:solidFill>
-                </a:uFill>
-                <a:latin typeface="Calibri"/>
-              </a:rPr>
-              <a:t>Introduction</a:t>
-            </a:r>
-            <a:endParaRPr b="0" lang="hu-HU" sz="2800" spc="-1" strike="noStrike">
-              <a:solidFill>
-                <a:srgbClr val="000000"/>
-              </a:solidFill>
-              <a:uFill>
-                <a:solidFill>
-                  <a:srgbClr val="ffffff"/>
-                </a:solidFill>
-              </a:uFill>
-              <a:latin typeface="Calibri"/>
-            </a:endParaRPr>
-          </a:p>
-          <a:p>
-            <a:pPr marL="432000" indent="-324000">
-              <a:buClr>
-                <a:srgbClr val="000000"/>
-              </a:buClr>
-              <a:buSzPct val="45000"/>
-              <a:buFont typeface="Wingdings" charset="2"/>
-              <a:buChar char=""/>
-            </a:pPr>
-            <a:r>
-              <a:rPr b="0" lang="hu-HU" sz="2800" spc="-1" strike="noStrike">
+              <a:rPr b="0" lang="en-US" sz="2800" spc="-1" strike="noStrike">
                 <a:solidFill>
                   <a:srgbClr val="000000"/>
                 </a:solidFill>
@@ -4610,20 +4148,23 @@
               </a:rPr>
               <a:t>Importance of data mining and analysis</a:t>
             </a:r>
-            <a:endParaRPr b="0" lang="hu-HU" sz="2800" spc="-1" strike="noStrike">
-              <a:solidFill>
-                <a:srgbClr val="000000"/>
-              </a:solidFill>
-              <a:uFill>
-                <a:solidFill>
-                  <a:srgbClr val="ffffff"/>
-                </a:solidFill>
-              </a:uFill>
-              <a:latin typeface="Calibri"/>
-            </a:endParaRPr>
-          </a:p>
-          <a:p>
-            <a:pPr marL="432000" indent="-324000">
+            <a:endParaRPr b="0" lang="en-US" sz="1800" spc="-1" strike="noStrike">
+              <a:solidFill>
+                <a:srgbClr val="000000"/>
+              </a:solidFill>
+              <a:uFill>
+                <a:solidFill>
+                  <a:srgbClr val="ffffff"/>
+                </a:solidFill>
+              </a:uFill>
+              <a:latin typeface="Arial"/>
+            </a:endParaRPr>
+          </a:p>
+          <a:p>
+            <a:pPr marL="432000" indent="-323640">
+              <a:lnSpc>
+                <a:spcPct val="100000"/>
+              </a:lnSpc>
               <a:buClr>
                 <a:srgbClr val="000000"/>
               </a:buClr>
@@ -4632,7 +4173,7 @@
               <a:buChar char=""/>
             </a:pPr>
             <a:r>
-              <a:rPr b="0" lang="hu-HU" sz="2800" spc="-1" strike="noStrike">
+              <a:rPr b="0" lang="en-US" sz="2800" spc="-1" strike="noStrike">
                 <a:solidFill>
                   <a:srgbClr val="000000"/>
                 </a:solidFill>
@@ -4645,29 +4186,32 @@
               </a:rPr>
               <a:t>Connection between „real world” and science </a:t>
             </a:r>
-            <a:endParaRPr b="0" lang="hu-HU" sz="2800" spc="-1" strike="noStrike">
-              <a:solidFill>
-                <a:srgbClr val="000000"/>
-              </a:solidFill>
-              <a:uFill>
-                <a:solidFill>
-                  <a:srgbClr val="ffffff"/>
-                </a:solidFill>
-              </a:uFill>
-              <a:latin typeface="Calibri"/>
-            </a:endParaRPr>
-          </a:p>
-          <a:p>
-            <a:pPr lvl="1" marL="864000" indent="-324000">
+            <a:endParaRPr b="0" lang="en-US" sz="1800" spc="-1" strike="noStrike">
+              <a:solidFill>
+                <a:srgbClr val="000000"/>
+              </a:solidFill>
+              <a:uFill>
+                <a:solidFill>
+                  <a:srgbClr val="ffffff"/>
+                </a:solidFill>
+              </a:uFill>
+              <a:latin typeface="Arial"/>
+            </a:endParaRPr>
+          </a:p>
+          <a:p>
+            <a:pPr lvl="1" marL="864000" indent="-323640">
+              <a:lnSpc>
+                <a:spcPct val="100000"/>
+              </a:lnSpc>
               <a:buClr>
                 <a:srgbClr val="000000"/>
               </a:buClr>
               <a:buSzPct val="75000"/>
-              <a:buFont typeface="Symbol" charset="2"/>
+              <a:buFont typeface="Symbol"/>
               <a:buChar char=""/>
             </a:pPr>
             <a:r>
-              <a:rPr b="0" lang="hu-HU" sz="2800" spc="-1" strike="noStrike">
+              <a:rPr b="0" lang="en-US" sz="2800" spc="-1" strike="noStrike">
                 <a:solidFill>
                   <a:srgbClr val="000000"/>
                 </a:solidFill>
@@ -4680,23 +4224,23 @@
               </a:rPr>
               <a:t>Time Series Analysis</a:t>
             </a:r>
-            <a:endParaRPr b="0" lang="hu-HU" sz="2000" spc="-1" strike="noStrike">
-              <a:solidFill>
-                <a:srgbClr val="000000"/>
-              </a:solidFill>
-              <a:uFill>
-                <a:solidFill>
-                  <a:srgbClr val="ffffff"/>
-                </a:solidFill>
-              </a:uFill>
-              <a:latin typeface="Calibri"/>
+            <a:endParaRPr b="0" lang="en-US" sz="1800" spc="-1" strike="noStrike">
+              <a:solidFill>
+                <a:srgbClr val="000000"/>
+              </a:solidFill>
+              <a:uFill>
+                <a:solidFill>
+                  <a:srgbClr val="ffffff"/>
+                </a:solidFill>
+              </a:uFill>
+              <a:latin typeface="Arial"/>
             </a:endParaRPr>
           </a:p>
         </p:txBody>
       </p:sp>
       <p:pic>
         <p:nvPicPr>
-          <p:cNvPr id="86" name="Kép 3" descr=""/>
+          <p:cNvPr id="80" name="Kép 3" descr=""/>
           <p:cNvPicPr/>
           <p:nvPr/>
         </p:nvPicPr>
@@ -4707,7 +4251,7 @@
         <p:spPr>
           <a:xfrm>
             <a:off x="10896480" y="5529960"/>
-            <a:ext cx="1095120" cy="1135080"/>
+            <a:ext cx="1094760" cy="1134720"/>
           </a:xfrm>
           <a:prstGeom prst="rect">
             <a:avLst/>
@@ -4717,6 +4261,57 @@
           </a:ln>
         </p:spPr>
       </p:pic>
+      <p:sp>
+        <p:nvSpPr>
+          <p:cNvPr id="81" name="TextShape 3"/>
+          <p:cNvSpPr txBox="1"/>
+          <p:nvPr/>
+        </p:nvSpPr>
+        <p:spPr>
+          <a:xfrm>
+            <a:off x="609480" y="273600"/>
+            <a:ext cx="10972440" cy="1144800"/>
+          </a:xfrm>
+          <a:prstGeom prst="rect">
+            <a:avLst/>
+          </a:prstGeom>
+          <a:noFill/>
+          <a:ln>
+            <a:noFill/>
+          </a:ln>
+        </p:spPr>
+        <p:txBody>
+          <a:bodyPr lIns="0" rIns="0" tIns="0" bIns="0" anchor="ctr"/>
+          <a:p>
+            <a:pPr algn="ctr"/>
+            <a:r>
+              <a:rPr b="0" lang="en-US" sz="4400" spc="-1" strike="noStrike">
+                <a:solidFill>
+                  <a:srgbClr val="000000"/>
+                </a:solidFill>
+                <a:uFill>
+                  <a:solidFill>
+                    <a:srgbClr val="ffffff"/>
+                  </a:solidFill>
+                </a:uFill>
+                <a:latin typeface="Arial"/>
+              </a:rPr>
+              <a:t>Introduction</a:t>
+            </a:r>
+            <a:endParaRPr b="0" lang="en-US" sz="4400" spc="-1" strike="noStrike">
+              <a:solidFill>
+                <a:srgbClr val="000000"/>
+              </a:solidFill>
+              <a:uFill>
+                <a:solidFill>
+                  <a:srgbClr val="ffffff"/>
+                </a:solidFill>
+              </a:uFill>
+              <a:latin typeface="Arial"/>
+            </a:endParaRPr>
+          </a:p>
+        </p:txBody>
+      </p:sp>
     </p:spTree>
   </p:cSld>
   <p:timing>
@@ -4778,14 +4373,14 @@
       </p:grpSpPr>
       <p:sp>
         <p:nvSpPr>
-          <p:cNvPr id="87" name="TextShape 1"/>
-          <p:cNvSpPr txBox="1"/>
+          <p:cNvPr id="82" name="CustomShape 1"/>
+          <p:cNvSpPr/>
           <p:nvPr/>
         </p:nvSpPr>
         <p:spPr>
           <a:xfrm>
             <a:off x="838080" y="365040"/>
-            <a:ext cx="10515240" cy="1325160"/>
+            <a:ext cx="10514880" cy="1324800"/>
           </a:xfrm>
           <a:prstGeom prst="rect">
             <a:avLst/>
@@ -4795,33 +4390,23 @@
             <a:noFill/>
           </a:ln>
         </p:spPr>
-        <p:txBody>
-          <a:bodyPr anchor="ctr"/>
-          <a:p>
-            <a:endParaRPr b="0" lang="hu-HU" sz="1800" spc="-1" strike="noStrike">
-              <a:solidFill>
-                <a:srgbClr val="000000"/>
-              </a:solidFill>
-              <a:uFill>
-                <a:solidFill>
-                  <a:srgbClr val="ffffff"/>
-                </a:solidFill>
-              </a:uFill>
-              <a:latin typeface="Calibri"/>
-            </a:endParaRPr>
-          </a:p>
-        </p:txBody>
-      </p:sp>
-      <p:sp>
-        <p:nvSpPr>
-          <p:cNvPr id="88" name="TextShape 2"/>
-          <p:cNvSpPr txBox="1"/>
+        <p:style>
+          <a:lnRef idx="0"/>
+          <a:fillRef idx="0"/>
+          <a:effectRef idx="0"/>
+          <a:fontRef idx="minor"/>
+        </p:style>
+      </p:sp>
+      <p:sp>
+        <p:nvSpPr>
+          <p:cNvPr id="83" name="CustomShape 2"/>
+          <p:cNvSpPr/>
           <p:nvPr/>
         </p:nvSpPr>
         <p:spPr>
           <a:xfrm>
             <a:off x="757080" y="566640"/>
-            <a:ext cx="10515240" cy="3704040"/>
+            <a:ext cx="10514880" cy="3703680"/>
           </a:xfrm>
           <a:prstGeom prst="rect">
             <a:avLst/>
@@ -4831,10 +4416,19 @@
             <a:noFill/>
           </a:ln>
         </p:spPr>
-        <p:txBody>
-          <a:bodyPr/>
-          <a:p>
-            <a:pPr marL="432000" indent="-324000">
+        <p:style>
+          <a:lnRef idx="0"/>
+          <a:fillRef idx="0"/>
+          <a:effectRef idx="0"/>
+          <a:fontRef idx="minor"/>
+        </p:style>
+        <p:txBody>
+          <a:bodyPr lIns="90000" rIns="90000" tIns="45000" bIns="45000"/>
+          <a:p>
+            <a:pPr marL="432000" indent="-323640">
+              <a:lnSpc>
+                <a:spcPct val="100000"/>
+              </a:lnSpc>
               <a:buClr>
                 <a:srgbClr val="000000"/>
               </a:buClr>
@@ -4843,7 +4437,146 @@
               <a:buChar char=""/>
             </a:pPr>
             <a:r>
-              <a:rPr b="0" lang="hu-HU" sz="2800" spc="-1" strike="noStrike">
+              <a:rPr b="0" lang="en-US" sz="2800" spc="-1" strike="noStrike">
+                <a:solidFill>
+                  <a:srgbClr val="000000"/>
+                </a:solidFill>
+                <a:uFill>
+                  <a:solidFill>
+                    <a:srgbClr val="ffffff"/>
+                  </a:solidFill>
+                </a:uFill>
+                <a:latin typeface="Calibri"/>
+              </a:rPr>
+              <a:t> </a:t>
+            </a:r>
+            <a:endParaRPr b="0" lang="en-US" sz="1800" spc="-1" strike="noStrike">
+              <a:solidFill>
+                <a:srgbClr val="000000"/>
+              </a:solidFill>
+              <a:uFill>
+                <a:solidFill>
+                  <a:srgbClr val="ffffff"/>
+                </a:solidFill>
+              </a:uFill>
+              <a:latin typeface="Arial"/>
+            </a:endParaRPr>
+          </a:p>
+          <a:p>
+            <a:pPr marL="432000" indent="-323640">
+              <a:lnSpc>
+                <a:spcPct val="100000"/>
+              </a:lnSpc>
+              <a:buClr>
+                <a:srgbClr val="000000"/>
+              </a:buClr>
+              <a:buSzPct val="45000"/>
+              <a:buFont typeface="Wingdings" charset="2"/>
+              <a:buChar char=""/>
+            </a:pPr>
+            <a:r>
+              <a:rPr b="0" lang="en-US" sz="2800" spc="-1" strike="noStrike">
+                <a:solidFill>
+                  <a:srgbClr val="000000"/>
+                </a:solidFill>
+                <a:uFill>
+                  <a:solidFill>
+                    <a:srgbClr val="ffffff"/>
+                  </a:solidFill>
+                </a:uFill>
+                <a:latin typeface="Calibri"/>
+              </a:rPr>
+              <a:t> </a:t>
+            </a:r>
+            <a:endParaRPr b="0" lang="en-US" sz="1800" spc="-1" strike="noStrike">
+              <a:solidFill>
+                <a:srgbClr val="000000"/>
+              </a:solidFill>
+              <a:uFill>
+                <a:solidFill>
+                  <a:srgbClr val="ffffff"/>
+                </a:solidFill>
+              </a:uFill>
+              <a:latin typeface="Arial"/>
+            </a:endParaRPr>
+          </a:p>
+        </p:txBody>
+      </p:sp>
+      <p:pic>
+        <p:nvPicPr>
+          <p:cNvPr id="84" name="Kép 4" descr=""/>
+          <p:cNvPicPr/>
+          <p:nvPr/>
+        </p:nvPicPr>
+        <p:blipFill>
+          <a:blip r:embed="rId2"/>
+          <a:stretch/>
+        </p:blipFill>
+        <p:spPr>
+          <a:xfrm>
+            <a:off x="10896480" y="5529960"/>
+            <a:ext cx="1094760" cy="1134720"/>
+          </a:xfrm>
+          <a:prstGeom prst="rect">
+            <a:avLst/>
+          </a:prstGeom>
+          <a:ln>
+            <a:noFill/>
+          </a:ln>
+        </p:spPr>
+      </p:pic>
+      <p:pic>
+        <p:nvPicPr>
+          <p:cNvPr id="85" name="" descr=""/>
+          <p:cNvPicPr/>
+          <p:nvPr/>
+        </p:nvPicPr>
+        <p:blipFill>
+          <a:blip r:embed="rId3"/>
+          <a:stretch/>
+        </p:blipFill>
+        <p:spPr>
+          <a:xfrm>
+            <a:off x="3108960" y="1627920"/>
+            <a:ext cx="7315200" cy="4041360"/>
+          </a:xfrm>
+          <a:prstGeom prst="rect">
+            <a:avLst/>
+          </a:prstGeom>
+          <a:ln>
+            <a:noFill/>
+          </a:ln>
+        </p:spPr>
+      </p:pic>
+      <p:sp>
+        <p:nvSpPr>
+          <p:cNvPr id="86" name="TextShape 3"/>
+          <p:cNvSpPr txBox="1"/>
+          <p:nvPr/>
+        </p:nvSpPr>
+        <p:spPr>
+          <a:xfrm>
+            <a:off x="609480" y="273600"/>
+            <a:ext cx="10972440" cy="1144800"/>
+          </a:xfrm>
+          <a:prstGeom prst="rect">
+            <a:avLst/>
+          </a:prstGeom>
+          <a:noFill/>
+          <a:ln>
+            <a:noFill/>
+          </a:ln>
+        </p:spPr>
+        <p:txBody>
+          <a:bodyPr lIns="0" rIns="0" tIns="0" bIns="0" anchor="ctr"/>
+          <a:p>
+            <a:pPr algn="ctr">
+              <a:lnSpc>
+                <a:spcPct val="100000"/>
+              </a:lnSpc>
+            </a:pPr>
+            <a:r>
+              <a:rPr b="0" lang="en-US" sz="2800" spc="-1" strike="noStrike">
                 <a:solidFill>
                   <a:srgbClr val="000000"/>
                 </a:solidFill>
@@ -4856,101 +4589,20 @@
               </a:rPr>
               <a:t>Time Series definition</a:t>
             </a:r>
-            <a:endParaRPr b="0" lang="hu-HU" sz="2800" spc="-1" strike="noStrike">
-              <a:solidFill>
-                <a:srgbClr val="000000"/>
-              </a:solidFill>
-              <a:uFill>
-                <a:solidFill>
-                  <a:srgbClr val="ffffff"/>
-                </a:solidFill>
-              </a:uFill>
-              <a:latin typeface="Calibri"/>
-            </a:endParaRPr>
-          </a:p>
-          <a:p>
-            <a:pPr marL="432000" indent="-324000">
-              <a:buClr>
-                <a:srgbClr val="000000"/>
-              </a:buClr>
-              <a:buSzPct val="45000"/>
-              <a:buFont typeface="Wingdings" charset="2"/>
-              <a:buChar char=""/>
-            </a:pPr>
-            <a:r>
-              <a:rPr b="0" lang="hu-HU" sz="2800" spc="-1" strike="noStrike">
-                <a:solidFill>
-                  <a:srgbClr val="000000"/>
-                </a:solidFill>
-                <a:uFill>
-                  <a:solidFill>
-                    <a:srgbClr val="ffffff"/>
-                  </a:solidFill>
-                </a:uFill>
-                <a:latin typeface="Calibri"/>
-              </a:rPr>
-              <a:t> </a:t>
-            </a:r>
-            <a:endParaRPr b="0" lang="hu-HU" sz="2800" spc="-1" strike="noStrike">
-              <a:solidFill>
-                <a:srgbClr val="000000"/>
-              </a:solidFill>
-              <a:uFill>
-                <a:solidFill>
-                  <a:srgbClr val="ffffff"/>
-                </a:solidFill>
-              </a:uFill>
-              <a:latin typeface="Calibri"/>
-            </a:endParaRPr>
-          </a:p>
-        </p:txBody>
-      </p:sp>
-      <p:pic>
-        <p:nvPicPr>
-          <p:cNvPr id="89" name="Kép 4" descr=""/>
-          <p:cNvPicPr/>
-          <p:nvPr/>
-        </p:nvPicPr>
-        <p:blipFill>
-          <a:blip r:embed="rId2"/>
-          <a:stretch/>
-        </p:blipFill>
-        <p:spPr>
-          <a:xfrm>
-            <a:off x="10896480" y="5529960"/>
-            <a:ext cx="1095120" cy="1135080"/>
-          </a:xfrm>
-          <a:prstGeom prst="rect">
-            <a:avLst/>
-          </a:prstGeom>
-          <a:ln>
-            <a:noFill/>
-          </a:ln>
-        </p:spPr>
-      </p:pic>
-      <p:pic>
-        <p:nvPicPr>
-          <p:cNvPr id="90" name="" descr=""/>
-          <p:cNvPicPr/>
-          <p:nvPr/>
-        </p:nvPicPr>
-        <p:blipFill>
-          <a:blip r:embed="rId3"/>
-          <a:stretch/>
-        </p:blipFill>
-        <p:spPr>
-          <a:xfrm>
-            <a:off x="3017520" y="1052280"/>
-            <a:ext cx="8191080" cy="4525560"/>
-          </a:xfrm>
-          <a:prstGeom prst="rect">
-            <a:avLst/>
-          </a:prstGeom>
-          <a:ln>
-            <a:noFill/>
-          </a:ln>
-        </p:spPr>
-      </p:pic>
+            <a:endParaRPr b="0" lang="en-US" sz="4400" spc="-1" strike="noStrike">
+              <a:solidFill>
+                <a:srgbClr val="000000"/>
+              </a:solidFill>
+              <a:uFill>
+                <a:solidFill>
+                  <a:srgbClr val="ffffff"/>
+                </a:solidFill>
+              </a:uFill>
+              <a:latin typeface="Arial"/>
+            </a:endParaRPr>
+          </a:p>
+        </p:txBody>
+      </p:sp>
     </p:spTree>
   </p:cSld>
   <p:timing>
@@ -5012,14 +4664,14 @@
       </p:grpSpPr>
       <p:sp>
         <p:nvSpPr>
-          <p:cNvPr id="91" name="TextShape 1"/>
-          <p:cNvSpPr txBox="1"/>
+          <p:cNvPr id="87" name="CustomShape 1"/>
+          <p:cNvSpPr/>
           <p:nvPr/>
         </p:nvSpPr>
         <p:spPr>
           <a:xfrm>
             <a:off x="838080" y="365040"/>
-            <a:ext cx="10515240" cy="1325160"/>
+            <a:ext cx="10514880" cy="1324800"/>
           </a:xfrm>
           <a:prstGeom prst="rect">
             <a:avLst/>
@@ -5029,33 +4681,69 @@
             <a:noFill/>
           </a:ln>
         </p:spPr>
-        <p:txBody>
-          <a:bodyPr anchor="ctr"/>
-          <a:p>
-            <a:endParaRPr b="0" lang="hu-HU" sz="1800" spc="-1" strike="noStrike">
-              <a:solidFill>
-                <a:srgbClr val="000000"/>
-              </a:solidFill>
-              <a:uFill>
-                <a:solidFill>
-                  <a:srgbClr val="ffffff"/>
-                </a:solidFill>
-              </a:uFill>
-              <a:latin typeface="Calibri"/>
-            </a:endParaRPr>
-          </a:p>
-        </p:txBody>
-      </p:sp>
-      <p:sp>
-        <p:nvSpPr>
-          <p:cNvPr id="92" name="TextShape 2"/>
+        <p:style>
+          <a:lnRef idx="0"/>
+          <a:fillRef idx="0"/>
+          <a:effectRef idx="0"/>
+          <a:fontRef idx="minor"/>
+        </p:style>
+      </p:sp>
+      <p:pic>
+        <p:nvPicPr>
+          <p:cNvPr id="88" name="Kép 3" descr=""/>
+          <p:cNvPicPr/>
+          <p:nvPr/>
+        </p:nvPicPr>
+        <p:blipFill>
+          <a:blip r:embed="rId2"/>
+          <a:stretch/>
+        </p:blipFill>
+        <p:spPr>
+          <a:xfrm>
+            <a:off x="10896480" y="5529960"/>
+            <a:ext cx="1094760" cy="1134720"/>
+          </a:xfrm>
+          <a:prstGeom prst="rect">
+            <a:avLst/>
+          </a:prstGeom>
+          <a:ln>
+            <a:noFill/>
+          </a:ln>
+        </p:spPr>
+      </p:pic>
+      <p:pic>
+        <p:nvPicPr>
+          <p:cNvPr id="89" name="" descr=""/>
+          <p:cNvPicPr/>
+          <p:nvPr/>
+        </p:nvPicPr>
+        <p:blipFill>
+          <a:blip r:embed="rId3"/>
+          <a:stretch/>
+        </p:blipFill>
+        <p:spPr>
+          <a:xfrm>
+            <a:off x="1645920" y="1188720"/>
+            <a:ext cx="9159120" cy="4221360"/>
+          </a:xfrm>
+          <a:prstGeom prst="rect">
+            <a:avLst/>
+          </a:prstGeom>
+          <a:ln>
+            <a:noFill/>
+          </a:ln>
+        </p:spPr>
+      </p:pic>
+      <p:sp>
+        <p:nvSpPr>
+          <p:cNvPr id="90" name="TextShape 2"/>
           <p:cNvSpPr txBox="1"/>
           <p:nvPr/>
         </p:nvSpPr>
         <p:spPr>
           <a:xfrm>
-            <a:off x="838080" y="365040"/>
-            <a:ext cx="10515240" cy="4572000"/>
+            <a:off x="609480" y="273600"/>
+            <a:ext cx="10972440" cy="1144800"/>
           </a:xfrm>
           <a:prstGeom prst="rect">
             <a:avLst/>
@@ -5066,18 +4754,15 @@
           </a:ln>
         </p:spPr>
         <p:txBody>
-          <a:bodyPr/>
-          <a:p>
-            <a:pPr marL="432000" indent="-324000">
-              <a:buClr>
-                <a:srgbClr val="000000"/>
-              </a:buClr>
-              <a:buSzPct val="45000"/>
-              <a:buFont typeface="Wingdings" charset="2"/>
-              <a:buChar char=""/>
+          <a:bodyPr lIns="0" rIns="0" tIns="0" bIns="0" anchor="ctr"/>
+          <a:p>
+            <a:pPr algn="ctr">
+              <a:lnSpc>
+                <a:spcPct val="100000"/>
+              </a:lnSpc>
             </a:pPr>
             <a:r>
-              <a:rPr b="0" lang="hu-HU" sz="2800" spc="-1" strike="noStrike">
+              <a:rPr b="0" lang="en-US" sz="2800" spc="-1" strike="noStrike">
                 <a:solidFill>
                   <a:srgbClr val="000000"/>
                 </a:solidFill>
@@ -5090,66 +4775,20 @@
               </a:rPr>
               <a:t>Components of a Time Series</a:t>
             </a:r>
-            <a:endParaRPr b="0" lang="hu-HU" sz="2800" spc="-1" strike="noStrike">
-              <a:solidFill>
-                <a:srgbClr val="000000"/>
-              </a:solidFill>
-              <a:uFill>
-                <a:solidFill>
-                  <a:srgbClr val="ffffff"/>
-                </a:solidFill>
-              </a:uFill>
-              <a:latin typeface="Calibri"/>
-            </a:endParaRPr>
-          </a:p>
-        </p:txBody>
-      </p:sp>
-      <p:pic>
-        <p:nvPicPr>
-          <p:cNvPr id="93" name="Kép 3" descr=""/>
-          <p:cNvPicPr/>
-          <p:nvPr/>
-        </p:nvPicPr>
-        <p:blipFill>
-          <a:blip r:embed="rId2"/>
-          <a:stretch/>
-        </p:blipFill>
-        <p:spPr>
-          <a:xfrm>
-            <a:off x="10896480" y="5529960"/>
-            <a:ext cx="1095120" cy="1135080"/>
-          </a:xfrm>
-          <a:prstGeom prst="rect">
-            <a:avLst/>
-          </a:prstGeom>
-          <a:ln>
-            <a:noFill/>
-          </a:ln>
-        </p:spPr>
-      </p:pic>
-      <p:pic>
-        <p:nvPicPr>
-          <p:cNvPr id="94" name="" descr=""/>
-          <p:cNvPicPr/>
-          <p:nvPr/>
-        </p:nvPicPr>
-        <p:blipFill>
-          <a:blip r:embed="rId3"/>
-          <a:stretch/>
-        </p:blipFill>
-        <p:spPr>
-          <a:xfrm>
-            <a:off x="914400" y="1036800"/>
-            <a:ext cx="10248480" cy="4723920"/>
-          </a:xfrm>
-          <a:prstGeom prst="rect">
-            <a:avLst/>
-          </a:prstGeom>
-          <a:ln>
-            <a:noFill/>
-          </a:ln>
-        </p:spPr>
-      </p:pic>
+            <a:endParaRPr b="0" lang="en-US" sz="4400" spc="-1" strike="noStrike">
+              <a:solidFill>
+                <a:srgbClr val="000000"/>
+              </a:solidFill>
+              <a:uFill>
+                <a:solidFill>
+                  <a:srgbClr val="ffffff"/>
+                </a:solidFill>
+              </a:uFill>
+              <a:latin typeface="Arial"/>
+            </a:endParaRPr>
+          </a:p>
+        </p:txBody>
+      </p:sp>
     </p:spTree>
   </p:cSld>
   <p:timing>
@@ -5211,14 +4850,14 @@
       </p:grpSpPr>
       <p:sp>
         <p:nvSpPr>
-          <p:cNvPr id="95" name="TextShape 1"/>
-          <p:cNvSpPr txBox="1"/>
+          <p:cNvPr id="91" name="CustomShape 1"/>
+          <p:cNvSpPr/>
           <p:nvPr/>
         </p:nvSpPr>
         <p:spPr>
           <a:xfrm>
             <a:off x="838080" y="365040"/>
-            <a:ext cx="10515240" cy="1325160"/>
+            <a:ext cx="10514880" cy="1324800"/>
           </a:xfrm>
           <a:prstGeom prst="rect">
             <a:avLst/>
@@ -5228,33 +4867,23 @@
             <a:noFill/>
           </a:ln>
         </p:spPr>
-        <p:txBody>
-          <a:bodyPr anchor="ctr"/>
-          <a:p>
-            <a:endParaRPr b="0" lang="hu-HU" sz="1800" spc="-1" strike="noStrike">
-              <a:solidFill>
-                <a:srgbClr val="000000"/>
-              </a:solidFill>
-              <a:uFill>
-                <a:solidFill>
-                  <a:srgbClr val="ffffff"/>
-                </a:solidFill>
-              </a:uFill>
-              <a:latin typeface="Calibri"/>
-            </a:endParaRPr>
-          </a:p>
-        </p:txBody>
-      </p:sp>
-      <p:sp>
-        <p:nvSpPr>
-          <p:cNvPr id="96" name="TextShape 2"/>
-          <p:cNvSpPr txBox="1"/>
+        <p:style>
+          <a:lnRef idx="0"/>
+          <a:fillRef idx="0"/>
+          <a:effectRef idx="0"/>
+          <a:fontRef idx="minor"/>
+        </p:style>
+      </p:sp>
+      <p:sp>
+        <p:nvSpPr>
+          <p:cNvPr id="92" name="CustomShape 2"/>
+          <p:cNvSpPr/>
           <p:nvPr/>
         </p:nvSpPr>
         <p:spPr>
           <a:xfrm>
             <a:off x="838080" y="1825560"/>
-            <a:ext cx="10515240" cy="3718440"/>
+            <a:ext cx="10514880" cy="3718080"/>
           </a:xfrm>
           <a:prstGeom prst="rect">
             <a:avLst/>
@@ -5264,26 +4893,16 @@
             <a:noFill/>
           </a:ln>
         </p:spPr>
-        <p:txBody>
-          <a:bodyPr/>
-          <a:p>
-            <a:endParaRPr b="0" lang="hu-HU" sz="2800" spc="-1" strike="noStrike">
-              <a:solidFill>
-                <a:srgbClr val="000000"/>
-              </a:solidFill>
-              <a:uFill>
-                <a:solidFill>
-                  <a:srgbClr val="ffffff"/>
-                </a:solidFill>
-              </a:uFill>
-              <a:latin typeface="Calibri"/>
-            </a:endParaRPr>
-          </a:p>
-        </p:txBody>
+        <p:style>
+          <a:lnRef idx="0"/>
+          <a:fillRef idx="0"/>
+          <a:effectRef idx="0"/>
+          <a:fontRef idx="minor"/>
+        </p:style>
       </p:sp>
       <p:pic>
         <p:nvPicPr>
-          <p:cNvPr id="97" name="Kép 3" descr=""/>
+          <p:cNvPr id="93" name="Kép 3" descr=""/>
           <p:cNvPicPr/>
           <p:nvPr/>
         </p:nvPicPr>
@@ -5294,7 +4913,7 @@
         <p:spPr>
           <a:xfrm>
             <a:off x="10896480" y="5529960"/>
-            <a:ext cx="1095120" cy="1135080"/>
+            <a:ext cx="1094760" cy="1134720"/>
           </a:xfrm>
           <a:prstGeom prst="rect">
             <a:avLst/>
@@ -5304,6 +4923,147 @@
           </a:ln>
         </p:spPr>
       </p:pic>
+      <p:sp>
+        <p:nvSpPr>
+          <p:cNvPr id="94" name="TextShape 3"/>
+          <p:cNvSpPr txBox="1"/>
+          <p:nvPr/>
+        </p:nvSpPr>
+        <p:spPr>
+          <a:xfrm>
+            <a:off x="609480" y="273600"/>
+            <a:ext cx="10972440" cy="1144800"/>
+          </a:xfrm>
+          <a:prstGeom prst="rect">
+            <a:avLst/>
+          </a:prstGeom>
+          <a:noFill/>
+          <a:ln>
+            <a:noFill/>
+          </a:ln>
+        </p:spPr>
+        <p:txBody>
+          <a:bodyPr lIns="0" rIns="0" tIns="0" bIns="0" anchor="ctr"/>
+          <a:p>
+            <a:pPr algn="ctr"/>
+            <a:r>
+              <a:rPr b="0" lang="en-US" sz="4400" spc="-1" strike="noStrike">
+                <a:solidFill>
+                  <a:srgbClr val="000000"/>
+                </a:solidFill>
+                <a:uFill>
+                  <a:solidFill>
+                    <a:srgbClr val="ffffff"/>
+                  </a:solidFill>
+                </a:uFill>
+                <a:latin typeface="Arial"/>
+              </a:rPr>
+              <a:t>Arima model</a:t>
+            </a:r>
+            <a:endParaRPr b="0" lang="en-US" sz="4400" spc="-1" strike="noStrike">
+              <a:solidFill>
+                <a:srgbClr val="000000"/>
+              </a:solidFill>
+              <a:uFill>
+                <a:solidFill>
+                  <a:srgbClr val="ffffff"/>
+                </a:solidFill>
+              </a:uFill>
+              <a:latin typeface="Arial"/>
+            </a:endParaRPr>
+          </a:p>
+        </p:txBody>
+      </p:sp>
+      <p:sp>
+        <p:nvSpPr>
+          <p:cNvPr id="95" name="TextShape 4"/>
+          <p:cNvSpPr txBox="1"/>
+          <p:nvPr/>
+        </p:nvSpPr>
+        <p:spPr>
+          <a:xfrm>
+            <a:off x="609480" y="1604520"/>
+            <a:ext cx="10972440" cy="3977280"/>
+          </a:xfrm>
+          <a:prstGeom prst="rect">
+            <a:avLst/>
+          </a:prstGeom>
+          <a:noFill/>
+          <a:ln>
+            <a:noFill/>
+          </a:ln>
+        </p:spPr>
+        <p:txBody>
+          <a:bodyPr lIns="0" rIns="0" tIns="0" bIns="0"/>
+          <a:p>
+            <a:r>
+              <a:rPr b="0" lang="en-US" sz="3200" spc="-1" strike="noStrike">
+                <a:solidFill>
+                  <a:srgbClr val="000000"/>
+                </a:solidFill>
+                <a:uFill>
+                  <a:solidFill>
+                    <a:srgbClr val="ffffff"/>
+                  </a:solidFill>
+                </a:uFill>
+                <a:latin typeface="Arial"/>
+              </a:rPr>
+              <a:t>ARIMA:  Autoregressive integrated moving average</a:t>
+            </a:r>
+            <a:endParaRPr b="0" lang="en-US" sz="3200" spc="-1" strike="noStrike">
+              <a:solidFill>
+                <a:srgbClr val="000000"/>
+              </a:solidFill>
+              <a:uFill>
+                <a:solidFill>
+                  <a:srgbClr val="ffffff"/>
+                </a:solidFill>
+              </a:uFill>
+              <a:latin typeface="Arial"/>
+            </a:endParaRPr>
+          </a:p>
+          <a:p>
+            <a:r>
+              <a:rPr b="0" lang="en-US" sz="3200" spc="-1" strike="noStrike">
+                <a:solidFill>
+                  <a:srgbClr val="000000"/>
+                </a:solidFill>
+                <a:uFill>
+                  <a:solidFill>
+                    <a:srgbClr val="ffffff"/>
+                  </a:solidFill>
+                </a:uFill>
+                <a:latin typeface="Arial"/>
+              </a:rPr>
+              <a:t>A “stochastic” model that can be used to calculate the probability of a future value</a:t>
+            </a:r>
+            <a:endParaRPr b="0" lang="en-US" sz="3200" spc="-1" strike="noStrike">
+              <a:solidFill>
+                <a:srgbClr val="000000"/>
+              </a:solidFill>
+              <a:uFill>
+                <a:solidFill>
+                  <a:srgbClr val="ffffff"/>
+                </a:solidFill>
+              </a:uFill>
+              <a:latin typeface="Arial"/>
+            </a:endParaRPr>
+          </a:p>
+          <a:p>
+            <a:endParaRPr b="0" lang="en-US" sz="3200" spc="-1" strike="noStrike">
+              <a:solidFill>
+                <a:srgbClr val="000000"/>
+              </a:solidFill>
+              <a:uFill>
+                <a:solidFill>
+                  <a:srgbClr val="ffffff"/>
+                </a:solidFill>
+              </a:uFill>
+              <a:latin typeface="Arial"/>
+            </a:endParaRPr>
+          </a:p>
+        </p:txBody>
+      </p:sp>
     </p:spTree>
   </p:cSld>
   <p:timing>
@@ -5365,14 +5125,14 @@
       </p:grpSpPr>
       <p:sp>
         <p:nvSpPr>
-          <p:cNvPr id="98" name="TextShape 1"/>
-          <p:cNvSpPr txBox="1"/>
+          <p:cNvPr id="96" name="CustomShape 1"/>
+          <p:cNvSpPr/>
           <p:nvPr/>
         </p:nvSpPr>
         <p:spPr>
           <a:xfrm>
             <a:off x="838080" y="365040"/>
-            <a:ext cx="10515240" cy="1325160"/>
+            <a:ext cx="10514880" cy="1324800"/>
           </a:xfrm>
           <a:prstGeom prst="rect">
             <a:avLst/>
@@ -5382,33 +5142,23 @@
             <a:noFill/>
           </a:ln>
         </p:spPr>
-        <p:txBody>
-          <a:bodyPr anchor="ctr"/>
-          <a:p>
-            <a:endParaRPr b="0" lang="hu-HU" sz="1800" spc="-1" strike="noStrike">
-              <a:solidFill>
-                <a:srgbClr val="000000"/>
-              </a:solidFill>
-              <a:uFill>
-                <a:solidFill>
-                  <a:srgbClr val="ffffff"/>
-                </a:solidFill>
-              </a:uFill>
-              <a:latin typeface="Calibri"/>
-            </a:endParaRPr>
-          </a:p>
-        </p:txBody>
-      </p:sp>
-      <p:sp>
-        <p:nvSpPr>
-          <p:cNvPr id="99" name="TextShape 2"/>
-          <p:cNvSpPr txBox="1"/>
+        <p:style>
+          <a:lnRef idx="0"/>
+          <a:fillRef idx="0"/>
+          <a:effectRef idx="0"/>
+          <a:fontRef idx="minor"/>
+        </p:style>
+      </p:sp>
+      <p:sp>
+        <p:nvSpPr>
+          <p:cNvPr id="97" name="CustomShape 2"/>
+          <p:cNvSpPr/>
           <p:nvPr/>
         </p:nvSpPr>
         <p:spPr>
           <a:xfrm>
             <a:off x="838080" y="1825560"/>
-            <a:ext cx="10515240" cy="3718440"/>
+            <a:ext cx="10514880" cy="3718080"/>
           </a:xfrm>
           <a:prstGeom prst="rect">
             <a:avLst/>
@@ -5418,26 +5168,16 @@
             <a:noFill/>
           </a:ln>
         </p:spPr>
-        <p:txBody>
-          <a:bodyPr/>
-          <a:p>
-            <a:endParaRPr b="0" lang="hu-HU" sz="2800" spc="-1" strike="noStrike">
-              <a:solidFill>
-                <a:srgbClr val="000000"/>
-              </a:solidFill>
-              <a:uFill>
-                <a:solidFill>
-                  <a:srgbClr val="ffffff"/>
-                </a:solidFill>
-              </a:uFill>
-              <a:latin typeface="Calibri"/>
-            </a:endParaRPr>
-          </a:p>
-        </p:txBody>
+        <p:style>
+          <a:lnRef idx="0"/>
+          <a:fillRef idx="0"/>
+          <a:effectRef idx="0"/>
+          <a:fontRef idx="minor"/>
+        </p:style>
       </p:sp>
       <p:pic>
         <p:nvPicPr>
-          <p:cNvPr id="100" name="Kép 3" descr=""/>
+          <p:cNvPr id="98" name="Kép 3" descr=""/>
           <p:cNvPicPr/>
           <p:nvPr/>
         </p:nvPicPr>
@@ -5448,7 +5188,7 @@
         <p:spPr>
           <a:xfrm>
             <a:off x="10896480" y="5529960"/>
-            <a:ext cx="1095120" cy="1135080"/>
+            <a:ext cx="1094760" cy="1134720"/>
           </a:xfrm>
           <a:prstGeom prst="rect">
             <a:avLst/>
@@ -5458,6 +5198,160 @@
           </a:ln>
         </p:spPr>
       </p:pic>
+      <p:sp>
+        <p:nvSpPr>
+          <p:cNvPr id="99" name="TextShape 3"/>
+          <p:cNvSpPr txBox="1"/>
+          <p:nvPr/>
+        </p:nvSpPr>
+        <p:spPr>
+          <a:xfrm>
+            <a:off x="609480" y="273600"/>
+            <a:ext cx="10972440" cy="1144800"/>
+          </a:xfrm>
+          <a:prstGeom prst="rect">
+            <a:avLst/>
+          </a:prstGeom>
+          <a:noFill/>
+          <a:ln>
+            <a:noFill/>
+          </a:ln>
+        </p:spPr>
+        <p:txBody>
+          <a:bodyPr lIns="0" rIns="0" tIns="0" bIns="0" anchor="ctr"/>
+          <a:p>
+            <a:pPr algn="ctr"/>
+            <a:r>
+              <a:rPr b="0" lang="en-US" sz="4400" spc="-1" strike="noStrike">
+                <a:solidFill>
+                  <a:srgbClr val="000000"/>
+                </a:solidFill>
+                <a:uFill>
+                  <a:solidFill>
+                    <a:srgbClr val="ffffff"/>
+                  </a:solidFill>
+                </a:uFill>
+                <a:latin typeface="Arial"/>
+              </a:rPr>
+              <a:t>AR and MA models</a:t>
+            </a:r>
+            <a:endParaRPr b="0" lang="en-US" sz="4400" spc="-1" strike="noStrike">
+              <a:solidFill>
+                <a:srgbClr val="000000"/>
+              </a:solidFill>
+              <a:uFill>
+                <a:solidFill>
+                  <a:srgbClr val="ffffff"/>
+                </a:solidFill>
+              </a:uFill>
+              <a:latin typeface="Arial"/>
+            </a:endParaRPr>
+          </a:p>
+        </p:txBody>
+      </p:sp>
+      <p:sp>
+        <p:nvSpPr>
+          <p:cNvPr id="100" name="TextShape 4"/>
+          <p:cNvSpPr txBox="1"/>
+          <p:nvPr/>
+        </p:nvSpPr>
+        <p:spPr>
+          <a:xfrm>
+            <a:off x="609480" y="1604520"/>
+            <a:ext cx="10972440" cy="3977280"/>
+          </a:xfrm>
+          <a:prstGeom prst="rect">
+            <a:avLst/>
+          </a:prstGeom>
+          <a:noFill/>
+          <a:ln>
+            <a:noFill/>
+          </a:ln>
+        </p:spPr>
+        <p:txBody>
+          <a:bodyPr lIns="0" rIns="0" tIns="0" bIns="0"/>
+          <a:p>
+            <a:endParaRPr b="0" lang="en-US" sz="3200" spc="-1" strike="noStrike">
+              <a:solidFill>
+                <a:srgbClr val="000000"/>
+              </a:solidFill>
+              <a:uFill>
+                <a:solidFill>
+                  <a:srgbClr val="ffffff"/>
+                </a:solidFill>
+              </a:uFill>
+              <a:latin typeface="Arial"/>
+            </a:endParaRPr>
+          </a:p>
+          <a:p>
+            <a:r>
+              <a:rPr b="0" lang="en-US" sz="3200" spc="-1" strike="noStrike">
+                <a:solidFill>
+                  <a:srgbClr val="000000"/>
+                </a:solidFill>
+                <a:uFill>
+                  <a:solidFill>
+                    <a:srgbClr val="ffffff"/>
+                  </a:solidFill>
+                </a:uFill>
+                <a:latin typeface="Arial"/>
+              </a:rPr>
+              <a:t>Autoregressive AR process: Series current values depend on its own previous values</a:t>
+            </a:r>
+            <a:endParaRPr b="0" lang="en-US" sz="3200" spc="-1" strike="noStrike">
+              <a:solidFill>
+                <a:srgbClr val="000000"/>
+              </a:solidFill>
+              <a:uFill>
+                <a:solidFill>
+                  <a:srgbClr val="ffffff"/>
+                </a:solidFill>
+              </a:uFill>
+              <a:latin typeface="Arial"/>
+            </a:endParaRPr>
+          </a:p>
+          <a:p>
+            <a:endParaRPr b="0" lang="en-US" sz="3200" spc="-1" strike="noStrike">
+              <a:solidFill>
+                <a:srgbClr val="000000"/>
+              </a:solidFill>
+              <a:uFill>
+                <a:solidFill>
+                  <a:srgbClr val="ffffff"/>
+                </a:solidFill>
+              </a:uFill>
+              <a:latin typeface="Arial"/>
+            </a:endParaRPr>
+          </a:p>
+          <a:p>
+            <a:r>
+              <a:rPr b="0" lang="en-US" sz="3200" spc="-1" strike="noStrike">
+                <a:solidFill>
+                  <a:srgbClr val="000000"/>
+                </a:solidFill>
+                <a:uFill>
+                  <a:solidFill>
+                    <a:srgbClr val="ffffff"/>
+                  </a:solidFill>
+                </a:uFill>
+                <a:latin typeface="Arial"/>
+              </a:rPr>
+              <a:t>Moving average MR process: The current deviation from mean depends on previous deviations</a:t>
+            </a:r>
+            <a:endParaRPr b="0" lang="en-US" sz="3200" spc="-1" strike="noStrike">
+              <a:solidFill>
+                <a:srgbClr val="000000"/>
+              </a:solidFill>
+              <a:uFill>
+                <a:solidFill>
+                  <a:srgbClr val="ffffff"/>
+                </a:solidFill>
+              </a:uFill>
+              <a:latin typeface="Arial"/>
+            </a:endParaRPr>
+          </a:p>
+        </p:txBody>
+      </p:sp>
     </p:spTree>
   </p:cSld>
   <p:timing>
@@ -5495,6 +5389,594 @@
   <p:cSld>
     <p:bg>
       <p:bgPr>
+        <a:blipFill>
+          <a:blip r:embed="rId1"/>
+          <a:stretch>
+            <a:fillRect/>
+          </a:stretch>
+        </a:blipFill>
+      </p:bgPr>
+    </p:bg>
+    <p:spTree>
+      <p:nvGrpSpPr>
+        <p:cNvPr id="1" name=""/>
+        <p:cNvGrpSpPr/>
+        <p:nvPr/>
+      </p:nvGrpSpPr>
+      <p:grpSpPr>
+        <a:xfrm>
+          <a:off x="0" y="0"/>
+          <a:ext cx="0" cy="0"/>
+          <a:chOff x="0" y="0"/>
+          <a:chExt cx="0" cy="0"/>
+        </a:xfrm>
+      </p:grpSpPr>
+      <p:sp>
+        <p:nvSpPr>
+          <p:cNvPr id="101" name="CustomShape 1"/>
+          <p:cNvSpPr/>
+          <p:nvPr/>
+        </p:nvSpPr>
+        <p:spPr>
+          <a:xfrm>
+            <a:off x="838080" y="365040"/>
+            <a:ext cx="10514880" cy="1324800"/>
+          </a:xfrm>
+          <a:prstGeom prst="rect">
+            <a:avLst/>
+          </a:prstGeom>
+          <a:noFill/>
+          <a:ln>
+            <a:noFill/>
+          </a:ln>
+        </p:spPr>
+        <p:style>
+          <a:lnRef idx="0"/>
+          <a:fillRef idx="0"/>
+          <a:effectRef idx="0"/>
+          <a:fontRef idx="minor"/>
+        </p:style>
+      </p:sp>
+      <p:sp>
+        <p:nvSpPr>
+          <p:cNvPr id="102" name="CustomShape 2"/>
+          <p:cNvSpPr/>
+          <p:nvPr/>
+        </p:nvSpPr>
+        <p:spPr>
+          <a:xfrm>
+            <a:off x="838080" y="1825560"/>
+            <a:ext cx="10514880" cy="3718080"/>
+          </a:xfrm>
+          <a:prstGeom prst="rect">
+            <a:avLst/>
+          </a:prstGeom>
+          <a:noFill/>
+          <a:ln>
+            <a:noFill/>
+          </a:ln>
+        </p:spPr>
+        <p:style>
+          <a:lnRef idx="0"/>
+          <a:fillRef idx="0"/>
+          <a:effectRef idx="0"/>
+          <a:fontRef idx="minor"/>
+        </p:style>
+      </p:sp>
+      <p:pic>
+        <p:nvPicPr>
+          <p:cNvPr id="103" name="Kép 3" descr=""/>
+          <p:cNvPicPr/>
+          <p:nvPr/>
+        </p:nvPicPr>
+        <p:blipFill>
+          <a:blip r:embed="rId2"/>
+          <a:stretch/>
+        </p:blipFill>
+        <p:spPr>
+          <a:xfrm>
+            <a:off x="10896480" y="5529960"/>
+            <a:ext cx="1094760" cy="1134720"/>
+          </a:xfrm>
+          <a:prstGeom prst="rect">
+            <a:avLst/>
+          </a:prstGeom>
+          <a:ln>
+            <a:noFill/>
+          </a:ln>
+        </p:spPr>
+      </p:pic>
+      <p:sp>
+        <p:nvSpPr>
+          <p:cNvPr id="104" name="TextShape 3"/>
+          <p:cNvSpPr txBox="1"/>
+          <p:nvPr/>
+        </p:nvSpPr>
+        <p:spPr>
+          <a:xfrm>
+            <a:off x="609480" y="273600"/>
+            <a:ext cx="10972440" cy="1144800"/>
+          </a:xfrm>
+          <a:prstGeom prst="rect">
+            <a:avLst/>
+          </a:prstGeom>
+          <a:noFill/>
+          <a:ln>
+            <a:noFill/>
+          </a:ln>
+        </p:spPr>
+        <p:txBody>
+          <a:bodyPr lIns="0" rIns="0" tIns="0" bIns="0" anchor="ctr"/>
+          <a:p>
+            <a:pPr algn="ctr"/>
+            <a:r>
+              <a:rPr b="0" lang="en-US" sz="4400" spc="-1" strike="noStrike">
+                <a:solidFill>
+                  <a:srgbClr val="000000"/>
+                </a:solidFill>
+                <a:uFill>
+                  <a:solidFill>
+                    <a:srgbClr val="ffffff"/>
+                  </a:solidFill>
+                </a:uFill>
+                <a:latin typeface="Arial"/>
+              </a:rPr>
+              <a:t>ARIMA model</a:t>
+            </a:r>
+            <a:endParaRPr b="0" lang="en-US" sz="4400" spc="-1" strike="noStrike">
+              <a:solidFill>
+                <a:srgbClr val="000000"/>
+              </a:solidFill>
+              <a:uFill>
+                <a:solidFill>
+                  <a:srgbClr val="ffffff"/>
+                </a:solidFill>
+              </a:uFill>
+              <a:latin typeface="Arial"/>
+            </a:endParaRPr>
+          </a:p>
+        </p:txBody>
+      </p:sp>
+      <p:sp>
+        <p:nvSpPr>
+          <p:cNvPr id="105" name="TextShape 4"/>
+          <p:cNvSpPr txBox="1"/>
+          <p:nvPr/>
+        </p:nvSpPr>
+        <p:spPr>
+          <a:xfrm>
+            <a:off x="609480" y="1604520"/>
+            <a:ext cx="10972440" cy="3977280"/>
+          </a:xfrm>
+          <a:prstGeom prst="rect">
+            <a:avLst/>
+          </a:prstGeom>
+          <a:noFill/>
+          <a:ln>
+            <a:noFill/>
+          </a:ln>
+        </p:spPr>
+        <p:txBody>
+          <a:bodyPr lIns="0" rIns="0" tIns="0" bIns="0"/>
+          <a:p>
+            <a:endParaRPr b="0" lang="en-US" sz="3200" spc="-1" strike="noStrike">
+              <a:solidFill>
+                <a:srgbClr val="000000"/>
+              </a:solidFill>
+              <a:uFill>
+                <a:solidFill>
+                  <a:srgbClr val="ffffff"/>
+                </a:solidFill>
+              </a:uFill>
+              <a:latin typeface="Arial"/>
+            </a:endParaRPr>
+          </a:p>
+          <a:p>
+            <a:pPr marL="216000" indent="-216000" algn="ctr">
+              <a:buClr>
+                <a:srgbClr val="000000"/>
+              </a:buClr>
+              <a:buSzPct val="45000"/>
+              <a:buFont typeface="Wingdings" charset="2"/>
+              <a:buChar char=""/>
+            </a:pPr>
+            <a:r>
+              <a:rPr b="0" lang="en-US" sz="3200" spc="-1" strike="noStrike">
+                <a:solidFill>
+                  <a:srgbClr val="000000"/>
+                </a:solidFill>
+                <a:uFill>
+                  <a:solidFill>
+                    <a:srgbClr val="ffffff"/>
+                  </a:solidFill>
+                </a:uFill>
+                <a:latin typeface="Arial"/>
+              </a:rPr>
+              <a:t>Y</a:t>
+            </a:r>
+            <a:r>
+              <a:rPr b="0" lang="en-US" sz="3200" spc="-1" strike="noStrike" baseline="-33000">
+                <a:solidFill>
+                  <a:srgbClr val="000000"/>
+                </a:solidFill>
+                <a:uFill>
+                  <a:solidFill>
+                    <a:srgbClr val="ffffff"/>
+                  </a:solidFill>
+                </a:uFill>
+                <a:latin typeface="Arial"/>
+              </a:rPr>
+              <a:t>t   </a:t>
+            </a:r>
+            <a:r>
+              <a:rPr b="0" lang="en-US" sz="3200" spc="-1" strike="noStrike">
+                <a:solidFill>
+                  <a:srgbClr val="000000"/>
+                </a:solidFill>
+                <a:uFill>
+                  <a:solidFill>
+                    <a:srgbClr val="ffffff"/>
+                  </a:solidFill>
+                </a:uFill>
+                <a:latin typeface="Arial"/>
+              </a:rPr>
+              <a:t>→</a:t>
+            </a:r>
+            <a:r>
+              <a:rPr b="0" lang="en-US" sz="3200" spc="-1" strike="noStrike" baseline="-33000">
+                <a:solidFill>
+                  <a:srgbClr val="000000"/>
+                </a:solidFill>
+                <a:uFill>
+                  <a:solidFill>
+                    <a:srgbClr val="ffffff"/>
+                  </a:solidFill>
+                </a:uFill>
+                <a:latin typeface="Arial"/>
+              </a:rPr>
+              <a:t> </a:t>
+            </a:r>
+            <a:r>
+              <a:rPr b="0" lang="en-US" sz="3200" spc="-1" strike="noStrike">
+                <a:solidFill>
+                  <a:srgbClr val="000000"/>
+                </a:solidFill>
+                <a:uFill>
+                  <a:solidFill>
+                    <a:srgbClr val="ffffff"/>
+                  </a:solidFill>
+                </a:uFill>
+                <a:latin typeface="Arial"/>
+              </a:rPr>
+              <a:t> AR filter →  Integration filter → MA filter → </a:t>
+            </a:r>
+            <a:r>
+              <a:rPr b="0" lang="en-US" sz="3200" spc="-1" strike="noStrike">
+                <a:solidFill>
+                  <a:srgbClr val="000000"/>
+                </a:solidFill>
+                <a:uFill>
+                  <a:solidFill>
+                    <a:srgbClr val="ffffff"/>
+                  </a:solidFill>
+                </a:uFill>
+                <a:latin typeface="Arial"/>
+                <a:ea typeface="Arial"/>
+              </a:rPr>
+              <a:t>ε</a:t>
+            </a:r>
+            <a:r>
+              <a:rPr b="0" lang="en-US" sz="3200" spc="-1" strike="noStrike" baseline="-33000">
+                <a:solidFill>
+                  <a:srgbClr val="000000"/>
+                </a:solidFill>
+                <a:uFill>
+                  <a:solidFill>
+                    <a:srgbClr val="ffffff"/>
+                  </a:solidFill>
+                </a:uFill>
+                <a:latin typeface="Arial"/>
+                <a:ea typeface="Arial"/>
+              </a:rPr>
+              <a:t>t</a:t>
+            </a:r>
+            <a:endParaRPr b="0" lang="en-US" sz="3200" spc="-1" strike="noStrike">
+              <a:solidFill>
+                <a:srgbClr val="000000"/>
+              </a:solidFill>
+              <a:uFill>
+                <a:solidFill>
+                  <a:srgbClr val="ffffff"/>
+                </a:solidFill>
+              </a:uFill>
+              <a:latin typeface="Arial"/>
+            </a:endParaRPr>
+          </a:p>
+          <a:p>
+            <a:pPr marL="216000" indent="-216000">
+              <a:buClr>
+                <a:srgbClr val="000000"/>
+              </a:buClr>
+              <a:buSzPct val="45000"/>
+              <a:buFont typeface="Wingdings" charset="2"/>
+              <a:buChar char=""/>
+            </a:pPr>
+            <a:r>
+              <a:rPr b="0" lang="en-US" sz="3200" spc="-1" strike="noStrike">
+                <a:solidFill>
+                  <a:srgbClr val="000000"/>
+                </a:solidFill>
+                <a:uFill>
+                  <a:solidFill>
+                    <a:srgbClr val="ffffff"/>
+                  </a:solidFill>
+                </a:uFill>
+                <a:latin typeface="Arial"/>
+                <a:ea typeface="Arial"/>
+              </a:rPr>
+              <a:t> </a:t>
+            </a:r>
+            <a:endParaRPr b="0" lang="en-US" sz="3200" spc="-1" strike="noStrike">
+              <a:solidFill>
+                <a:srgbClr val="000000"/>
+              </a:solidFill>
+              <a:uFill>
+                <a:solidFill>
+                  <a:srgbClr val="ffffff"/>
+                </a:solidFill>
+              </a:uFill>
+              <a:latin typeface="Arial"/>
+            </a:endParaRPr>
+          </a:p>
+          <a:p>
+            <a:pPr marL="216000" indent="-216000">
+              <a:buClr>
+                <a:srgbClr val="000000"/>
+              </a:buClr>
+              <a:buSzPct val="45000"/>
+              <a:buFont typeface="Wingdings" charset="2"/>
+              <a:buChar char=""/>
+            </a:pPr>
+            <a:r>
+              <a:rPr b="0" lang="en-US" sz="3200" spc="-1" strike="noStrike">
+                <a:solidFill>
+                  <a:srgbClr val="000000"/>
+                </a:solidFill>
+                <a:uFill>
+                  <a:solidFill>
+                    <a:srgbClr val="ffffff"/>
+                  </a:solidFill>
+                </a:uFill>
+                <a:latin typeface="Arial"/>
+                <a:ea typeface="Arial"/>
+              </a:rPr>
+              <a:t>AR filter: long term</a:t>
+            </a:r>
+            <a:endParaRPr b="0" lang="en-US" sz="3200" spc="-1" strike="noStrike">
+              <a:solidFill>
+                <a:srgbClr val="000000"/>
+              </a:solidFill>
+              <a:uFill>
+                <a:solidFill>
+                  <a:srgbClr val="ffffff"/>
+                </a:solidFill>
+              </a:uFill>
+              <a:latin typeface="Arial"/>
+            </a:endParaRPr>
+          </a:p>
+          <a:p>
+            <a:pPr marL="216000" indent="-216000">
+              <a:buClr>
+                <a:srgbClr val="000000"/>
+              </a:buClr>
+              <a:buSzPct val="45000"/>
+              <a:buFont typeface="Wingdings" charset="2"/>
+              <a:buChar char=""/>
+            </a:pPr>
+            <a:r>
+              <a:rPr b="0" lang="en-US" sz="3200" spc="-1" strike="noStrike">
+                <a:solidFill>
+                  <a:srgbClr val="000000"/>
+                </a:solidFill>
+                <a:uFill>
+                  <a:solidFill>
+                    <a:srgbClr val="ffffff"/>
+                  </a:solidFill>
+                </a:uFill>
+                <a:latin typeface="Arial"/>
+                <a:ea typeface="Arial"/>
+              </a:rPr>
+              <a:t>Integration filter: stochastic trend</a:t>
+            </a:r>
+            <a:endParaRPr b="0" lang="en-US" sz="3200" spc="-1" strike="noStrike">
+              <a:solidFill>
+                <a:srgbClr val="000000"/>
+              </a:solidFill>
+              <a:uFill>
+                <a:solidFill>
+                  <a:srgbClr val="ffffff"/>
+                </a:solidFill>
+              </a:uFill>
+              <a:latin typeface="Arial"/>
+            </a:endParaRPr>
+          </a:p>
+          <a:p>
+            <a:pPr marL="216000" indent="-216000">
+              <a:buClr>
+                <a:srgbClr val="000000"/>
+              </a:buClr>
+              <a:buSzPct val="45000"/>
+              <a:buFont typeface="Wingdings" charset="2"/>
+              <a:buChar char=""/>
+            </a:pPr>
+            <a:r>
+              <a:rPr b="0" lang="en-US" sz="3200" spc="-1" strike="noStrike">
+                <a:solidFill>
+                  <a:srgbClr val="000000"/>
+                </a:solidFill>
+                <a:uFill>
+                  <a:solidFill>
+                    <a:srgbClr val="ffffff"/>
+                  </a:solidFill>
+                </a:uFill>
+                <a:latin typeface="Arial"/>
+                <a:ea typeface="Arial"/>
+              </a:rPr>
+              <a:t>MA filter: short term</a:t>
+            </a:r>
+            <a:endParaRPr b="0" lang="en-US" sz="3200" spc="-1" strike="noStrike">
+              <a:solidFill>
+                <a:srgbClr val="000000"/>
+              </a:solidFill>
+              <a:uFill>
+                <a:solidFill>
+                  <a:srgbClr val="ffffff"/>
+                </a:solidFill>
+              </a:uFill>
+              <a:latin typeface="Arial"/>
+            </a:endParaRPr>
+          </a:p>
+          <a:p>
+            <a:pPr marL="216000" indent="-216000">
+              <a:buClr>
+                <a:srgbClr val="000000"/>
+              </a:buClr>
+              <a:buSzPct val="45000"/>
+              <a:buFont typeface="Wingdings" charset="2"/>
+              <a:buChar char=""/>
+            </a:pPr>
+            <a:r>
+              <a:rPr b="0" lang="en-US" sz="3200" spc="-1" strike="noStrike">
+                <a:solidFill>
+                  <a:srgbClr val="000000"/>
+                </a:solidFill>
+                <a:uFill>
+                  <a:solidFill>
+                    <a:srgbClr val="ffffff"/>
+                  </a:solidFill>
+                </a:uFill>
+                <a:latin typeface="Arial"/>
+                <a:ea typeface="Arial"/>
+              </a:rPr>
+              <a:t>ε</a:t>
+            </a:r>
+            <a:r>
+              <a:rPr b="0" lang="en-US" sz="3200" spc="-1" strike="noStrike" baseline="-33000">
+                <a:solidFill>
+                  <a:srgbClr val="000000"/>
+                </a:solidFill>
+                <a:uFill>
+                  <a:solidFill>
+                    <a:srgbClr val="ffffff"/>
+                  </a:solidFill>
+                </a:uFill>
+                <a:latin typeface="Arial"/>
+                <a:ea typeface="Arial"/>
+              </a:rPr>
+              <a:t>t</a:t>
+            </a:r>
+            <a:r>
+              <a:rPr b="0" lang="en-US" sz="3200" spc="-1" strike="noStrike">
+                <a:solidFill>
+                  <a:srgbClr val="000000"/>
+                </a:solidFill>
+                <a:uFill>
+                  <a:solidFill>
+                    <a:srgbClr val="ffffff"/>
+                  </a:solidFill>
+                </a:uFill>
+                <a:latin typeface="Arial"/>
+                <a:ea typeface="Arial"/>
+              </a:rPr>
+              <a:t> : white noise error</a:t>
+            </a:r>
+            <a:endParaRPr b="0" lang="en-US" sz="3200" spc="-1" strike="noStrike">
+              <a:solidFill>
+                <a:srgbClr val="000000"/>
+              </a:solidFill>
+              <a:uFill>
+                <a:solidFill>
+                  <a:srgbClr val="ffffff"/>
+                </a:solidFill>
+              </a:uFill>
+              <a:latin typeface="Arial"/>
+            </a:endParaRPr>
+          </a:p>
+          <a:p>
+            <a:pPr marL="216000" indent="-216000">
+              <a:buClr>
+                <a:srgbClr val="000000"/>
+              </a:buClr>
+              <a:buSzPct val="45000"/>
+              <a:buFont typeface="Wingdings" charset="2"/>
+              <a:buChar char=""/>
+            </a:pPr>
+            <a:r>
+              <a:rPr b="0" lang="en-US" sz="3200" spc="-1" strike="noStrike">
+                <a:solidFill>
+                  <a:srgbClr val="000000"/>
+                </a:solidFill>
+                <a:uFill>
+                  <a:solidFill>
+                    <a:srgbClr val="ffffff"/>
+                  </a:solidFill>
+                </a:uFill>
+                <a:latin typeface="Arial"/>
+                <a:ea typeface="Arial"/>
+              </a:rPr>
+              <a:t> </a:t>
+            </a:r>
+            <a:endParaRPr b="0" lang="en-US" sz="3200" spc="-1" strike="noStrike">
+              <a:solidFill>
+                <a:srgbClr val="000000"/>
+              </a:solidFill>
+              <a:uFill>
+                <a:solidFill>
+                  <a:srgbClr val="ffffff"/>
+                </a:solidFill>
+              </a:uFill>
+              <a:latin typeface="Arial"/>
+            </a:endParaRPr>
+          </a:p>
+        </p:txBody>
+      </p:sp>
+    </p:spTree>
+  </p:cSld>
+  <p:timing>
+    <p:tnLst>
+      <p:par>
+        <p:cTn id="13" dur="indefinite" restart="never" nodeType="tmRoot">
+          <p:childTnLst>
+            <p:seq>
+              <p:cTn id="14" nodeType="mainSeq"/>
+              <p:prevCondLst>
+                <p:cond delay="0" evt="onPrev">
+                  <p:tgtEl>
+                    <p:sldTgt/>
+                  </p:tgtEl>
+                </p:cond>
+              </p:prevCondLst>
+              <p:nextCondLst>
+                <p:cond delay="0" evt="onNext">
+                  <p:tgtEl>
+                    <p:sldTgt/>
+                  </p:tgtEl>
+                </p:cond>
+              </p:nextCondLst>
+            </p:seq>
+          </p:childTnLst>
+        </p:cTn>
+      </p:par>
+    </p:tnLst>
+  </p:timing>
+</p:sld>
+</file>
+
+<file path=ppt/slides/slide8.xml><?xml version="1.0" encoding="utf-8"?>
+<p:sld xmlns:a="http://schemas.openxmlformats.org/drawingml/2006/main" xmlns:p="http://schemas.openxmlformats.org/presentationml/2006/main" xmlns:r="http://schemas.openxmlformats.org/officeDocument/2006/relationships" xmlns:p14="http://schemas.microsoft.com/office/powerpoint/2010/main" xmlns:p15="http://schemas.microsoft.com/office/powerpoint/2012/main" xmlns:mc="http://schemas.openxmlformats.org/markup-compatibility/2006">
+  <p:cSld>
+    <p:bg>
+      <p:bgPr>
         <a:solidFill>
           <a:srgbClr val="004735"/>
         </a:solidFill>
@@ -5516,14 +5998,14 @@
       </p:grpSpPr>
       <p:sp>
         <p:nvSpPr>
-          <p:cNvPr id="101" name="TextShape 1"/>
-          <p:cNvSpPr txBox="1"/>
+          <p:cNvPr id="106" name="CustomShape 1"/>
+          <p:cNvSpPr/>
           <p:nvPr/>
         </p:nvSpPr>
         <p:spPr>
           <a:xfrm>
             <a:off x="839520" y="2784600"/>
-            <a:ext cx="10515240" cy="1325160"/>
+            <a:ext cx="10514880" cy="1324800"/>
           </a:xfrm>
           <a:prstGeom prst="rect">
             <a:avLst/>
@@ -5533,8 +6015,14 @@
             <a:noFill/>
           </a:ln>
         </p:spPr>
-        <p:txBody>
-          <a:bodyPr anchor="ctr"/>
+        <p:style>
+          <a:lnRef idx="0"/>
+          <a:fillRef idx="0"/>
+          <a:effectRef idx="0"/>
+          <a:fontRef idx="minor"/>
+        </p:style>
+        <p:txBody>
+          <a:bodyPr lIns="90000" rIns="90000" tIns="45000" bIns="45000" anchor="ctr"/>
           <a:p>
             <a:pPr algn="ctr">
               <a:lnSpc>
@@ -5542,7 +6030,7 @@
               </a:lnSpc>
             </a:pPr>
             <a:r>
-              <a:rPr b="0" lang="hu-HU" sz="4400" spc="-1" strike="noStrike">
+              <a:rPr b="0" lang="en-US" sz="4400" spc="-1" strike="noStrike">
                 <a:solidFill>
                   <a:srgbClr val="ffffff"/>
                 </a:solidFill>
@@ -5556,22 +6044,49 @@
               </a:rPr>
               <a:t>Ender slide</a:t>
             </a:r>
-            <a:endParaRPr b="0" lang="hu-HU" sz="1800" spc="-1" strike="noStrike">
-              <a:solidFill>
-                <a:srgbClr val="000000"/>
-              </a:solidFill>
-              <a:uFill>
-                <a:solidFill>
-                  <a:srgbClr val="ffffff"/>
-                </a:solidFill>
-              </a:uFill>
-              <a:latin typeface="Calibri"/>
+            <a:endParaRPr b="0" lang="en-US" sz="1800" spc="-1" strike="noStrike">
+              <a:solidFill>
+                <a:srgbClr val="ffffff"/>
+              </a:solidFill>
+              <a:uFill>
+                <a:solidFill>
+                  <a:srgbClr val="ffffff"/>
+                </a:solidFill>
+              </a:uFill>
+              <a:latin typeface="Arial"/>
             </a:endParaRPr>
           </a:p>
         </p:txBody>
       </p:sp>
     </p:spTree>
   </p:cSld>
+  <p:timing>
+    <p:tnLst>
+      <p:par>
+        <p:cTn id="15" dur="indefinite" restart="never" nodeType="tmRoot">
+          <p:childTnLst>
+            <p:seq>
+              <p:cTn id="16" nodeType="mainSeq"/>
+              <p:prevCondLst>
+                <p:cond delay="0" evt="onPrev">
+                  <p:tgtEl>
+                    <p:sldTgt/>
+                  </p:tgtEl>
+                </p:cond>
+              </p:prevCondLst>
+              <p:nextCondLst>
+                <p:cond delay="0" evt="onNext">
+                  <p:tgtEl>
+                    <p:sldTgt/>
+                  </p:tgtEl>
+                </p:cond>
+              </p:nextCondLst>
+            </p:seq>
+          </p:childTnLst>
+        </p:cTn>
+      </p:par>
+    </p:tnLst>
+  </p:timing>
 </p:sld>
 </file>
 
